--- a/otmm_decimal/result_colab/result_existing_5195_1.0_6_59_ColabFree/result_existing_5195_1.0_6_59_parsing.pptx
+++ b/otmm_decimal/result_colab/result_existing_5195_1.0_6_59_ColabFree/result_existing_5195_1.0_6_59_parsing.pptx
@@ -262,7 +262,7 @@
           <a:p>
             <a:fld id="{A1CCF42C-534B-4F17-84EB-3026585EF5A2}" type="datetimeFigureOut">
               <a:rPr kumimoji="1" lang="ja-JP" altLang="en-US" smtClean="0"/>
-              <a:t>2022/12/27</a:t>
+              <a:t>2022/12/29</a:t>
             </a:fld>
             <a:endParaRPr kumimoji="1" lang="ja-JP" altLang="en-US"/>
           </a:p>
@@ -492,7 +492,7 @@
           <a:p>
             <a:fld id="{A1CCF42C-534B-4F17-84EB-3026585EF5A2}" type="datetimeFigureOut">
               <a:rPr kumimoji="1" lang="ja-JP" altLang="en-US" smtClean="0"/>
-              <a:t>2022/12/27</a:t>
+              <a:t>2022/12/29</a:t>
             </a:fld>
             <a:endParaRPr kumimoji="1" lang="ja-JP" altLang="en-US"/>
           </a:p>
@@ -732,7 +732,7 @@
           <a:p>
             <a:fld id="{A1CCF42C-534B-4F17-84EB-3026585EF5A2}" type="datetimeFigureOut">
               <a:rPr kumimoji="1" lang="ja-JP" altLang="en-US" smtClean="0"/>
-              <a:t>2022/12/27</a:t>
+              <a:t>2022/12/29</a:t>
             </a:fld>
             <a:endParaRPr kumimoji="1" lang="ja-JP" altLang="en-US"/>
           </a:p>
@@ -962,7 +962,7 @@
           <a:p>
             <a:fld id="{A1CCF42C-534B-4F17-84EB-3026585EF5A2}" type="datetimeFigureOut">
               <a:rPr kumimoji="1" lang="ja-JP" altLang="en-US" smtClean="0"/>
-              <a:t>2022/12/27</a:t>
+              <a:t>2022/12/29</a:t>
             </a:fld>
             <a:endParaRPr kumimoji="1" lang="ja-JP" altLang="en-US"/>
           </a:p>
@@ -1237,7 +1237,7 @@
           <a:p>
             <a:fld id="{A1CCF42C-534B-4F17-84EB-3026585EF5A2}" type="datetimeFigureOut">
               <a:rPr kumimoji="1" lang="ja-JP" altLang="en-US" smtClean="0"/>
-              <a:t>2022/12/27</a:t>
+              <a:t>2022/12/29</a:t>
             </a:fld>
             <a:endParaRPr kumimoji="1" lang="ja-JP" altLang="en-US"/>
           </a:p>
@@ -1566,7 +1566,7 @@
           <a:p>
             <a:fld id="{A1CCF42C-534B-4F17-84EB-3026585EF5A2}" type="datetimeFigureOut">
               <a:rPr kumimoji="1" lang="ja-JP" altLang="en-US" smtClean="0"/>
-              <a:t>2022/12/27</a:t>
+              <a:t>2022/12/29</a:t>
             </a:fld>
             <a:endParaRPr kumimoji="1" lang="ja-JP" altLang="en-US"/>
           </a:p>
@@ -2042,7 +2042,7 @@
           <a:p>
             <a:fld id="{A1CCF42C-534B-4F17-84EB-3026585EF5A2}" type="datetimeFigureOut">
               <a:rPr kumimoji="1" lang="ja-JP" altLang="en-US" smtClean="0"/>
-              <a:t>2022/12/27</a:t>
+              <a:t>2022/12/29</a:t>
             </a:fld>
             <a:endParaRPr kumimoji="1" lang="ja-JP" altLang="en-US"/>
           </a:p>
@@ -2183,7 +2183,7 @@
           <a:p>
             <a:fld id="{A1CCF42C-534B-4F17-84EB-3026585EF5A2}" type="datetimeFigureOut">
               <a:rPr kumimoji="1" lang="ja-JP" altLang="en-US" smtClean="0"/>
-              <a:t>2022/12/27</a:t>
+              <a:t>2022/12/29</a:t>
             </a:fld>
             <a:endParaRPr kumimoji="1" lang="ja-JP" altLang="en-US"/>
           </a:p>
@@ -2296,7 +2296,7 @@
           <a:p>
             <a:fld id="{A1CCF42C-534B-4F17-84EB-3026585EF5A2}" type="datetimeFigureOut">
               <a:rPr kumimoji="1" lang="ja-JP" altLang="en-US" smtClean="0"/>
-              <a:t>2022/12/27</a:t>
+              <a:t>2022/12/29</a:t>
             </a:fld>
             <a:endParaRPr kumimoji="1" lang="ja-JP" altLang="en-US"/>
           </a:p>
@@ -2639,7 +2639,7 @@
           <a:p>
             <a:fld id="{A1CCF42C-534B-4F17-84EB-3026585EF5A2}" type="datetimeFigureOut">
               <a:rPr kumimoji="1" lang="ja-JP" altLang="en-US" smtClean="0"/>
-              <a:t>2022/12/27</a:t>
+              <a:t>2022/12/29</a:t>
             </a:fld>
             <a:endParaRPr kumimoji="1" lang="ja-JP" altLang="en-US"/>
           </a:p>
@@ -2927,7 +2927,7 @@
           <a:p>
             <a:fld id="{A1CCF42C-534B-4F17-84EB-3026585EF5A2}" type="datetimeFigureOut">
               <a:rPr kumimoji="1" lang="ja-JP" altLang="en-US" smtClean="0"/>
-              <a:t>2022/12/27</a:t>
+              <a:t>2022/12/29</a:t>
             </a:fld>
             <a:endParaRPr kumimoji="1" lang="ja-JP" altLang="en-US"/>
           </a:p>
@@ -3200,7 +3200,7 @@
           <a:p>
             <a:fld id="{A1CCF42C-534B-4F17-84EB-3026585EF5A2}" type="datetimeFigureOut">
               <a:rPr kumimoji="1" lang="ja-JP" altLang="en-US" smtClean="0"/>
-              <a:t>2022/12/27</a:t>
+              <a:t>2022/12/29</a:t>
             </a:fld>
             <a:endParaRPr kumimoji="1" lang="ja-JP" altLang="en-US"/>
           </a:p>
@@ -4929,7 +4929,7 @@
         </p:nvSpPr>
         <p:spPr>
           <a:xfrm>
-            <a:off x="3484638" y="5191911"/>
+            <a:off x="3470723" y="5191911"/>
             <a:ext cx="746970" cy="369332"/>
           </a:xfrm>
           <a:prstGeom prst="rect">
@@ -4945,12 +4945,12 @@
           <a:p>
             <a:pPr algn="ctr"/>
             <a:r>
-              <a:rPr lang="en-US" altLang="ja-JP" dirty="0">
+              <a:rPr kumimoji="1" lang="en-US" altLang="ja-JP" dirty="0">
                 <a:solidFill>
                   <a:schemeClr val="accent2"/>
                 </a:solidFill>
               </a:rPr>
-              <a:t>1</a:t>
+              <a:t>0.99</a:t>
             </a:r>
             <a:endParaRPr kumimoji="1" lang="ja-JP" altLang="en-US" dirty="0">
               <a:solidFill>
@@ -5025,7 +5025,7 @@
         </p:nvSpPr>
         <p:spPr>
           <a:xfrm>
-            <a:off x="2092258" y="3402591"/>
+            <a:off x="1988278" y="3409434"/>
             <a:ext cx="746970" cy="369332"/>
           </a:xfrm>
           <a:prstGeom prst="rect">
@@ -5041,12 +5041,12 @@
           <a:p>
             <a:pPr algn="ctr"/>
             <a:r>
-              <a:rPr lang="en-US" altLang="ja-JP" dirty="0">
+              <a:rPr kumimoji="1" lang="en-US" altLang="ja-JP" dirty="0">
                 <a:solidFill>
                   <a:schemeClr val="accent2"/>
                 </a:solidFill>
               </a:rPr>
-              <a:t>1</a:t>
+              <a:t>0.99</a:t>
             </a:r>
             <a:endParaRPr kumimoji="1" lang="ja-JP" altLang="en-US" dirty="0">
               <a:solidFill>
@@ -5070,7 +5070,7 @@
         </p:nvSpPr>
         <p:spPr>
           <a:xfrm>
-            <a:off x="4084636" y="2252347"/>
+            <a:off x="4238335" y="2247754"/>
             <a:ext cx="746970" cy="369332"/>
           </a:xfrm>
           <a:prstGeom prst="rect">
@@ -5086,12 +5086,12 @@
           <a:p>
             <a:pPr algn="ctr"/>
             <a:r>
-              <a:rPr lang="en-US" altLang="ja-JP" dirty="0">
+              <a:rPr kumimoji="1" lang="en-US" altLang="ja-JP" dirty="0">
                 <a:solidFill>
                   <a:schemeClr val="accent2"/>
                 </a:solidFill>
               </a:rPr>
-              <a:t>1</a:t>
+              <a:t>0.99</a:t>
             </a:r>
             <a:endParaRPr kumimoji="1" lang="ja-JP" altLang="en-US" dirty="0">
               <a:solidFill>
@@ -5258,7 +5258,7 @@
         </p:nvSpPr>
         <p:spPr>
           <a:xfrm>
-            <a:off x="6292984" y="5848522"/>
+            <a:off x="6292984" y="5717835"/>
             <a:ext cx="746970" cy="369332"/>
           </a:xfrm>
           <a:prstGeom prst="rect">
@@ -5274,12 +5274,12 @@
           <a:p>
             <a:pPr algn="ctr"/>
             <a:r>
-              <a:rPr lang="en-US" altLang="ja-JP" dirty="0">
+              <a:rPr kumimoji="1" lang="en-US" altLang="ja-JP" dirty="0">
                 <a:solidFill>
                   <a:schemeClr val="accent2"/>
                 </a:solidFill>
               </a:rPr>
-              <a:t>1</a:t>
+              <a:t>0.99</a:t>
             </a:r>
             <a:endParaRPr kumimoji="1" lang="ja-JP" altLang="en-US" dirty="0">
               <a:solidFill>
@@ -5354,7 +5354,7 @@
         </p:nvSpPr>
         <p:spPr>
           <a:xfrm>
-            <a:off x="7139985" y="3402591"/>
+            <a:off x="7248257" y="3391186"/>
             <a:ext cx="746970" cy="369332"/>
           </a:xfrm>
           <a:prstGeom prst="rect">
@@ -5370,12 +5370,12 @@
           <a:p>
             <a:pPr algn="ctr"/>
             <a:r>
-              <a:rPr lang="en-US" altLang="ja-JP" dirty="0">
+              <a:rPr kumimoji="1" lang="en-US" altLang="ja-JP" dirty="0">
                 <a:solidFill>
                   <a:schemeClr val="accent2"/>
                 </a:solidFill>
               </a:rPr>
-              <a:t>1</a:t>
+              <a:t>0.99</a:t>
             </a:r>
             <a:endParaRPr kumimoji="1" lang="ja-JP" altLang="en-US" dirty="0">
               <a:solidFill>
@@ -7576,10 +7576,10 @@
       </p:sp>
       <p:pic>
         <p:nvPicPr>
-          <p:cNvPr id="1028" name="Picture 4">
-            <a:extLst>
-              <a:ext uri="{FF2B5EF4-FFF2-40B4-BE49-F238E27FC236}">
-                <a16:creationId xmlns:a16="http://schemas.microsoft.com/office/drawing/2014/main" id="{040ECDEE-7FC4-56AB-70D4-E46AA3258F53}"/>
+          <p:cNvPr id="7" name="Picture 2">
+            <a:extLst>
+              <a:ext uri="{FF2B5EF4-FFF2-40B4-BE49-F238E27FC236}">
+                <a16:creationId xmlns:a16="http://schemas.microsoft.com/office/drawing/2014/main" id="{0DF53373-098A-D488-E5C6-04311F359865}"/>
               </a:ext>
             </a:extLst>
           </p:cNvPr>
@@ -7603,8 +7603,8 @@
         </p:blipFill>
         <p:spPr bwMode="auto">
           <a:xfrm>
-            <a:off x="6096000" y="3760720"/>
-            <a:ext cx="4838700" cy="2429869"/>
+            <a:off x="6971112" y="4253013"/>
+            <a:ext cx="4147083" cy="1840492"/>
           </a:xfrm>
           <a:prstGeom prst="rect">
             <a:avLst/>
@@ -7621,6 +7621,48 @@
           </a:extLst>
         </p:spPr>
       </p:pic>
+      <p:sp>
+        <p:nvSpPr>
+          <p:cNvPr id="9" name="テキスト ボックス 8">
+            <a:extLst>
+              <a:ext uri="{FF2B5EF4-FFF2-40B4-BE49-F238E27FC236}">
+                <a16:creationId xmlns:a16="http://schemas.microsoft.com/office/drawing/2014/main" id="{02DA94A4-1686-97FF-E90E-3BE20AB5C660}"/>
+              </a:ext>
+            </a:extLst>
+          </p:cNvPr>
+          <p:cNvSpPr txBox="1"/>
+          <p:nvPr/>
+        </p:nvSpPr>
+        <p:spPr>
+          <a:xfrm>
+            <a:off x="8874825" y="5906705"/>
+            <a:ext cx="974889" cy="369332"/>
+          </a:xfrm>
+          <a:prstGeom prst="rect">
+            <a:avLst/>
+          </a:prstGeom>
+          <a:noFill/>
+        </p:spPr>
+        <p:txBody>
+          <a:bodyPr wrap="square">
+            <a:spAutoFit/>
+          </a:bodyPr>
+          <a:lstStyle/>
+          <a:p>
+            <a:pPr algn="l"/>
+            <a:r>
+              <a:rPr lang="en-US" altLang="ja-JP" b="1" i="0" dirty="0">
+                <a:solidFill>
+                  <a:srgbClr val="000000"/>
+                </a:solidFill>
+                <a:effectLst/>
+                <a:latin typeface="arial" panose="020B0604020202020204" pitchFamily="34" charset="0"/>
+              </a:rPr>
+              <a:t>SNFG</a:t>
+            </a:r>
+          </a:p>
+        </p:txBody>
+      </p:sp>
     </p:spTree>
     <p:extLst>
       <p:ext uri="{BB962C8B-B14F-4D97-AF65-F5344CB8AC3E}">
@@ -9394,10 +9436,10 @@
       </p:sp>
       <p:pic>
         <p:nvPicPr>
-          <p:cNvPr id="2050" name="Picture 2">
-            <a:extLst>
-              <a:ext uri="{FF2B5EF4-FFF2-40B4-BE49-F238E27FC236}">
-                <a16:creationId xmlns:a16="http://schemas.microsoft.com/office/drawing/2014/main" id="{346F9123-CD21-00A0-2BD9-1AB620AEC838}"/>
+          <p:cNvPr id="3" name="Picture 2">
+            <a:extLst>
+              <a:ext uri="{FF2B5EF4-FFF2-40B4-BE49-F238E27FC236}">
+                <a16:creationId xmlns:a16="http://schemas.microsoft.com/office/drawing/2014/main" id="{3960CA52-49AB-B17A-CDE4-C35BC6983D1F}"/>
               </a:ext>
             </a:extLst>
           </p:cNvPr>
@@ -9421,8 +9463,8 @@
         </p:blipFill>
         <p:spPr bwMode="auto">
           <a:xfrm>
-            <a:off x="6305550" y="3733346"/>
-            <a:ext cx="5105400" cy="2563799"/>
+            <a:off x="6966474" y="3720806"/>
+            <a:ext cx="4050416" cy="3038907"/>
           </a:xfrm>
           <a:prstGeom prst="rect">
             <a:avLst/>
@@ -10558,10 +10600,10 @@
       </p:sp>
       <p:pic>
         <p:nvPicPr>
-          <p:cNvPr id="3074" name="Picture 2">
-            <a:extLst>
-              <a:ext uri="{FF2B5EF4-FFF2-40B4-BE49-F238E27FC236}">
-                <a16:creationId xmlns:a16="http://schemas.microsoft.com/office/drawing/2014/main" id="{687433B0-DC10-8E3E-52D6-CE13A8E7DF19}"/>
+          <p:cNvPr id="6" name="Picture 2">
+            <a:extLst>
+              <a:ext uri="{FF2B5EF4-FFF2-40B4-BE49-F238E27FC236}">
+                <a16:creationId xmlns:a16="http://schemas.microsoft.com/office/drawing/2014/main" id="{AF68EE7F-320F-87B6-BC6A-C2CCB40429F3}"/>
               </a:ext>
             </a:extLst>
           </p:cNvPr>
@@ -10585,8 +10627,8 @@
         </p:blipFill>
         <p:spPr bwMode="auto">
           <a:xfrm>
-            <a:off x="6175485" y="3646380"/>
-            <a:ext cx="5466399" cy="2745083"/>
+            <a:off x="6976277" y="3953803"/>
+            <a:ext cx="4538975" cy="2267034"/>
           </a:xfrm>
           <a:prstGeom prst="rect">
             <a:avLst/>

--- a/otmm_decimal/result_colab/result_existing_5195_1.0_6_59_ColabFree/result_existing_5195_1.0_6_59_parsing.pptx
+++ b/otmm_decimal/result_colab/result_existing_5195_1.0_6_59_ColabFree/result_existing_5195_1.0_6_59_parsing.pptx
@@ -6,9 +6,10 @@
   </p:sldMasterIdLst>
   <p:sldIdLst>
     <p:sldId id="264" r:id="rId2"/>
-    <p:sldId id="261" r:id="rId3"/>
-    <p:sldId id="262" r:id="rId4"/>
-    <p:sldId id="263" r:id="rId5"/>
+    <p:sldId id="265" r:id="rId3"/>
+    <p:sldId id="261" r:id="rId4"/>
+    <p:sldId id="262" r:id="rId5"/>
+    <p:sldId id="263" r:id="rId6"/>
   </p:sldIdLst>
   <p:sldSz cx="12192000" cy="6858000"/>
   <p:notesSz cx="6858000" cy="9144000"/>
@@ -262,7 +263,7 @@
           <a:p>
             <a:fld id="{A1CCF42C-534B-4F17-84EB-3026585EF5A2}" type="datetimeFigureOut">
               <a:rPr kumimoji="1" lang="ja-JP" altLang="en-US" smtClean="0"/>
-              <a:t>2022/12/29</a:t>
+              <a:t>2023/1/3</a:t>
             </a:fld>
             <a:endParaRPr kumimoji="1" lang="ja-JP" altLang="en-US"/>
           </a:p>
@@ -492,7 +493,7 @@
           <a:p>
             <a:fld id="{A1CCF42C-534B-4F17-84EB-3026585EF5A2}" type="datetimeFigureOut">
               <a:rPr kumimoji="1" lang="ja-JP" altLang="en-US" smtClean="0"/>
-              <a:t>2022/12/29</a:t>
+              <a:t>2023/1/3</a:t>
             </a:fld>
             <a:endParaRPr kumimoji="1" lang="ja-JP" altLang="en-US"/>
           </a:p>
@@ -732,7 +733,7 @@
           <a:p>
             <a:fld id="{A1CCF42C-534B-4F17-84EB-3026585EF5A2}" type="datetimeFigureOut">
               <a:rPr kumimoji="1" lang="ja-JP" altLang="en-US" smtClean="0"/>
-              <a:t>2022/12/29</a:t>
+              <a:t>2023/1/3</a:t>
             </a:fld>
             <a:endParaRPr kumimoji="1" lang="ja-JP" altLang="en-US"/>
           </a:p>
@@ -962,7 +963,7 @@
           <a:p>
             <a:fld id="{A1CCF42C-534B-4F17-84EB-3026585EF5A2}" type="datetimeFigureOut">
               <a:rPr kumimoji="1" lang="ja-JP" altLang="en-US" smtClean="0"/>
-              <a:t>2022/12/29</a:t>
+              <a:t>2023/1/3</a:t>
             </a:fld>
             <a:endParaRPr kumimoji="1" lang="ja-JP" altLang="en-US"/>
           </a:p>
@@ -1237,7 +1238,7 @@
           <a:p>
             <a:fld id="{A1CCF42C-534B-4F17-84EB-3026585EF5A2}" type="datetimeFigureOut">
               <a:rPr kumimoji="1" lang="ja-JP" altLang="en-US" smtClean="0"/>
-              <a:t>2022/12/29</a:t>
+              <a:t>2023/1/3</a:t>
             </a:fld>
             <a:endParaRPr kumimoji="1" lang="ja-JP" altLang="en-US"/>
           </a:p>
@@ -1566,7 +1567,7 @@
           <a:p>
             <a:fld id="{A1CCF42C-534B-4F17-84EB-3026585EF5A2}" type="datetimeFigureOut">
               <a:rPr kumimoji="1" lang="ja-JP" altLang="en-US" smtClean="0"/>
-              <a:t>2022/12/29</a:t>
+              <a:t>2023/1/3</a:t>
             </a:fld>
             <a:endParaRPr kumimoji="1" lang="ja-JP" altLang="en-US"/>
           </a:p>
@@ -2042,7 +2043,7 @@
           <a:p>
             <a:fld id="{A1CCF42C-534B-4F17-84EB-3026585EF5A2}" type="datetimeFigureOut">
               <a:rPr kumimoji="1" lang="ja-JP" altLang="en-US" smtClean="0"/>
-              <a:t>2022/12/29</a:t>
+              <a:t>2023/1/3</a:t>
             </a:fld>
             <a:endParaRPr kumimoji="1" lang="ja-JP" altLang="en-US"/>
           </a:p>
@@ -2183,7 +2184,7 @@
           <a:p>
             <a:fld id="{A1CCF42C-534B-4F17-84EB-3026585EF5A2}" type="datetimeFigureOut">
               <a:rPr kumimoji="1" lang="ja-JP" altLang="en-US" smtClean="0"/>
-              <a:t>2022/12/29</a:t>
+              <a:t>2023/1/3</a:t>
             </a:fld>
             <a:endParaRPr kumimoji="1" lang="ja-JP" altLang="en-US"/>
           </a:p>
@@ -2296,7 +2297,7 @@
           <a:p>
             <a:fld id="{A1CCF42C-534B-4F17-84EB-3026585EF5A2}" type="datetimeFigureOut">
               <a:rPr kumimoji="1" lang="ja-JP" altLang="en-US" smtClean="0"/>
-              <a:t>2022/12/29</a:t>
+              <a:t>2023/1/3</a:t>
             </a:fld>
             <a:endParaRPr kumimoji="1" lang="ja-JP" altLang="en-US"/>
           </a:p>
@@ -2639,7 +2640,7 @@
           <a:p>
             <a:fld id="{A1CCF42C-534B-4F17-84EB-3026585EF5A2}" type="datetimeFigureOut">
               <a:rPr kumimoji="1" lang="ja-JP" altLang="en-US" smtClean="0"/>
-              <a:t>2022/12/29</a:t>
+              <a:t>2023/1/3</a:t>
             </a:fld>
             <a:endParaRPr kumimoji="1" lang="ja-JP" altLang="en-US"/>
           </a:p>
@@ -2927,7 +2928,7 @@
           <a:p>
             <a:fld id="{A1CCF42C-534B-4F17-84EB-3026585EF5A2}" type="datetimeFigureOut">
               <a:rPr kumimoji="1" lang="ja-JP" altLang="en-US" smtClean="0"/>
-              <a:t>2022/12/29</a:t>
+              <a:t>2023/1/3</a:t>
             </a:fld>
             <a:endParaRPr kumimoji="1" lang="ja-JP" altLang="en-US"/>
           </a:p>
@@ -3200,7 +3201,7 @@
           <a:p>
             <a:fld id="{A1CCF42C-534B-4F17-84EB-3026585EF5A2}" type="datetimeFigureOut">
               <a:rPr kumimoji="1" lang="ja-JP" altLang="en-US" smtClean="0"/>
-              <a:t>2022/12/29</a:t>
+              <a:t>2023/1/3</a:t>
             </a:fld>
             <a:endParaRPr kumimoji="1" lang="ja-JP" altLang="en-US"/>
           </a:p>
@@ -5946,7 +5947,7 @@
         </p:nvSpPr>
         <p:spPr>
           <a:xfrm>
-            <a:off x="8922299" y="3211618"/>
+            <a:off x="4222460" y="1558874"/>
             <a:ext cx="439971" cy="434763"/>
           </a:xfrm>
           <a:prstGeom prst="ellipse">
@@ -5981,7 +5982,7 @@
           <a:p>
             <a:pPr algn="ctr"/>
             <a:r>
-              <a:rPr kumimoji="1" lang="en-US" altLang="ja-JP" dirty="0">
+              <a:rPr lang="en-US" altLang="ja-JP" dirty="0">
                 <a:solidFill>
                   <a:schemeClr val="tx1"/>
                 </a:solidFill>
@@ -5996,51 +5997,6 @@
           </a:p>
         </p:txBody>
       </p:sp>
-      <p:cxnSp>
-        <p:nvCxnSpPr>
-          <p:cNvPr id="4" name="直線コネクタ 3">
-            <a:extLst>
-              <a:ext uri="{FF2B5EF4-FFF2-40B4-BE49-F238E27FC236}">
-                <a16:creationId xmlns:a16="http://schemas.microsoft.com/office/drawing/2014/main" id="{6F147F4B-8FAC-056D-BC9B-BF5397D939A4}"/>
-              </a:ext>
-            </a:extLst>
-          </p:cNvPr>
-          <p:cNvCxnSpPr>
-            <a:cxnSpLocks/>
-            <a:stCxn id="5" idx="6"/>
-            <a:endCxn id="2" idx="2"/>
-          </p:cNvCxnSpPr>
-          <p:nvPr/>
-        </p:nvCxnSpPr>
-        <p:spPr>
-          <a:xfrm>
-            <a:off x="8389259" y="3429000"/>
-            <a:ext cx="533040" cy="0"/>
-          </a:xfrm>
-          <a:prstGeom prst="line">
-            <a:avLst/>
-          </a:prstGeom>
-          <a:ln>
-            <a:solidFill>
-              <a:schemeClr val="tx1"/>
-            </a:solidFill>
-          </a:ln>
-        </p:spPr>
-        <p:style>
-          <a:lnRef idx="1">
-            <a:schemeClr val="accent1"/>
-          </a:lnRef>
-          <a:fillRef idx="0">
-            <a:schemeClr val="accent1"/>
-          </a:fillRef>
-          <a:effectRef idx="0">
-            <a:schemeClr val="accent1"/>
-          </a:effectRef>
-          <a:fontRef idx="minor">
-            <a:schemeClr val="tx1"/>
-          </a:fontRef>
-        </p:style>
-      </p:cxnSp>
       <p:sp>
         <p:nvSpPr>
           <p:cNvPr id="5" name="楕円 4">
@@ -6055,7 +6011,7 @@
         </p:nvSpPr>
         <p:spPr>
           <a:xfrm>
-            <a:off x="7949288" y="3211618"/>
+            <a:off x="5311359" y="3442232"/>
             <a:ext cx="439971" cy="434763"/>
           </a:xfrm>
           <a:prstGeom prst="ellipse">
@@ -6095,22 +6051,17 @@
                   <a:schemeClr val="tx1"/>
                 </a:solidFill>
               </a:rPr>
-              <a:t>1</a:t>
-            </a:r>
-            <a:endParaRPr kumimoji="1" lang="ja-JP" altLang="en-US" dirty="0">
-              <a:solidFill>
-                <a:schemeClr val="tx1"/>
-              </a:solidFill>
-            </a:endParaRPr>
-          </a:p>
-        </p:txBody>
-      </p:sp>
-      <p:sp>
-        <p:nvSpPr>
-          <p:cNvPr id="15" name="楕円 14">
-            <a:extLst>
-              <a:ext uri="{FF2B5EF4-FFF2-40B4-BE49-F238E27FC236}">
-                <a16:creationId xmlns:a16="http://schemas.microsoft.com/office/drawing/2014/main" id="{A36C3C59-ABD2-F701-50FD-3A47E6659924}"/>
+              <a:t>3</a:t>
+            </a:r>
+          </a:p>
+        </p:txBody>
+      </p:sp>
+      <p:sp>
+        <p:nvSpPr>
+          <p:cNvPr id="51" name="楕円 50">
+            <a:extLst>
+              <a:ext uri="{FF2B5EF4-FFF2-40B4-BE49-F238E27FC236}">
+                <a16:creationId xmlns:a16="http://schemas.microsoft.com/office/drawing/2014/main" id="{936398A2-1B1A-ADAB-C692-B1CDC54323CD}"/>
               </a:ext>
             </a:extLst>
           </p:cNvPr>
@@ -6119,7 +6070,7 @@
         </p:nvSpPr>
         <p:spPr>
           <a:xfrm>
-            <a:off x="6976277" y="3211617"/>
+            <a:off x="7014154" y="3447776"/>
             <a:ext cx="439971" cy="434763"/>
           </a:xfrm>
           <a:prstGeom prst="ellipse">
@@ -6154,12 +6105,12 @@
           <a:p>
             <a:pPr algn="ctr"/>
             <a:r>
-              <a:rPr lang="en-US" altLang="ja-JP" dirty="0">
+              <a:rPr kumimoji="1" lang="en-US" altLang="ja-JP" dirty="0">
                 <a:solidFill>
                   <a:schemeClr val="tx1"/>
                 </a:solidFill>
               </a:rPr>
-              <a:t>3</a:t>
+              <a:t>5</a:t>
             </a:r>
             <a:endParaRPr kumimoji="1" lang="ja-JP" altLang="en-US" dirty="0">
               <a:solidFill>
@@ -6169,57 +6120,12 @@
           </a:p>
         </p:txBody>
       </p:sp>
-      <p:cxnSp>
-        <p:nvCxnSpPr>
-          <p:cNvPr id="16" name="直線コネクタ 15">
-            <a:extLst>
-              <a:ext uri="{FF2B5EF4-FFF2-40B4-BE49-F238E27FC236}">
-                <a16:creationId xmlns:a16="http://schemas.microsoft.com/office/drawing/2014/main" id="{3A4231B4-3565-5623-E3D4-DFF863B012DB}"/>
-              </a:ext>
-            </a:extLst>
-          </p:cNvPr>
-          <p:cNvCxnSpPr>
-            <a:cxnSpLocks/>
-            <a:stCxn id="15" idx="6"/>
-            <a:endCxn id="5" idx="2"/>
-          </p:cNvCxnSpPr>
-          <p:nvPr/>
-        </p:nvCxnSpPr>
-        <p:spPr>
-          <a:xfrm>
-            <a:off x="7416248" y="3428999"/>
-            <a:ext cx="533040" cy="1"/>
-          </a:xfrm>
-          <a:prstGeom prst="line">
-            <a:avLst/>
-          </a:prstGeom>
-          <a:ln>
-            <a:solidFill>
-              <a:schemeClr val="tx1"/>
-            </a:solidFill>
-          </a:ln>
-        </p:spPr>
-        <p:style>
-          <a:lnRef idx="1">
-            <a:schemeClr val="accent1"/>
-          </a:lnRef>
-          <a:fillRef idx="0">
-            <a:schemeClr val="accent1"/>
-          </a:fillRef>
-          <a:effectRef idx="0">
-            <a:schemeClr val="accent1"/>
-          </a:effectRef>
-          <a:fontRef idx="minor">
-            <a:schemeClr val="tx1"/>
-          </a:fontRef>
-        </p:style>
-      </p:cxnSp>
-      <p:sp>
-        <p:nvSpPr>
-          <p:cNvPr id="19" name="楕円 18">
-            <a:extLst>
-              <a:ext uri="{FF2B5EF4-FFF2-40B4-BE49-F238E27FC236}">
-                <a16:creationId xmlns:a16="http://schemas.microsoft.com/office/drawing/2014/main" id="{F298F2AF-6D9A-4BE2-B86D-1BCB2DFA6915}"/>
+      <p:sp>
+        <p:nvSpPr>
+          <p:cNvPr id="32" name="楕円 31">
+            <a:extLst>
+              <a:ext uri="{FF2B5EF4-FFF2-40B4-BE49-F238E27FC236}">
+                <a16:creationId xmlns:a16="http://schemas.microsoft.com/office/drawing/2014/main" id="{9193736D-8B26-CF1B-F24A-825F893CF20A}"/>
               </a:ext>
             </a:extLst>
           </p:cNvPr>
@@ -6228,7 +6134,7 @@
         </p:nvSpPr>
         <p:spPr>
           <a:xfrm>
-            <a:off x="6003265" y="2170221"/>
+            <a:off x="7019486" y="5059601"/>
             <a:ext cx="439971" cy="434763"/>
           </a:xfrm>
           <a:prstGeom prst="ellipse">
@@ -6263,12 +6169,12 @@
           <a:p>
             <a:pPr algn="ctr"/>
             <a:r>
-              <a:rPr lang="en-US" altLang="ja-JP" dirty="0">
+              <a:rPr kumimoji="1" lang="en-US" altLang="ja-JP" dirty="0">
                 <a:solidFill>
                   <a:schemeClr val="tx1"/>
                 </a:solidFill>
               </a:rPr>
-              <a:t>3</a:t>
+              <a:t>4</a:t>
             </a:r>
             <a:endParaRPr kumimoji="1" lang="ja-JP" altLang="en-US" dirty="0">
               <a:solidFill>
@@ -6280,10 +6186,10 @@
       </p:sp>
       <p:sp>
         <p:nvSpPr>
-          <p:cNvPr id="20" name="楕円 19">
-            <a:extLst>
-              <a:ext uri="{FF2B5EF4-FFF2-40B4-BE49-F238E27FC236}">
-                <a16:creationId xmlns:a16="http://schemas.microsoft.com/office/drawing/2014/main" id="{98118023-75A8-13FF-B3AC-006BB2EB8EDC}"/>
+          <p:cNvPr id="34" name="楕円 33">
+            <a:extLst>
+              <a:ext uri="{FF2B5EF4-FFF2-40B4-BE49-F238E27FC236}">
+                <a16:creationId xmlns:a16="http://schemas.microsoft.com/office/drawing/2014/main" id="{029F04E6-2782-E0D2-F530-D53F6EDD2AF2}"/>
               </a:ext>
             </a:extLst>
           </p:cNvPr>
@@ -6292,7 +6198,7 @@
         </p:nvSpPr>
         <p:spPr>
           <a:xfrm>
-            <a:off x="6003264" y="4253017"/>
+            <a:off x="5241842" y="5067959"/>
             <a:ext cx="439971" cy="434763"/>
           </a:xfrm>
           <a:prstGeom prst="ellipse">
@@ -6332,7 +6238,7 @@
                   <a:schemeClr val="tx1"/>
                 </a:solidFill>
               </a:rPr>
-              <a:t>3</a:t>
+              <a:t>0</a:t>
             </a:r>
             <a:endParaRPr kumimoji="1" lang="ja-JP" altLang="en-US" dirty="0">
               <a:solidFill>
@@ -6342,34 +6248,96 @@
           </a:p>
         </p:txBody>
       </p:sp>
-      <p:cxnSp>
-        <p:nvCxnSpPr>
-          <p:cNvPr id="21" name="直線コネクタ 20">
-            <a:extLst>
-              <a:ext uri="{FF2B5EF4-FFF2-40B4-BE49-F238E27FC236}">
-                <a16:creationId xmlns:a16="http://schemas.microsoft.com/office/drawing/2014/main" id="{5070F677-61C6-9C9B-5F79-303AFF26D89A}"/>
-              </a:ext>
-            </a:extLst>
-          </p:cNvPr>
-          <p:cNvCxnSpPr>
-            <a:cxnSpLocks/>
-            <a:stCxn id="19" idx="5"/>
-            <a:endCxn id="15" idx="1"/>
-          </p:cNvCxnSpPr>
-          <p:nvPr/>
-        </p:nvCxnSpPr>
-        <p:spPr>
-          <a:xfrm>
-            <a:off x="6378804" y="2541314"/>
-            <a:ext cx="661905" cy="733973"/>
-          </a:xfrm>
-          <a:prstGeom prst="line">
-            <a:avLst/>
-          </a:prstGeom>
+      <p:sp>
+        <p:nvSpPr>
+          <p:cNvPr id="6" name="楕円 5">
+            <a:extLst>
+              <a:ext uri="{FF2B5EF4-FFF2-40B4-BE49-F238E27FC236}">
+                <a16:creationId xmlns:a16="http://schemas.microsoft.com/office/drawing/2014/main" id="{DC1FE19C-E750-6470-8CD3-8D42D286515E}"/>
+              </a:ext>
+            </a:extLst>
+          </p:cNvPr>
+          <p:cNvSpPr/>
+          <p:nvPr/>
+        </p:nvSpPr>
+        <p:spPr>
+          <a:xfrm>
+            <a:off x="3759277" y="3454129"/>
+            <a:ext cx="439971" cy="434763"/>
+          </a:xfrm>
+          <a:prstGeom prst="ellipse">
+            <a:avLst/>
+          </a:prstGeom>
+          <a:noFill/>
           <a:ln>
             <a:solidFill>
               <a:schemeClr val="tx1"/>
             </a:solidFill>
+          </a:ln>
+        </p:spPr>
+        <p:style>
+          <a:lnRef idx="2">
+            <a:schemeClr val="accent1">
+              <a:shade val="50000"/>
+            </a:schemeClr>
+          </a:lnRef>
+          <a:fillRef idx="1">
+            <a:schemeClr val="accent1"/>
+          </a:fillRef>
+          <a:effectRef idx="0">
+            <a:schemeClr val="accent1"/>
+          </a:effectRef>
+          <a:fontRef idx="minor">
+            <a:schemeClr val="lt1"/>
+          </a:fontRef>
+        </p:style>
+        <p:txBody>
+          <a:bodyPr rtlCol="0" anchor="ctr"/>
+          <a:lstStyle/>
+          <a:p>
+            <a:pPr algn="ctr"/>
+            <a:r>
+              <a:rPr kumimoji="1" lang="en-US" altLang="ja-JP" dirty="0">
+                <a:solidFill>
+                  <a:schemeClr val="tx1"/>
+                </a:solidFill>
+              </a:rPr>
+              <a:t>1</a:t>
+            </a:r>
+            <a:endParaRPr kumimoji="1" lang="ja-JP" altLang="en-US" dirty="0">
+              <a:solidFill>
+                <a:schemeClr val="tx1"/>
+              </a:solidFill>
+            </a:endParaRPr>
+          </a:p>
+        </p:txBody>
+      </p:sp>
+      <p:cxnSp>
+        <p:nvCxnSpPr>
+          <p:cNvPr id="9" name="直線矢印コネクタ 8">
+            <a:extLst>
+              <a:ext uri="{FF2B5EF4-FFF2-40B4-BE49-F238E27FC236}">
+                <a16:creationId xmlns:a16="http://schemas.microsoft.com/office/drawing/2014/main" id="{6A98A186-7909-57D5-3A61-BBC36F380726}"/>
+              </a:ext>
+            </a:extLst>
+          </p:cNvPr>
+          <p:cNvCxnSpPr>
+            <a:cxnSpLocks/>
+            <a:stCxn id="6" idx="6"/>
+            <a:endCxn id="5" idx="2"/>
+          </p:cNvCxnSpPr>
+          <p:nvPr/>
+        </p:nvCxnSpPr>
+        <p:spPr>
+          <a:xfrm flipV="1">
+            <a:off x="4199248" y="3659614"/>
+            <a:ext cx="1112111" cy="11897"/>
+          </a:xfrm>
+          <a:prstGeom prst="straightConnector1">
+            <a:avLst/>
+          </a:prstGeom>
+          <a:ln w="12700">
+            <a:tailEnd type="triangle"/>
           </a:ln>
         </p:spPr>
         <p:style>
@@ -6389,205 +6357,33 @@
       </p:cxnSp>
       <p:cxnSp>
         <p:nvCxnSpPr>
-          <p:cNvPr id="24" name="直線コネクタ 23">
-            <a:extLst>
-              <a:ext uri="{FF2B5EF4-FFF2-40B4-BE49-F238E27FC236}">
-                <a16:creationId xmlns:a16="http://schemas.microsoft.com/office/drawing/2014/main" id="{F82A930C-F5AB-FBE4-A327-C027ABD864A4}"/>
+          <p:cNvPr id="11" name="コネクタ: 曲線 10">
+            <a:extLst>
+              <a:ext uri="{FF2B5EF4-FFF2-40B4-BE49-F238E27FC236}">
+                <a16:creationId xmlns:a16="http://schemas.microsoft.com/office/drawing/2014/main" id="{79A5A028-187C-77CD-4546-5DE05F318FF7}"/>
               </a:ext>
             </a:extLst>
           </p:cNvPr>
           <p:cNvCxnSpPr>
-            <a:cxnSpLocks/>
-            <a:stCxn id="20" idx="7"/>
-            <a:endCxn id="15" idx="3"/>
+            <a:stCxn id="34" idx="3"/>
+            <a:endCxn id="34" idx="1"/>
           </p:cNvCxnSpPr>
           <p:nvPr/>
         </p:nvCxnSpPr>
         <p:spPr>
-          <a:xfrm flipV="1">
-            <a:off x="6378803" y="3582710"/>
-            <a:ext cx="661906" cy="733977"/>
-          </a:xfrm>
-          <a:prstGeom prst="line">
-            <a:avLst/>
-          </a:prstGeom>
-          <a:ln>
-            <a:solidFill>
-              <a:schemeClr val="tx1"/>
-            </a:solidFill>
-          </a:ln>
-        </p:spPr>
-        <p:style>
-          <a:lnRef idx="1">
-            <a:schemeClr val="accent1"/>
-          </a:lnRef>
-          <a:fillRef idx="0">
-            <a:schemeClr val="accent1"/>
-          </a:fillRef>
-          <a:effectRef idx="0">
-            <a:schemeClr val="accent1"/>
-          </a:effectRef>
-          <a:fontRef idx="minor">
-            <a:schemeClr val="tx1"/>
-          </a:fontRef>
-        </p:style>
-      </p:cxnSp>
-      <p:sp>
-        <p:nvSpPr>
-          <p:cNvPr id="29" name="楕円 28">
-            <a:extLst>
-              <a:ext uri="{FF2B5EF4-FFF2-40B4-BE49-F238E27FC236}">
-                <a16:creationId xmlns:a16="http://schemas.microsoft.com/office/drawing/2014/main" id="{1CD800FD-B353-1171-2988-83C6857DE156}"/>
-              </a:ext>
-            </a:extLst>
-          </p:cNvPr>
-          <p:cNvSpPr/>
-          <p:nvPr/>
-        </p:nvSpPr>
-        <p:spPr>
-          <a:xfrm>
-            <a:off x="5003576" y="2604984"/>
-            <a:ext cx="439971" cy="434763"/>
-          </a:xfrm>
-          <a:prstGeom prst="ellipse">
-            <a:avLst/>
-          </a:prstGeom>
-          <a:noFill/>
-          <a:ln>
-            <a:solidFill>
-              <a:schemeClr val="tx1"/>
-            </a:solidFill>
-          </a:ln>
-        </p:spPr>
-        <p:style>
-          <a:lnRef idx="2">
-            <a:schemeClr val="accent1">
-              <a:shade val="50000"/>
-            </a:schemeClr>
-          </a:lnRef>
-          <a:fillRef idx="1">
-            <a:schemeClr val="accent1"/>
-          </a:fillRef>
-          <a:effectRef idx="0">
-            <a:schemeClr val="accent1"/>
-          </a:effectRef>
-          <a:fontRef idx="minor">
-            <a:schemeClr val="lt1"/>
-          </a:fontRef>
-        </p:style>
-        <p:txBody>
-          <a:bodyPr rtlCol="0" anchor="ctr"/>
-          <a:lstStyle/>
-          <a:p>
-            <a:pPr algn="ctr"/>
-            <a:r>
-              <a:rPr kumimoji="1" lang="en-US" altLang="ja-JP" dirty="0">
-                <a:solidFill>
-                  <a:schemeClr val="tx1"/>
-                </a:solidFill>
-              </a:rPr>
-              <a:t>3</a:t>
-            </a:r>
-            <a:endParaRPr kumimoji="1" lang="ja-JP" altLang="en-US" dirty="0">
-              <a:solidFill>
-                <a:schemeClr val="tx1"/>
-              </a:solidFill>
-            </a:endParaRPr>
-          </a:p>
-        </p:txBody>
-      </p:sp>
-      <p:sp>
-        <p:nvSpPr>
-          <p:cNvPr id="33" name="楕円 32">
-            <a:extLst>
-              <a:ext uri="{FF2B5EF4-FFF2-40B4-BE49-F238E27FC236}">
-                <a16:creationId xmlns:a16="http://schemas.microsoft.com/office/drawing/2014/main" id="{81EAF303-AF4F-6280-C2E6-44197D523A05}"/>
-              </a:ext>
-            </a:extLst>
-          </p:cNvPr>
-          <p:cNvSpPr/>
-          <p:nvPr/>
-        </p:nvSpPr>
-        <p:spPr>
-          <a:xfrm>
-            <a:off x="5019342" y="1738766"/>
-            <a:ext cx="439971" cy="434763"/>
-          </a:xfrm>
-          <a:prstGeom prst="ellipse">
-            <a:avLst/>
-          </a:prstGeom>
-          <a:noFill/>
-          <a:ln>
-            <a:solidFill>
-              <a:schemeClr val="tx1"/>
-            </a:solidFill>
-          </a:ln>
-        </p:spPr>
-        <p:style>
-          <a:lnRef idx="2">
-            <a:schemeClr val="accent1">
-              <a:shade val="50000"/>
-            </a:schemeClr>
-          </a:lnRef>
-          <a:fillRef idx="1">
-            <a:schemeClr val="accent1"/>
-          </a:fillRef>
-          <a:effectRef idx="0">
-            <a:schemeClr val="accent1"/>
-          </a:effectRef>
-          <a:fontRef idx="minor">
-            <a:schemeClr val="lt1"/>
-          </a:fontRef>
-        </p:style>
-        <p:txBody>
-          <a:bodyPr rtlCol="0" anchor="ctr"/>
-          <a:lstStyle/>
-          <a:p>
-            <a:pPr algn="ctr"/>
-            <a:r>
-              <a:rPr kumimoji="1" lang="en-US" altLang="ja-JP" dirty="0">
-                <a:solidFill>
-                  <a:schemeClr val="tx1"/>
-                </a:solidFill>
-              </a:rPr>
-              <a:t>3</a:t>
-            </a:r>
-            <a:endParaRPr kumimoji="1" lang="ja-JP" altLang="en-US" dirty="0">
-              <a:solidFill>
-                <a:schemeClr val="tx1"/>
-              </a:solidFill>
-            </a:endParaRPr>
-          </a:p>
-        </p:txBody>
-      </p:sp>
-      <p:cxnSp>
-        <p:nvCxnSpPr>
-          <p:cNvPr id="35" name="直線コネクタ 34">
-            <a:extLst>
-              <a:ext uri="{FF2B5EF4-FFF2-40B4-BE49-F238E27FC236}">
-                <a16:creationId xmlns:a16="http://schemas.microsoft.com/office/drawing/2014/main" id="{3394F000-E77A-B6D4-022D-10AACDA928FB}"/>
-              </a:ext>
-            </a:extLst>
-          </p:cNvPr>
-          <p:cNvCxnSpPr>
-            <a:cxnSpLocks/>
-            <a:stCxn id="33" idx="6"/>
-            <a:endCxn id="19" idx="1"/>
-          </p:cNvCxnSpPr>
-          <p:nvPr/>
-        </p:nvCxnSpPr>
-        <p:spPr>
-          <a:xfrm>
-            <a:off x="5459313" y="1956148"/>
-            <a:ext cx="608384" cy="277743"/>
-          </a:xfrm>
-          <a:prstGeom prst="line">
-            <a:avLst/>
-          </a:prstGeom>
-          <a:ln>
-            <a:solidFill>
-              <a:schemeClr val="tx1"/>
-            </a:solidFill>
+          <a:xfrm rot="5400000" flipH="1">
+            <a:off x="5152562" y="5285341"/>
+            <a:ext cx="307423" cy="12700"/>
+          </a:xfrm>
+          <a:prstGeom prst="curvedConnector5">
+            <a:avLst>
+              <a:gd name="adj1" fmla="val -74360"/>
+              <a:gd name="adj2" fmla="val 4757000"/>
+              <a:gd name="adj3" fmla="val 174360"/>
+            </a:avLst>
+          </a:prstGeom>
+          <a:ln w="12700">
+            <a:tailEnd type="triangle"/>
           </a:ln>
         </p:spPr>
         <p:style>
@@ -6607,32 +6403,30 @@
       </p:cxnSp>
       <p:cxnSp>
         <p:nvCxnSpPr>
-          <p:cNvPr id="48" name="直線コネクタ 47">
-            <a:extLst>
-              <a:ext uri="{FF2B5EF4-FFF2-40B4-BE49-F238E27FC236}">
-                <a16:creationId xmlns:a16="http://schemas.microsoft.com/office/drawing/2014/main" id="{38153412-84F5-4E64-1F56-01EEB3020D40}"/>
+          <p:cNvPr id="28" name="直線矢印コネクタ 27">
+            <a:extLst>
+              <a:ext uri="{FF2B5EF4-FFF2-40B4-BE49-F238E27FC236}">
+                <a16:creationId xmlns:a16="http://schemas.microsoft.com/office/drawing/2014/main" id="{2716C3B1-230A-3F38-9399-58DC4A5C0686}"/>
               </a:ext>
             </a:extLst>
           </p:cNvPr>
           <p:cNvCxnSpPr>
             <a:cxnSpLocks/>
-            <a:stCxn id="29" idx="6"/>
-            <a:endCxn id="19" idx="3"/>
+            <a:stCxn id="2" idx="3"/>
+            <a:endCxn id="6" idx="0"/>
           </p:cNvCxnSpPr>
           <p:nvPr/>
         </p:nvCxnSpPr>
         <p:spPr>
-          <a:xfrm flipV="1">
-            <a:off x="5443547" y="2541314"/>
-            <a:ext cx="624150" cy="281052"/>
-          </a:xfrm>
-          <a:prstGeom prst="line">
-            <a:avLst/>
-          </a:prstGeom>
-          <a:ln>
-            <a:solidFill>
-              <a:schemeClr val="tx1"/>
-            </a:solidFill>
+          <a:xfrm flipH="1">
+            <a:off x="3979263" y="1929967"/>
+            <a:ext cx="307629" cy="1524162"/>
+          </a:xfrm>
+          <a:prstGeom prst="straightConnector1">
+            <a:avLst/>
+          </a:prstGeom>
+          <a:ln w="12700">
+            <a:tailEnd type="triangle"/>
           </a:ln>
         </p:spPr>
         <p:style>
@@ -6650,98 +6444,34 @@
           </a:fontRef>
         </p:style>
       </p:cxnSp>
-      <p:sp>
-        <p:nvSpPr>
-          <p:cNvPr id="51" name="楕円 50">
-            <a:extLst>
-              <a:ext uri="{FF2B5EF4-FFF2-40B4-BE49-F238E27FC236}">
-                <a16:creationId xmlns:a16="http://schemas.microsoft.com/office/drawing/2014/main" id="{936398A2-1B1A-ADAB-C692-B1CDC54323CD}"/>
-              </a:ext>
-            </a:extLst>
-          </p:cNvPr>
-          <p:cNvSpPr/>
-          <p:nvPr/>
-        </p:nvSpPr>
-        <p:spPr>
-          <a:xfrm>
-            <a:off x="5035416" y="4253015"/>
-            <a:ext cx="439971" cy="434763"/>
-          </a:xfrm>
-          <a:prstGeom prst="ellipse">
-            <a:avLst/>
-          </a:prstGeom>
-          <a:noFill/>
-          <a:ln>
-            <a:solidFill>
-              <a:schemeClr val="tx1"/>
-            </a:solidFill>
-          </a:ln>
-        </p:spPr>
-        <p:style>
-          <a:lnRef idx="2">
-            <a:schemeClr val="accent1">
-              <a:shade val="50000"/>
-            </a:schemeClr>
-          </a:lnRef>
-          <a:fillRef idx="1">
-            <a:schemeClr val="accent1"/>
-          </a:fillRef>
-          <a:effectRef idx="0">
-            <a:schemeClr val="accent1"/>
-          </a:effectRef>
-          <a:fontRef idx="minor">
-            <a:schemeClr val="lt1"/>
-          </a:fontRef>
-        </p:style>
-        <p:txBody>
-          <a:bodyPr rtlCol="0" anchor="ctr"/>
-          <a:lstStyle/>
-          <a:p>
-            <a:pPr algn="ctr"/>
-            <a:r>
-              <a:rPr kumimoji="1" lang="en-US" altLang="ja-JP" dirty="0">
-                <a:solidFill>
-                  <a:schemeClr val="tx1"/>
-                </a:solidFill>
-              </a:rPr>
-              <a:t>3</a:t>
-            </a:r>
-            <a:endParaRPr kumimoji="1" lang="ja-JP" altLang="en-US" dirty="0">
-              <a:solidFill>
-                <a:schemeClr val="tx1"/>
-              </a:solidFill>
-            </a:endParaRPr>
-          </a:p>
-        </p:txBody>
-      </p:sp>
       <p:cxnSp>
         <p:nvCxnSpPr>
-          <p:cNvPr id="66" name="直線コネクタ 65">
-            <a:extLst>
-              <a:ext uri="{FF2B5EF4-FFF2-40B4-BE49-F238E27FC236}">
-                <a16:creationId xmlns:a16="http://schemas.microsoft.com/office/drawing/2014/main" id="{0D73DC1B-4788-4BEA-BCD5-5A95101381AA}"/>
+          <p:cNvPr id="33" name="コネクタ: 曲線 32">
+            <a:extLst>
+              <a:ext uri="{FF2B5EF4-FFF2-40B4-BE49-F238E27FC236}">
+                <a16:creationId xmlns:a16="http://schemas.microsoft.com/office/drawing/2014/main" id="{D152A1CA-723C-D031-4058-3152FDE3E830}"/>
               </a:ext>
             </a:extLst>
           </p:cNvPr>
           <p:cNvCxnSpPr>
             <a:cxnSpLocks/>
-            <a:stCxn id="68" idx="6"/>
-            <a:endCxn id="33" idx="2"/>
+            <a:stCxn id="5" idx="1"/>
+            <a:endCxn id="5" idx="7"/>
           </p:cNvCxnSpPr>
           <p:nvPr/>
         </p:nvCxnSpPr>
         <p:spPr>
-          <a:xfrm>
-            <a:off x="4462860" y="1956148"/>
-            <a:ext cx="556482" cy="0"/>
-          </a:xfrm>
-          <a:prstGeom prst="line">
-            <a:avLst/>
-          </a:prstGeom>
-          <a:ln>
-            <a:solidFill>
-              <a:schemeClr val="tx1"/>
-            </a:solidFill>
+          <a:xfrm rot="5400000" flipH="1" flipV="1">
+            <a:off x="5531344" y="3350349"/>
+            <a:ext cx="12700" cy="311107"/>
+          </a:xfrm>
+          <a:prstGeom prst="curvedConnector3">
+            <a:avLst>
+              <a:gd name="adj1" fmla="val 2301339"/>
+            </a:avLst>
+          </a:prstGeom>
+          <a:ln w="12700">
+            <a:tailEnd type="triangle"/>
           </a:ln>
         </p:spPr>
         <p:style>
@@ -6759,98 +6489,32 @@
           </a:fontRef>
         </p:style>
       </p:cxnSp>
-      <p:sp>
-        <p:nvSpPr>
-          <p:cNvPr id="68" name="楕円 67">
-            <a:extLst>
-              <a:ext uri="{FF2B5EF4-FFF2-40B4-BE49-F238E27FC236}">
-                <a16:creationId xmlns:a16="http://schemas.microsoft.com/office/drawing/2014/main" id="{78219453-3070-8E5F-6244-96693EC9F5A2}"/>
-              </a:ext>
-            </a:extLst>
-          </p:cNvPr>
-          <p:cNvSpPr/>
-          <p:nvPr/>
-        </p:nvSpPr>
-        <p:spPr>
-          <a:xfrm>
-            <a:off x="4022889" y="1738766"/>
-            <a:ext cx="439971" cy="434763"/>
-          </a:xfrm>
-          <a:prstGeom prst="ellipse">
-            <a:avLst/>
-          </a:prstGeom>
-          <a:noFill/>
-          <a:ln>
-            <a:solidFill>
-              <a:schemeClr val="tx1"/>
-            </a:solidFill>
-          </a:ln>
-        </p:spPr>
-        <p:style>
-          <a:lnRef idx="2">
-            <a:schemeClr val="accent1">
-              <a:shade val="50000"/>
-            </a:schemeClr>
-          </a:lnRef>
-          <a:fillRef idx="1">
-            <a:schemeClr val="accent1"/>
-          </a:fillRef>
-          <a:effectRef idx="0">
-            <a:schemeClr val="accent1"/>
-          </a:effectRef>
-          <a:fontRef idx="minor">
-            <a:schemeClr val="lt1"/>
-          </a:fontRef>
-        </p:style>
-        <p:txBody>
-          <a:bodyPr rtlCol="0" anchor="ctr"/>
-          <a:lstStyle/>
-          <a:p>
-            <a:pPr algn="ctr"/>
-            <a:r>
-              <a:rPr kumimoji="1" lang="en-US" altLang="ja-JP" dirty="0">
-                <a:solidFill>
-                  <a:schemeClr val="tx1"/>
-                </a:solidFill>
-              </a:rPr>
-              <a:t>3</a:t>
-            </a:r>
-            <a:endParaRPr kumimoji="1" lang="ja-JP" altLang="en-US" dirty="0">
-              <a:solidFill>
-                <a:schemeClr val="tx1"/>
-              </a:solidFill>
-            </a:endParaRPr>
-          </a:p>
-        </p:txBody>
-      </p:sp>
       <p:cxnSp>
         <p:nvCxnSpPr>
-          <p:cNvPr id="89" name="直線コネクタ 88">
-            <a:extLst>
-              <a:ext uri="{FF2B5EF4-FFF2-40B4-BE49-F238E27FC236}">
-                <a16:creationId xmlns:a16="http://schemas.microsoft.com/office/drawing/2014/main" id="{219E3501-C614-A6C3-7C21-28CF0F8C4DF5}"/>
+          <p:cNvPr id="43" name="直線矢印コネクタ 42">
+            <a:extLst>
+              <a:ext uri="{FF2B5EF4-FFF2-40B4-BE49-F238E27FC236}">
+                <a16:creationId xmlns:a16="http://schemas.microsoft.com/office/drawing/2014/main" id="{C98EB211-99FB-A8DC-0960-1AE31681AA8E}"/>
               </a:ext>
             </a:extLst>
           </p:cNvPr>
           <p:cNvCxnSpPr>
             <a:cxnSpLocks/>
-            <a:stCxn id="90" idx="6"/>
-            <a:endCxn id="68" idx="2"/>
+            <a:stCxn id="5" idx="6"/>
+            <a:endCxn id="51" idx="2"/>
           </p:cNvCxnSpPr>
           <p:nvPr/>
         </p:nvCxnSpPr>
         <p:spPr>
           <a:xfrm>
-            <a:off x="3466407" y="1956148"/>
-            <a:ext cx="556482" cy="0"/>
-          </a:xfrm>
-          <a:prstGeom prst="line">
-            <a:avLst/>
-          </a:prstGeom>
-          <a:ln>
-            <a:solidFill>
-              <a:schemeClr val="tx1"/>
-            </a:solidFill>
+            <a:off x="5751330" y="3659614"/>
+            <a:ext cx="1262824" cy="5544"/>
+          </a:xfrm>
+          <a:prstGeom prst="straightConnector1">
+            <a:avLst/>
+          </a:prstGeom>
+          <a:ln w="12700">
+            <a:tailEnd type="triangle"/>
           </a:ln>
         </p:spPr>
         <p:style>
@@ -6868,98 +6532,32 @@
           </a:fontRef>
         </p:style>
       </p:cxnSp>
-      <p:sp>
-        <p:nvSpPr>
-          <p:cNvPr id="90" name="楕円 89">
-            <a:extLst>
-              <a:ext uri="{FF2B5EF4-FFF2-40B4-BE49-F238E27FC236}">
-                <a16:creationId xmlns:a16="http://schemas.microsoft.com/office/drawing/2014/main" id="{2185B69C-2469-826A-A26E-3F85300008CD}"/>
-              </a:ext>
-            </a:extLst>
-          </p:cNvPr>
-          <p:cNvSpPr/>
-          <p:nvPr/>
-        </p:nvSpPr>
-        <p:spPr>
-          <a:xfrm>
-            <a:off x="3026436" y="1738766"/>
-            <a:ext cx="439971" cy="434763"/>
-          </a:xfrm>
-          <a:prstGeom prst="ellipse">
-            <a:avLst/>
-          </a:prstGeom>
-          <a:noFill/>
-          <a:ln>
-            <a:solidFill>
-              <a:schemeClr val="tx1"/>
-            </a:solidFill>
-          </a:ln>
-        </p:spPr>
-        <p:style>
-          <a:lnRef idx="2">
-            <a:schemeClr val="accent1">
-              <a:shade val="50000"/>
-            </a:schemeClr>
-          </a:lnRef>
-          <a:fillRef idx="1">
-            <a:schemeClr val="accent1"/>
-          </a:fillRef>
-          <a:effectRef idx="0">
-            <a:schemeClr val="accent1"/>
-          </a:effectRef>
-          <a:fontRef idx="minor">
-            <a:schemeClr val="lt1"/>
-          </a:fontRef>
-        </p:style>
-        <p:txBody>
-          <a:bodyPr rtlCol="0" anchor="ctr"/>
-          <a:lstStyle/>
-          <a:p>
-            <a:pPr algn="ctr"/>
-            <a:r>
-              <a:rPr kumimoji="1" lang="en-US" altLang="ja-JP" dirty="0">
-                <a:solidFill>
-                  <a:schemeClr val="tx1"/>
-                </a:solidFill>
-              </a:rPr>
-              <a:t>3</a:t>
-            </a:r>
-            <a:endParaRPr kumimoji="1" lang="ja-JP" altLang="en-US" dirty="0">
-              <a:solidFill>
-                <a:schemeClr val="tx1"/>
-              </a:solidFill>
-            </a:endParaRPr>
-          </a:p>
-        </p:txBody>
-      </p:sp>
       <p:cxnSp>
         <p:nvCxnSpPr>
-          <p:cNvPr id="92" name="直線コネクタ 91">
-            <a:extLst>
-              <a:ext uri="{FF2B5EF4-FFF2-40B4-BE49-F238E27FC236}">
-                <a16:creationId xmlns:a16="http://schemas.microsoft.com/office/drawing/2014/main" id="{F0188C79-281A-7EB4-B7A7-0B74E0A01B6C}"/>
+          <p:cNvPr id="46" name="直線矢印コネクタ 45">
+            <a:extLst>
+              <a:ext uri="{FF2B5EF4-FFF2-40B4-BE49-F238E27FC236}">
+                <a16:creationId xmlns:a16="http://schemas.microsoft.com/office/drawing/2014/main" id="{2F6BDFF5-D217-6920-EF5A-FD10BC82A8E5}"/>
               </a:ext>
             </a:extLst>
           </p:cNvPr>
           <p:cNvCxnSpPr>
             <a:cxnSpLocks/>
-            <a:stCxn id="93" idx="6"/>
-            <a:endCxn id="29" idx="2"/>
+            <a:stCxn id="32" idx="2"/>
+            <a:endCxn id="34" idx="6"/>
           </p:cNvCxnSpPr>
           <p:nvPr/>
         </p:nvCxnSpPr>
         <p:spPr>
-          <a:xfrm>
-            <a:off x="4462860" y="2822366"/>
-            <a:ext cx="540716" cy="0"/>
-          </a:xfrm>
-          <a:prstGeom prst="line">
-            <a:avLst/>
-          </a:prstGeom>
-          <a:ln>
-            <a:solidFill>
-              <a:schemeClr val="tx1"/>
-            </a:solidFill>
+          <a:xfrm flipH="1">
+            <a:off x="5681813" y="5276983"/>
+            <a:ext cx="1337673" cy="8358"/>
+          </a:xfrm>
+          <a:prstGeom prst="straightConnector1">
+            <a:avLst/>
+          </a:prstGeom>
+          <a:ln w="12700">
+            <a:tailEnd type="triangle"/>
           </a:ln>
         </p:spPr>
         <p:style>
@@ -6979,96 +6577,300 @@
       </p:cxnSp>
       <p:sp>
         <p:nvSpPr>
-          <p:cNvPr id="93" name="楕円 92">
-            <a:extLst>
-              <a:ext uri="{FF2B5EF4-FFF2-40B4-BE49-F238E27FC236}">
-                <a16:creationId xmlns:a16="http://schemas.microsoft.com/office/drawing/2014/main" id="{72B03E98-54FC-6EE9-49BB-063EFC599DCE}"/>
-              </a:ext>
-            </a:extLst>
-          </p:cNvPr>
-          <p:cNvSpPr/>
-          <p:nvPr/>
-        </p:nvSpPr>
-        <p:spPr>
-          <a:xfrm>
-            <a:off x="4022889" y="2604984"/>
-            <a:ext cx="439971" cy="434763"/>
-          </a:xfrm>
-          <a:prstGeom prst="ellipse">
+          <p:cNvPr id="49" name="テキスト ボックス 48">
+            <a:extLst>
+              <a:ext uri="{FF2B5EF4-FFF2-40B4-BE49-F238E27FC236}">
+                <a16:creationId xmlns:a16="http://schemas.microsoft.com/office/drawing/2014/main" id="{602BDB04-D19E-9951-8223-08366BB4B22A}"/>
+              </a:ext>
+            </a:extLst>
+          </p:cNvPr>
+          <p:cNvSpPr txBox="1"/>
+          <p:nvPr/>
+        </p:nvSpPr>
+        <p:spPr>
+          <a:xfrm>
+            <a:off x="4199248" y="3360361"/>
+            <a:ext cx="746970" cy="369332"/>
+          </a:xfrm>
+          <a:prstGeom prst="rect">
             <a:avLst/>
           </a:prstGeom>
           <a:noFill/>
-          <a:ln>
-            <a:solidFill>
-              <a:schemeClr val="tx1"/>
-            </a:solidFill>
-          </a:ln>
-        </p:spPr>
-        <p:style>
-          <a:lnRef idx="2">
-            <a:schemeClr val="accent1">
-              <a:shade val="50000"/>
-            </a:schemeClr>
-          </a:lnRef>
-          <a:fillRef idx="1">
-            <a:schemeClr val="accent1"/>
-          </a:fillRef>
-          <a:effectRef idx="0">
-            <a:schemeClr val="accent1"/>
-          </a:effectRef>
-          <a:fontRef idx="minor">
-            <a:schemeClr val="lt1"/>
-          </a:fontRef>
-        </p:style>
-        <p:txBody>
-          <a:bodyPr rtlCol="0" anchor="ctr"/>
+        </p:spPr>
+        <p:txBody>
+          <a:bodyPr wrap="square" rtlCol="0">
+            <a:spAutoFit/>
+          </a:bodyPr>
           <a:lstStyle/>
           <a:p>
             <a:pPr algn="ctr"/>
             <a:r>
               <a:rPr kumimoji="1" lang="en-US" altLang="ja-JP" dirty="0">
                 <a:solidFill>
-                  <a:schemeClr val="tx1"/>
+                  <a:schemeClr val="accent1"/>
                 </a:solidFill>
               </a:rPr>
-              <a:t>3</a:t>
+              <a:t>0.99</a:t>
             </a:r>
             <a:endParaRPr kumimoji="1" lang="ja-JP" altLang="en-US" dirty="0">
               <a:solidFill>
-                <a:schemeClr val="tx1"/>
+                <a:schemeClr val="accent1"/>
               </a:solidFill>
             </a:endParaRPr>
           </a:p>
         </p:txBody>
       </p:sp>
+      <p:sp>
+        <p:nvSpPr>
+          <p:cNvPr id="50" name="テキスト ボックス 49">
+            <a:extLst>
+              <a:ext uri="{FF2B5EF4-FFF2-40B4-BE49-F238E27FC236}">
+                <a16:creationId xmlns:a16="http://schemas.microsoft.com/office/drawing/2014/main" id="{F10A5CC5-D649-AAC9-1088-BF2C31C40983}"/>
+              </a:ext>
+            </a:extLst>
+          </p:cNvPr>
+          <p:cNvSpPr txBox="1"/>
+          <p:nvPr/>
+        </p:nvSpPr>
+        <p:spPr>
+          <a:xfrm>
+            <a:off x="4037258" y="4952990"/>
+            <a:ext cx="746970" cy="369332"/>
+          </a:xfrm>
+          <a:prstGeom prst="rect">
+            <a:avLst/>
+          </a:prstGeom>
+          <a:noFill/>
+        </p:spPr>
+        <p:txBody>
+          <a:bodyPr wrap="square" rtlCol="0">
+            <a:spAutoFit/>
+          </a:bodyPr>
+          <a:lstStyle/>
+          <a:p>
+            <a:pPr algn="ctr"/>
+            <a:r>
+              <a:rPr kumimoji="1" lang="en-US" altLang="ja-JP" dirty="0">
+                <a:solidFill>
+                  <a:schemeClr val="accent1"/>
+                </a:solidFill>
+              </a:rPr>
+              <a:t>0.99</a:t>
+            </a:r>
+            <a:endParaRPr kumimoji="1" lang="ja-JP" altLang="en-US" dirty="0">
+              <a:solidFill>
+                <a:schemeClr val="accent1"/>
+              </a:solidFill>
+            </a:endParaRPr>
+          </a:p>
+        </p:txBody>
+      </p:sp>
+      <p:sp>
+        <p:nvSpPr>
+          <p:cNvPr id="52" name="テキスト ボックス 51">
+            <a:extLst>
+              <a:ext uri="{FF2B5EF4-FFF2-40B4-BE49-F238E27FC236}">
+                <a16:creationId xmlns:a16="http://schemas.microsoft.com/office/drawing/2014/main" id="{07A98847-4B02-0802-23F7-0F2653F5180F}"/>
+              </a:ext>
+            </a:extLst>
+          </p:cNvPr>
+          <p:cNvSpPr txBox="1"/>
+          <p:nvPr/>
+        </p:nvSpPr>
+        <p:spPr>
+          <a:xfrm>
+            <a:off x="5176746" y="2915725"/>
+            <a:ext cx="746970" cy="369332"/>
+          </a:xfrm>
+          <a:prstGeom prst="rect">
+            <a:avLst/>
+          </a:prstGeom>
+          <a:noFill/>
+        </p:spPr>
+        <p:txBody>
+          <a:bodyPr wrap="square" rtlCol="0">
+            <a:spAutoFit/>
+          </a:bodyPr>
+          <a:lstStyle/>
+          <a:p>
+            <a:pPr algn="ctr"/>
+            <a:r>
+              <a:rPr lang="en-US" altLang="ja-JP" dirty="0">
+                <a:solidFill>
+                  <a:schemeClr val="accent1"/>
+                </a:solidFill>
+              </a:rPr>
+              <a:t>0.45</a:t>
+            </a:r>
+            <a:endParaRPr kumimoji="1" lang="ja-JP" altLang="en-US" dirty="0">
+              <a:solidFill>
+                <a:schemeClr val="accent1"/>
+              </a:solidFill>
+            </a:endParaRPr>
+          </a:p>
+        </p:txBody>
+      </p:sp>
+      <p:sp>
+        <p:nvSpPr>
+          <p:cNvPr id="53" name="テキスト ボックス 52">
+            <a:extLst>
+              <a:ext uri="{FF2B5EF4-FFF2-40B4-BE49-F238E27FC236}">
+                <a16:creationId xmlns:a16="http://schemas.microsoft.com/office/drawing/2014/main" id="{0393430C-50B1-E182-FE13-D04B8868EB6B}"/>
+              </a:ext>
+            </a:extLst>
+          </p:cNvPr>
+          <p:cNvSpPr txBox="1"/>
+          <p:nvPr/>
+        </p:nvSpPr>
+        <p:spPr>
+          <a:xfrm>
+            <a:off x="3440431" y="2331515"/>
+            <a:ext cx="746970" cy="369332"/>
+          </a:xfrm>
+          <a:prstGeom prst="rect">
+            <a:avLst/>
+          </a:prstGeom>
+          <a:noFill/>
+        </p:spPr>
+        <p:txBody>
+          <a:bodyPr wrap="square" rtlCol="0">
+            <a:spAutoFit/>
+          </a:bodyPr>
+          <a:lstStyle/>
+          <a:p>
+            <a:pPr algn="ctr"/>
+            <a:r>
+              <a:rPr lang="en-US" altLang="ja-JP" dirty="0">
+                <a:solidFill>
+                  <a:schemeClr val="accent1"/>
+                </a:solidFill>
+              </a:rPr>
+              <a:t>0.99</a:t>
+            </a:r>
+            <a:endParaRPr kumimoji="1" lang="ja-JP" altLang="en-US" dirty="0">
+              <a:solidFill>
+                <a:schemeClr val="accent1"/>
+              </a:solidFill>
+            </a:endParaRPr>
+          </a:p>
+        </p:txBody>
+      </p:sp>
+      <p:sp>
+        <p:nvSpPr>
+          <p:cNvPr id="54" name="テキスト ボックス 53">
+            <a:extLst>
+              <a:ext uri="{FF2B5EF4-FFF2-40B4-BE49-F238E27FC236}">
+                <a16:creationId xmlns:a16="http://schemas.microsoft.com/office/drawing/2014/main" id="{4947C681-A811-03A0-031F-16BDF633A61E}"/>
+              </a:ext>
+            </a:extLst>
+          </p:cNvPr>
+          <p:cNvSpPr txBox="1"/>
+          <p:nvPr/>
+        </p:nvSpPr>
+        <p:spPr>
+          <a:xfrm>
+            <a:off x="5826687" y="3364951"/>
+            <a:ext cx="746970" cy="369332"/>
+          </a:xfrm>
+          <a:prstGeom prst="rect">
+            <a:avLst/>
+          </a:prstGeom>
+          <a:noFill/>
+        </p:spPr>
+        <p:txBody>
+          <a:bodyPr wrap="square" rtlCol="0">
+            <a:spAutoFit/>
+          </a:bodyPr>
+          <a:lstStyle/>
+          <a:p>
+            <a:pPr algn="ctr"/>
+            <a:r>
+              <a:rPr lang="en-US" altLang="ja-JP" dirty="0">
+                <a:solidFill>
+                  <a:schemeClr val="accent1"/>
+                </a:solidFill>
+              </a:rPr>
+              <a:t>0.54</a:t>
+            </a:r>
+            <a:endParaRPr kumimoji="1" lang="ja-JP" altLang="en-US" dirty="0">
+              <a:solidFill>
+                <a:schemeClr val="accent1"/>
+              </a:solidFill>
+            </a:endParaRPr>
+          </a:p>
+        </p:txBody>
+      </p:sp>
+      <p:sp>
+        <p:nvSpPr>
+          <p:cNvPr id="55" name="テキスト ボックス 54">
+            <a:extLst>
+              <a:ext uri="{FF2B5EF4-FFF2-40B4-BE49-F238E27FC236}">
+                <a16:creationId xmlns:a16="http://schemas.microsoft.com/office/drawing/2014/main" id="{39046CC4-4F5B-F3D6-5761-EBE43BA2F298}"/>
+              </a:ext>
+            </a:extLst>
+          </p:cNvPr>
+          <p:cNvSpPr txBox="1"/>
+          <p:nvPr/>
+        </p:nvSpPr>
+        <p:spPr>
+          <a:xfrm>
+            <a:off x="6011516" y="4952990"/>
+            <a:ext cx="746970" cy="369332"/>
+          </a:xfrm>
+          <a:prstGeom prst="rect">
+            <a:avLst/>
+          </a:prstGeom>
+          <a:noFill/>
+        </p:spPr>
+        <p:txBody>
+          <a:bodyPr wrap="square" rtlCol="0">
+            <a:spAutoFit/>
+          </a:bodyPr>
+          <a:lstStyle/>
+          <a:p>
+            <a:pPr algn="ctr"/>
+            <a:r>
+              <a:rPr kumimoji="1" lang="en-US" altLang="ja-JP" dirty="0">
+                <a:solidFill>
+                  <a:schemeClr val="accent1"/>
+                </a:solidFill>
+              </a:rPr>
+              <a:t>0.79</a:t>
+            </a:r>
+            <a:endParaRPr kumimoji="1" lang="ja-JP" altLang="en-US" dirty="0">
+              <a:solidFill>
+                <a:schemeClr val="accent1"/>
+              </a:solidFill>
+            </a:endParaRPr>
+          </a:p>
+        </p:txBody>
+      </p:sp>
       <p:cxnSp>
         <p:nvCxnSpPr>
-          <p:cNvPr id="94" name="直線コネクタ 93">
-            <a:extLst>
-              <a:ext uri="{FF2B5EF4-FFF2-40B4-BE49-F238E27FC236}">
-                <a16:creationId xmlns:a16="http://schemas.microsoft.com/office/drawing/2014/main" id="{2A3434F9-101A-C370-87D9-B8A615A1B98C}"/>
+          <p:cNvPr id="56" name="直線矢印コネクタ 55">
+            <a:extLst>
+              <a:ext uri="{FF2B5EF4-FFF2-40B4-BE49-F238E27FC236}">
+                <a16:creationId xmlns:a16="http://schemas.microsoft.com/office/drawing/2014/main" id="{F43B7E33-944F-6140-2719-E85E06F2A547}"/>
               </a:ext>
             </a:extLst>
           </p:cNvPr>
           <p:cNvCxnSpPr>
             <a:cxnSpLocks/>
-            <a:stCxn id="95" idx="6"/>
-            <a:endCxn id="93" idx="2"/>
+            <a:stCxn id="51" idx="3"/>
+            <a:endCxn id="32" idx="1"/>
           </p:cNvCxnSpPr>
           <p:nvPr/>
         </p:nvCxnSpPr>
         <p:spPr>
           <a:xfrm>
-            <a:off x="3467843" y="2822366"/>
-            <a:ext cx="555046" cy="0"/>
-          </a:xfrm>
-          <a:prstGeom prst="line">
-            <a:avLst/>
-          </a:prstGeom>
-          <a:ln>
-            <a:solidFill>
-              <a:schemeClr val="tx1"/>
-            </a:solidFill>
+            <a:off x="7078586" y="3818869"/>
+            <a:ext cx="5332" cy="1304402"/>
+          </a:xfrm>
+          <a:prstGeom prst="straightConnector1">
+            <a:avLst/>
+          </a:prstGeom>
+          <a:ln w="12700">
+            <a:tailEnd type="triangle"/>
           </a:ln>
         </p:spPr>
         <p:style>
@@ -7088,63 +6890,44 @@
       </p:cxnSp>
       <p:sp>
         <p:nvSpPr>
-          <p:cNvPr id="95" name="楕円 94">
-            <a:extLst>
-              <a:ext uri="{FF2B5EF4-FFF2-40B4-BE49-F238E27FC236}">
-                <a16:creationId xmlns:a16="http://schemas.microsoft.com/office/drawing/2014/main" id="{9BADADBC-278B-8A91-3D80-907EC7D90CD2}"/>
-              </a:ext>
-            </a:extLst>
-          </p:cNvPr>
-          <p:cNvSpPr/>
-          <p:nvPr/>
-        </p:nvSpPr>
-        <p:spPr>
-          <a:xfrm>
-            <a:off x="3027872" y="2604984"/>
-            <a:ext cx="439971" cy="434763"/>
-          </a:xfrm>
-          <a:prstGeom prst="ellipse">
+          <p:cNvPr id="60" name="テキスト ボックス 59">
+            <a:extLst>
+              <a:ext uri="{FF2B5EF4-FFF2-40B4-BE49-F238E27FC236}">
+                <a16:creationId xmlns:a16="http://schemas.microsoft.com/office/drawing/2014/main" id="{7D94A0C0-852A-F327-3307-548B232529EC}"/>
+              </a:ext>
+            </a:extLst>
+          </p:cNvPr>
+          <p:cNvSpPr txBox="1"/>
+          <p:nvPr/>
+        </p:nvSpPr>
+        <p:spPr>
+          <a:xfrm>
+            <a:off x="6382742" y="4285551"/>
+            <a:ext cx="746970" cy="369332"/>
+          </a:xfrm>
+          <a:prstGeom prst="rect">
             <a:avLst/>
           </a:prstGeom>
           <a:noFill/>
-          <a:ln>
-            <a:solidFill>
-              <a:schemeClr val="tx1"/>
-            </a:solidFill>
-          </a:ln>
-        </p:spPr>
-        <p:style>
-          <a:lnRef idx="2">
-            <a:schemeClr val="accent1">
-              <a:shade val="50000"/>
-            </a:schemeClr>
-          </a:lnRef>
-          <a:fillRef idx="1">
-            <a:schemeClr val="accent1"/>
-          </a:fillRef>
-          <a:effectRef idx="0">
-            <a:schemeClr val="accent1"/>
-          </a:effectRef>
-          <a:fontRef idx="minor">
-            <a:schemeClr val="lt1"/>
-          </a:fontRef>
-        </p:style>
-        <p:txBody>
-          <a:bodyPr rtlCol="0" anchor="ctr"/>
+        </p:spPr>
+        <p:txBody>
+          <a:bodyPr wrap="square" rtlCol="0">
+            <a:spAutoFit/>
+          </a:bodyPr>
           <a:lstStyle/>
           <a:p>
             <a:pPr algn="ctr"/>
             <a:r>
-              <a:rPr kumimoji="1" lang="en-US" altLang="ja-JP" dirty="0">
+              <a:rPr lang="en-US" altLang="ja-JP" dirty="0">
                 <a:solidFill>
-                  <a:schemeClr val="tx1"/>
+                  <a:schemeClr val="accent1"/>
                 </a:solidFill>
               </a:rPr>
-              <a:t>3</a:t>
+              <a:t>0.99</a:t>
             </a:r>
             <a:endParaRPr kumimoji="1" lang="ja-JP" altLang="en-US" dirty="0">
               <a:solidFill>
-                <a:schemeClr val="tx1"/>
+                <a:schemeClr val="accent1"/>
               </a:solidFill>
             </a:endParaRPr>
           </a:p>
@@ -7152,32 +6935,34 @@
       </p:sp>
       <p:cxnSp>
         <p:nvCxnSpPr>
-          <p:cNvPr id="101" name="直線コネクタ 100">
-            <a:extLst>
-              <a:ext uri="{FF2B5EF4-FFF2-40B4-BE49-F238E27FC236}">
-                <a16:creationId xmlns:a16="http://schemas.microsoft.com/office/drawing/2014/main" id="{662F5556-2EA0-97A9-8869-4603EFD5B92B}"/>
+          <p:cNvPr id="63" name="直線矢印コネクタ 62">
+            <a:extLst>
+              <a:ext uri="{FF2B5EF4-FFF2-40B4-BE49-F238E27FC236}">
+                <a16:creationId xmlns:a16="http://schemas.microsoft.com/office/drawing/2014/main" id="{912D5CC1-2ECD-6815-FCBB-D7E8B826AEDA}"/>
               </a:ext>
             </a:extLst>
           </p:cNvPr>
           <p:cNvCxnSpPr>
             <a:cxnSpLocks/>
-            <a:stCxn id="102" idx="6"/>
-            <a:endCxn id="51" idx="2"/>
+            <a:stCxn id="2" idx="5"/>
+            <a:endCxn id="5" idx="1"/>
           </p:cNvCxnSpPr>
           <p:nvPr/>
         </p:nvCxnSpPr>
         <p:spPr>
           <a:xfrm>
-            <a:off x="4478935" y="4470397"/>
-            <a:ext cx="556481" cy="0"/>
-          </a:xfrm>
-          <a:prstGeom prst="line">
-            <a:avLst/>
-          </a:prstGeom>
-          <a:ln>
+            <a:off x="4597999" y="1929967"/>
+            <a:ext cx="777792" cy="1575935"/>
+          </a:xfrm>
+          <a:prstGeom prst="straightConnector1">
+            <a:avLst/>
+          </a:prstGeom>
+          <a:ln w="12700">
             <a:solidFill>
-              <a:schemeClr val="tx1"/>
+              <a:schemeClr val="accent2"/>
             </a:solidFill>
+            <a:prstDash val="sysDash"/>
+            <a:tailEnd type="triangle"/>
           </a:ln>
         </p:spPr>
         <p:style>
@@ -7195,98 +6980,40 @@
           </a:fontRef>
         </p:style>
       </p:cxnSp>
-      <p:sp>
-        <p:nvSpPr>
-          <p:cNvPr id="102" name="楕円 101">
-            <a:extLst>
-              <a:ext uri="{FF2B5EF4-FFF2-40B4-BE49-F238E27FC236}">
-                <a16:creationId xmlns:a16="http://schemas.microsoft.com/office/drawing/2014/main" id="{5109BDEE-2DC4-30E4-B752-3C1E79E02695}"/>
-              </a:ext>
-            </a:extLst>
-          </p:cNvPr>
-          <p:cNvSpPr/>
-          <p:nvPr/>
-        </p:nvSpPr>
-        <p:spPr>
-          <a:xfrm>
-            <a:off x="4038964" y="4253015"/>
-            <a:ext cx="439971" cy="434763"/>
-          </a:xfrm>
-          <a:prstGeom prst="ellipse">
-            <a:avLst/>
-          </a:prstGeom>
-          <a:noFill/>
-          <a:ln>
-            <a:solidFill>
-              <a:schemeClr val="tx1"/>
-            </a:solidFill>
-          </a:ln>
-        </p:spPr>
-        <p:style>
-          <a:lnRef idx="2">
-            <a:schemeClr val="accent1">
-              <a:shade val="50000"/>
-            </a:schemeClr>
-          </a:lnRef>
-          <a:fillRef idx="1">
-            <a:schemeClr val="accent1"/>
-          </a:fillRef>
-          <a:effectRef idx="0">
-            <a:schemeClr val="accent1"/>
-          </a:effectRef>
-          <a:fontRef idx="minor">
-            <a:schemeClr val="lt1"/>
-          </a:fontRef>
-        </p:style>
-        <p:txBody>
-          <a:bodyPr rtlCol="0" anchor="ctr"/>
-          <a:lstStyle/>
-          <a:p>
-            <a:pPr algn="ctr"/>
-            <a:r>
-              <a:rPr kumimoji="1" lang="en-US" altLang="ja-JP" dirty="0">
-                <a:solidFill>
-                  <a:schemeClr val="tx1"/>
-                </a:solidFill>
-              </a:rPr>
-              <a:t>3</a:t>
-            </a:r>
-            <a:endParaRPr kumimoji="1" lang="ja-JP" altLang="en-US" dirty="0">
-              <a:solidFill>
-                <a:schemeClr val="tx1"/>
-              </a:solidFill>
-            </a:endParaRPr>
-          </a:p>
-        </p:txBody>
-      </p:sp>
       <p:cxnSp>
         <p:nvCxnSpPr>
-          <p:cNvPr id="103" name="直線コネクタ 102">
-            <a:extLst>
-              <a:ext uri="{FF2B5EF4-FFF2-40B4-BE49-F238E27FC236}">
-                <a16:creationId xmlns:a16="http://schemas.microsoft.com/office/drawing/2014/main" id="{69C44B0D-BF3C-6EB1-41C9-F231BD414390}"/>
+          <p:cNvPr id="67" name="コネクタ: 曲線 66">
+            <a:extLst>
+              <a:ext uri="{FF2B5EF4-FFF2-40B4-BE49-F238E27FC236}">
+                <a16:creationId xmlns:a16="http://schemas.microsoft.com/office/drawing/2014/main" id="{B87E0466-BA10-0032-8EC5-AB511FA7D264}"/>
               </a:ext>
             </a:extLst>
           </p:cNvPr>
           <p:cNvCxnSpPr>
             <a:cxnSpLocks/>
-            <a:stCxn id="104" idx="6"/>
-            <a:endCxn id="102" idx="2"/>
+            <a:stCxn id="34" idx="3"/>
+            <a:endCxn id="34" idx="1"/>
           </p:cNvCxnSpPr>
           <p:nvPr/>
         </p:nvCxnSpPr>
         <p:spPr>
-          <a:xfrm>
-            <a:off x="3482482" y="4470397"/>
-            <a:ext cx="556482" cy="0"/>
-          </a:xfrm>
-          <a:prstGeom prst="line">
-            <a:avLst/>
-          </a:prstGeom>
-          <a:ln>
+          <a:xfrm rot="5400000" flipH="1">
+            <a:off x="5152562" y="5285341"/>
+            <a:ext cx="307423" cy="12700"/>
+          </a:xfrm>
+          <a:prstGeom prst="curvedConnector5">
+            <a:avLst>
+              <a:gd name="adj1" fmla="val -74360"/>
+              <a:gd name="adj2" fmla="val 3614126"/>
+              <a:gd name="adj3" fmla="val 174360"/>
+            </a:avLst>
+          </a:prstGeom>
+          <a:ln w="12700">
             <a:solidFill>
-              <a:schemeClr val="tx1"/>
+              <a:schemeClr val="accent2"/>
             </a:solidFill>
+            <a:prstDash val="sysDash"/>
+            <a:tailEnd type="triangle"/>
           </a:ln>
         </p:spPr>
         <p:style>
@@ -7306,63 +7033,44 @@
       </p:cxnSp>
       <p:sp>
         <p:nvSpPr>
-          <p:cNvPr id="104" name="楕円 103">
-            <a:extLst>
-              <a:ext uri="{FF2B5EF4-FFF2-40B4-BE49-F238E27FC236}">
-                <a16:creationId xmlns:a16="http://schemas.microsoft.com/office/drawing/2014/main" id="{7CC5E67B-17EA-0E0D-DC4D-17F23BA87DB7}"/>
-              </a:ext>
-            </a:extLst>
-          </p:cNvPr>
-          <p:cNvSpPr/>
-          <p:nvPr/>
-        </p:nvSpPr>
-        <p:spPr>
-          <a:xfrm>
-            <a:off x="3042511" y="4253015"/>
-            <a:ext cx="439971" cy="434763"/>
-          </a:xfrm>
-          <a:prstGeom prst="ellipse">
+          <p:cNvPr id="70" name="テキスト ボックス 69">
+            <a:extLst>
+              <a:ext uri="{FF2B5EF4-FFF2-40B4-BE49-F238E27FC236}">
+                <a16:creationId xmlns:a16="http://schemas.microsoft.com/office/drawing/2014/main" id="{F9CFA8CC-CB2E-6B1D-6CB9-0E1813490CC2}"/>
+              </a:ext>
+            </a:extLst>
+          </p:cNvPr>
+          <p:cNvSpPr txBox="1"/>
+          <p:nvPr/>
+        </p:nvSpPr>
+        <p:spPr>
+          <a:xfrm>
+            <a:off x="4050076" y="5275672"/>
+            <a:ext cx="746970" cy="369332"/>
+          </a:xfrm>
+          <a:prstGeom prst="rect">
             <a:avLst/>
           </a:prstGeom>
           <a:noFill/>
-          <a:ln>
-            <a:solidFill>
-              <a:schemeClr val="tx1"/>
-            </a:solidFill>
-          </a:ln>
-        </p:spPr>
-        <p:style>
-          <a:lnRef idx="2">
-            <a:schemeClr val="accent1">
-              <a:shade val="50000"/>
-            </a:schemeClr>
-          </a:lnRef>
-          <a:fillRef idx="1">
-            <a:schemeClr val="accent1"/>
-          </a:fillRef>
-          <a:effectRef idx="0">
-            <a:schemeClr val="accent1"/>
-          </a:effectRef>
-          <a:fontRef idx="minor">
-            <a:schemeClr val="lt1"/>
-          </a:fontRef>
-        </p:style>
-        <p:txBody>
-          <a:bodyPr rtlCol="0" anchor="ctr"/>
+        </p:spPr>
+        <p:txBody>
+          <a:bodyPr wrap="square" rtlCol="0">
+            <a:spAutoFit/>
+          </a:bodyPr>
           <a:lstStyle/>
           <a:p>
             <a:pPr algn="ctr"/>
             <a:r>
               <a:rPr kumimoji="1" lang="en-US" altLang="ja-JP" dirty="0">
                 <a:solidFill>
-                  <a:schemeClr val="tx1"/>
+                  <a:schemeClr val="accent2"/>
                 </a:solidFill>
               </a:rPr>
-              <a:t>3</a:t>
+              <a:t>0.99</a:t>
             </a:r>
             <a:endParaRPr kumimoji="1" lang="ja-JP" altLang="en-US" dirty="0">
               <a:solidFill>
-                <a:schemeClr val="tx1"/>
+                <a:schemeClr val="accent2"/>
               </a:solidFill>
             </a:endParaRPr>
           </a:p>
@@ -7370,32 +7078,38 @@
       </p:sp>
       <p:cxnSp>
         <p:nvCxnSpPr>
-          <p:cNvPr id="3" name="直線コネクタ 2">
-            <a:extLst>
-              <a:ext uri="{FF2B5EF4-FFF2-40B4-BE49-F238E27FC236}">
-                <a16:creationId xmlns:a16="http://schemas.microsoft.com/office/drawing/2014/main" id="{77AFF6F8-9CA7-9910-00AE-6EAC8F2AB456}"/>
+          <p:cNvPr id="74" name="コネクタ: 曲線 73">
+            <a:extLst>
+              <a:ext uri="{FF2B5EF4-FFF2-40B4-BE49-F238E27FC236}">
+                <a16:creationId xmlns:a16="http://schemas.microsoft.com/office/drawing/2014/main" id="{F85EC4E1-2394-0FC2-6F5E-0E8B99F67B2C}"/>
               </a:ext>
             </a:extLst>
           </p:cNvPr>
           <p:cNvCxnSpPr>
             <a:cxnSpLocks/>
-            <a:stCxn id="6" idx="6"/>
-            <a:endCxn id="90" idx="2"/>
+            <a:stCxn id="6" idx="3"/>
+            <a:endCxn id="6" idx="1"/>
           </p:cNvCxnSpPr>
           <p:nvPr/>
         </p:nvCxnSpPr>
         <p:spPr>
-          <a:xfrm>
-            <a:off x="2469954" y="1956148"/>
-            <a:ext cx="556482" cy="0"/>
-          </a:xfrm>
-          <a:prstGeom prst="line">
-            <a:avLst/>
-          </a:prstGeom>
-          <a:ln>
+          <a:xfrm rot="5400000" flipH="1">
+            <a:off x="3669997" y="3671511"/>
+            <a:ext cx="307423" cy="12700"/>
+          </a:xfrm>
+          <a:prstGeom prst="curvedConnector5">
+            <a:avLst>
+              <a:gd name="adj1" fmla="val -74360"/>
+              <a:gd name="adj2" fmla="val 4757000"/>
+              <a:gd name="adj3" fmla="val 174360"/>
+            </a:avLst>
+          </a:prstGeom>
+          <a:ln w="12700">
             <a:solidFill>
-              <a:schemeClr val="tx1"/>
+              <a:schemeClr val="accent2"/>
             </a:solidFill>
+            <a:prstDash val="sysDash"/>
+            <a:tailEnd type="triangle"/>
           </a:ln>
         </p:spPr>
         <p:style>
@@ -7415,96 +7129,126 @@
       </p:cxnSp>
       <p:sp>
         <p:nvSpPr>
-          <p:cNvPr id="6" name="楕円 5">
-            <a:extLst>
-              <a:ext uri="{FF2B5EF4-FFF2-40B4-BE49-F238E27FC236}">
-                <a16:creationId xmlns:a16="http://schemas.microsoft.com/office/drawing/2014/main" id="{77D87AF6-6053-0E5E-41FC-835957BA1897}"/>
-              </a:ext>
-            </a:extLst>
-          </p:cNvPr>
-          <p:cNvSpPr/>
-          <p:nvPr/>
-        </p:nvSpPr>
-        <p:spPr>
-          <a:xfrm>
-            <a:off x="2029983" y="1738766"/>
-            <a:ext cx="439971" cy="434763"/>
-          </a:xfrm>
-          <a:prstGeom prst="ellipse">
+          <p:cNvPr id="79" name="テキスト ボックス 78">
+            <a:extLst>
+              <a:ext uri="{FF2B5EF4-FFF2-40B4-BE49-F238E27FC236}">
+                <a16:creationId xmlns:a16="http://schemas.microsoft.com/office/drawing/2014/main" id="{A5CFDFFF-6A55-BA0A-5AB9-8D00E82AB384}"/>
+              </a:ext>
+            </a:extLst>
+          </p:cNvPr>
+          <p:cNvSpPr txBox="1"/>
+          <p:nvPr/>
+        </p:nvSpPr>
+        <p:spPr>
+          <a:xfrm>
+            <a:off x="2567631" y="3493195"/>
+            <a:ext cx="746970" cy="369332"/>
+          </a:xfrm>
+          <a:prstGeom prst="rect">
             <a:avLst/>
           </a:prstGeom>
           <a:noFill/>
-          <a:ln>
-            <a:solidFill>
-              <a:schemeClr val="tx1"/>
-            </a:solidFill>
-          </a:ln>
-        </p:spPr>
-        <p:style>
-          <a:lnRef idx="2">
-            <a:schemeClr val="accent1">
-              <a:shade val="50000"/>
-            </a:schemeClr>
-          </a:lnRef>
-          <a:fillRef idx="1">
-            <a:schemeClr val="accent1"/>
-          </a:fillRef>
-          <a:effectRef idx="0">
-            <a:schemeClr val="accent1"/>
-          </a:effectRef>
-          <a:fontRef idx="minor">
-            <a:schemeClr val="lt1"/>
-          </a:fontRef>
-        </p:style>
-        <p:txBody>
-          <a:bodyPr rtlCol="0" anchor="ctr"/>
+        </p:spPr>
+        <p:txBody>
+          <a:bodyPr wrap="square" rtlCol="0">
+            <a:spAutoFit/>
+          </a:bodyPr>
           <a:lstStyle/>
           <a:p>
             <a:pPr algn="ctr"/>
             <a:r>
               <a:rPr kumimoji="1" lang="en-US" altLang="ja-JP" dirty="0">
                 <a:solidFill>
-                  <a:schemeClr val="tx1"/>
+                  <a:schemeClr val="accent2"/>
                 </a:solidFill>
               </a:rPr>
-              <a:t>3</a:t>
+              <a:t>0.99</a:t>
             </a:r>
             <a:endParaRPr kumimoji="1" lang="ja-JP" altLang="en-US" dirty="0">
               <a:solidFill>
-                <a:schemeClr val="tx1"/>
+                <a:schemeClr val="accent2"/>
               </a:solidFill>
             </a:endParaRPr>
           </a:p>
         </p:txBody>
       </p:sp>
+      <p:sp>
+        <p:nvSpPr>
+          <p:cNvPr id="84" name="テキスト ボックス 83">
+            <a:extLst>
+              <a:ext uri="{FF2B5EF4-FFF2-40B4-BE49-F238E27FC236}">
+                <a16:creationId xmlns:a16="http://schemas.microsoft.com/office/drawing/2014/main" id="{DD3095EB-14D3-6FB9-D772-417C30F2BB81}"/>
+              </a:ext>
+            </a:extLst>
+          </p:cNvPr>
+          <p:cNvSpPr txBox="1"/>
+          <p:nvPr/>
+        </p:nvSpPr>
+        <p:spPr>
+          <a:xfrm>
+            <a:off x="4817688" y="2331515"/>
+            <a:ext cx="746970" cy="369332"/>
+          </a:xfrm>
+          <a:prstGeom prst="rect">
+            <a:avLst/>
+          </a:prstGeom>
+          <a:noFill/>
+        </p:spPr>
+        <p:txBody>
+          <a:bodyPr wrap="square" rtlCol="0">
+            <a:spAutoFit/>
+          </a:bodyPr>
+          <a:lstStyle/>
+          <a:p>
+            <a:pPr algn="ctr"/>
+            <a:r>
+              <a:rPr kumimoji="1" lang="en-US" altLang="ja-JP" dirty="0">
+                <a:solidFill>
+                  <a:schemeClr val="accent2"/>
+                </a:solidFill>
+              </a:rPr>
+              <a:t>0.99</a:t>
+            </a:r>
+            <a:endParaRPr kumimoji="1" lang="ja-JP" altLang="en-US" dirty="0">
+              <a:solidFill>
+                <a:schemeClr val="accent2"/>
+              </a:solidFill>
+            </a:endParaRPr>
+          </a:p>
+        </p:txBody>
+      </p:sp>
       <p:cxnSp>
         <p:nvCxnSpPr>
-          <p:cNvPr id="8" name="直線コネクタ 7">
-            <a:extLst>
-              <a:ext uri="{FF2B5EF4-FFF2-40B4-BE49-F238E27FC236}">
-                <a16:creationId xmlns:a16="http://schemas.microsoft.com/office/drawing/2014/main" id="{580E5ABF-203F-5B48-A798-845CE32C6FD7}"/>
+          <p:cNvPr id="85" name="コネクタ: 曲線 84">
+            <a:extLst>
+              <a:ext uri="{FF2B5EF4-FFF2-40B4-BE49-F238E27FC236}">
+                <a16:creationId xmlns:a16="http://schemas.microsoft.com/office/drawing/2014/main" id="{1EAA3115-9501-EC76-28EC-8CFF459959A8}"/>
               </a:ext>
             </a:extLst>
           </p:cNvPr>
           <p:cNvCxnSpPr>
             <a:cxnSpLocks/>
-            <a:stCxn id="51" idx="6"/>
-            <a:endCxn id="20" idx="2"/>
+            <a:stCxn id="5" idx="5"/>
+            <a:endCxn id="5" idx="3"/>
           </p:cNvCxnSpPr>
           <p:nvPr/>
         </p:nvCxnSpPr>
         <p:spPr>
-          <a:xfrm>
-            <a:off x="5475387" y="4470397"/>
-            <a:ext cx="527877" cy="2"/>
-          </a:xfrm>
-          <a:prstGeom prst="line">
-            <a:avLst/>
-          </a:prstGeom>
-          <a:ln>
+          <a:xfrm rot="5400000">
+            <a:off x="5531345" y="3657772"/>
+            <a:ext cx="12700" cy="311107"/>
+          </a:xfrm>
+          <a:prstGeom prst="curvedConnector3">
+            <a:avLst>
+              <a:gd name="adj1" fmla="val 2301339"/>
+            </a:avLst>
+          </a:prstGeom>
+          <a:ln w="12700">
             <a:solidFill>
-              <a:schemeClr val="tx1"/>
+              <a:schemeClr val="accent2"/>
             </a:solidFill>
+            <a:prstDash val="sysDash"/>
+            <a:tailEnd type="triangle"/>
           </a:ln>
         </p:spPr>
         <p:style>
@@ -7524,10 +7268,10 @@
       </p:cxnSp>
       <p:sp>
         <p:nvSpPr>
-          <p:cNvPr id="17" name="テキスト ボックス 16">
-            <a:extLst>
-              <a:ext uri="{FF2B5EF4-FFF2-40B4-BE49-F238E27FC236}">
-                <a16:creationId xmlns:a16="http://schemas.microsoft.com/office/drawing/2014/main" id="{77F8248F-EC1B-F5BD-3376-79D13122BF0D}"/>
+          <p:cNvPr id="89" name="テキスト ボックス 88">
+            <a:extLst>
+              <a:ext uri="{FF2B5EF4-FFF2-40B4-BE49-F238E27FC236}">
+                <a16:creationId xmlns:a16="http://schemas.microsoft.com/office/drawing/2014/main" id="{B4E1656E-864C-A87C-F12F-41A3B48BFCCF}"/>
               </a:ext>
             </a:extLst>
           </p:cNvPr>
@@ -7536,8 +7280,8 @@
         </p:nvSpPr>
         <p:spPr>
           <a:xfrm>
-            <a:off x="1930400" y="766629"/>
-            <a:ext cx="8331200" cy="646331"/>
+            <a:off x="5185935" y="4171717"/>
+            <a:ext cx="746970" cy="369332"/>
           </a:xfrm>
           <a:prstGeom prst="rect">
             <a:avLst/>
@@ -7550,123 +7294,672 @@
           </a:bodyPr>
           <a:lstStyle/>
           <a:p>
-            <a:r>
-              <a:rPr lang="en-US" altLang="ja-JP" b="0" i="0" dirty="0">
+            <a:pPr algn="ctr"/>
+            <a:r>
+              <a:rPr kumimoji="1" lang="en-US" altLang="ja-JP" dirty="0">
                 <a:solidFill>
-                  <a:srgbClr val="212121"/>
+                  <a:schemeClr val="accent2"/>
                 </a:solidFill>
-                <a:effectLst/>
-                <a:latin typeface="Courier New" panose="02070309020205020404" pitchFamily="49" charset="0"/>
               </a:rPr>
-              <a:t>The probability that all labels are outputted along the most likely state transition: -8.825895056538032</a:t>
-            </a:r>
-            <a:r>
-              <a:rPr lang="ja-JP" altLang="en-US" b="0" i="0" dirty="0">
-                <a:solidFill>
-                  <a:srgbClr val="212121"/>
-                </a:solidFill>
-                <a:effectLst/>
-                <a:latin typeface="Courier New" panose="02070309020205020404" pitchFamily="49" charset="0"/>
-              </a:rPr>
-              <a:t>（対数表示）</a:t>
-            </a:r>
-            <a:endParaRPr kumimoji="1" lang="ja-JP" altLang="en-US" dirty="0"/>
-          </a:p>
-        </p:txBody>
-      </p:sp>
-      <p:pic>
-        <p:nvPicPr>
-          <p:cNvPr id="7" name="Picture 2">
-            <a:extLst>
-              <a:ext uri="{FF2B5EF4-FFF2-40B4-BE49-F238E27FC236}">
-                <a16:creationId xmlns:a16="http://schemas.microsoft.com/office/drawing/2014/main" id="{0DF53373-098A-D488-E5C6-04311F359865}"/>
-              </a:ext>
-            </a:extLst>
-          </p:cNvPr>
-          <p:cNvPicPr>
-            <a:picLocks noChangeAspect="1" noChangeArrowheads="1"/>
-          </p:cNvPicPr>
-          <p:nvPr/>
-        </p:nvPicPr>
-        <p:blipFill>
-          <a:blip r:embed="rId2">
-            <a:extLst>
-              <a:ext uri="{28A0092B-C50C-407E-A947-70E740481C1C}">
-                <a14:useLocalDpi xmlns:a14="http://schemas.microsoft.com/office/drawing/2010/main" val="0"/>
-              </a:ext>
-            </a:extLst>
-          </a:blip>
-          <a:srcRect/>
-          <a:stretch>
-            <a:fillRect/>
-          </a:stretch>
-        </p:blipFill>
-        <p:spPr bwMode="auto">
-          <a:xfrm>
-            <a:off x="6971112" y="4253013"/>
-            <a:ext cx="4147083" cy="1840492"/>
+              <a:t>0.91</a:t>
+            </a:r>
+            <a:endParaRPr kumimoji="1" lang="ja-JP" altLang="en-US" dirty="0">
+              <a:solidFill>
+                <a:schemeClr val="accent2"/>
+              </a:solidFill>
+            </a:endParaRPr>
+          </a:p>
+        </p:txBody>
+      </p:sp>
+      <p:cxnSp>
+        <p:nvCxnSpPr>
+          <p:cNvPr id="92" name="コネクタ: 曲線 91">
+            <a:extLst>
+              <a:ext uri="{FF2B5EF4-FFF2-40B4-BE49-F238E27FC236}">
+                <a16:creationId xmlns:a16="http://schemas.microsoft.com/office/drawing/2014/main" id="{3929E537-DE90-CD80-0B70-BE82CB4B57FD}"/>
+              </a:ext>
+            </a:extLst>
+          </p:cNvPr>
+          <p:cNvCxnSpPr>
+            <a:cxnSpLocks/>
+            <a:stCxn id="32" idx="5"/>
+            <a:endCxn id="32" idx="3"/>
+          </p:cNvCxnSpPr>
+          <p:nvPr/>
+        </p:nvCxnSpPr>
+        <p:spPr>
+          <a:xfrm rot="5400000">
+            <a:off x="7239472" y="5275141"/>
+            <a:ext cx="12700" cy="311107"/>
+          </a:xfrm>
+          <a:prstGeom prst="curvedConnector3">
+            <a:avLst>
+              <a:gd name="adj1" fmla="val 2301339"/>
+            </a:avLst>
+          </a:prstGeom>
+          <a:ln w="12700">
+            <a:solidFill>
+              <a:schemeClr val="accent2"/>
+            </a:solidFill>
+            <a:prstDash val="sysDash"/>
+            <a:tailEnd type="triangle"/>
+          </a:ln>
+        </p:spPr>
+        <p:style>
+          <a:lnRef idx="1">
+            <a:schemeClr val="accent1"/>
+          </a:lnRef>
+          <a:fillRef idx="0">
+            <a:schemeClr val="accent1"/>
+          </a:fillRef>
+          <a:effectRef idx="0">
+            <a:schemeClr val="accent1"/>
+          </a:effectRef>
+          <a:fontRef idx="minor">
+            <a:schemeClr val="tx1"/>
+          </a:fontRef>
+        </p:style>
+      </p:cxnSp>
+      <p:sp>
+        <p:nvSpPr>
+          <p:cNvPr id="98" name="テキスト ボックス 97">
+            <a:extLst>
+              <a:ext uri="{FF2B5EF4-FFF2-40B4-BE49-F238E27FC236}">
+                <a16:creationId xmlns:a16="http://schemas.microsoft.com/office/drawing/2014/main" id="{BC2D2298-FAC6-9909-1547-20C6E17DFEF1}"/>
+              </a:ext>
+            </a:extLst>
+          </p:cNvPr>
+          <p:cNvSpPr txBox="1"/>
+          <p:nvPr/>
+        </p:nvSpPr>
+        <p:spPr>
+          <a:xfrm>
+            <a:off x="6872337" y="5801596"/>
+            <a:ext cx="746970" cy="369332"/>
           </a:xfrm>
           <a:prstGeom prst="rect">
             <a:avLst/>
           </a:prstGeom>
           <a:noFill/>
-          <a:extLst>
-            <a:ext uri="{909E8E84-426E-40DD-AFC4-6F175D3DCCD1}">
-              <a14:hiddenFill xmlns:a14="http://schemas.microsoft.com/office/drawing/2010/main">
-                <a:solidFill>
-                  <a:srgbClr val="FFFFFF"/>
-                </a:solidFill>
-              </a14:hiddenFill>
-            </a:ext>
-          </a:extLst>
-        </p:spPr>
-      </p:pic>
-      <p:sp>
-        <p:nvSpPr>
-          <p:cNvPr id="9" name="テキスト ボックス 8">
-            <a:extLst>
-              <a:ext uri="{FF2B5EF4-FFF2-40B4-BE49-F238E27FC236}">
-                <a16:creationId xmlns:a16="http://schemas.microsoft.com/office/drawing/2014/main" id="{02DA94A4-1686-97FF-E90E-3BE20AB5C660}"/>
-              </a:ext>
-            </a:extLst>
-          </p:cNvPr>
-          <p:cNvSpPr txBox="1"/>
-          <p:nvPr/>
-        </p:nvSpPr>
-        <p:spPr>
-          <a:xfrm>
-            <a:off x="8874825" y="5906705"/>
-            <a:ext cx="974889" cy="369332"/>
-          </a:xfrm>
-          <a:prstGeom prst="rect">
-            <a:avLst/>
-          </a:prstGeom>
-          <a:noFill/>
-        </p:spPr>
-        <p:txBody>
-          <a:bodyPr wrap="square">
+        </p:spPr>
+        <p:txBody>
+          <a:bodyPr wrap="square" rtlCol="0">
             <a:spAutoFit/>
           </a:bodyPr>
           <a:lstStyle/>
           <a:p>
-            <a:pPr algn="l"/>
-            <a:r>
-              <a:rPr lang="en-US" altLang="ja-JP" b="1" i="0" dirty="0">
+            <a:pPr algn="ctr"/>
+            <a:r>
+              <a:rPr kumimoji="1" lang="en-US" altLang="ja-JP" dirty="0">
                 <a:solidFill>
-                  <a:srgbClr val="000000"/>
+                  <a:schemeClr val="accent2"/>
                 </a:solidFill>
-                <a:effectLst/>
-                <a:latin typeface="arial" panose="020B0604020202020204" pitchFamily="34" charset="0"/>
               </a:rPr>
-              <a:t>SNFG</a:t>
-            </a:r>
+              <a:t>0.99</a:t>
+            </a:r>
+            <a:endParaRPr kumimoji="1" lang="ja-JP" altLang="en-US" dirty="0">
+              <a:solidFill>
+                <a:schemeClr val="accent2"/>
+              </a:solidFill>
+            </a:endParaRPr>
+          </a:p>
+        </p:txBody>
+      </p:sp>
+      <p:cxnSp>
+        <p:nvCxnSpPr>
+          <p:cNvPr id="99" name="コネクタ: 曲線 98">
+            <a:extLst>
+              <a:ext uri="{FF2B5EF4-FFF2-40B4-BE49-F238E27FC236}">
+                <a16:creationId xmlns:a16="http://schemas.microsoft.com/office/drawing/2014/main" id="{68C0A0AF-FA23-B7C0-95B9-4656ECB5B509}"/>
+              </a:ext>
+            </a:extLst>
+          </p:cNvPr>
+          <p:cNvCxnSpPr>
+            <a:cxnSpLocks/>
+            <a:stCxn id="51" idx="5"/>
+            <a:endCxn id="51" idx="7"/>
+          </p:cNvCxnSpPr>
+          <p:nvPr/>
+        </p:nvCxnSpPr>
+        <p:spPr>
+          <a:xfrm rot="5400000" flipH="1">
+            <a:off x="7235981" y="3665158"/>
+            <a:ext cx="307423" cy="12700"/>
+          </a:xfrm>
+          <a:prstGeom prst="curvedConnector5">
+            <a:avLst>
+              <a:gd name="adj1" fmla="val -74360"/>
+              <a:gd name="adj2" fmla="val -3958323"/>
+              <a:gd name="adj3" fmla="val 174360"/>
+            </a:avLst>
+          </a:prstGeom>
+          <a:ln w="12700">
+            <a:solidFill>
+              <a:schemeClr val="accent2"/>
+            </a:solidFill>
+            <a:prstDash val="sysDash"/>
+            <a:tailEnd type="triangle"/>
+          </a:ln>
+        </p:spPr>
+        <p:style>
+          <a:lnRef idx="1">
+            <a:schemeClr val="accent1"/>
+          </a:lnRef>
+          <a:fillRef idx="0">
+            <a:schemeClr val="accent1"/>
+          </a:fillRef>
+          <a:effectRef idx="0">
+            <a:schemeClr val="accent1"/>
+          </a:effectRef>
+          <a:fontRef idx="minor">
+            <a:schemeClr val="tx1"/>
+          </a:fontRef>
+        </p:style>
+      </p:cxnSp>
+      <p:sp>
+        <p:nvSpPr>
+          <p:cNvPr id="102" name="テキスト ボックス 101">
+            <a:extLst>
+              <a:ext uri="{FF2B5EF4-FFF2-40B4-BE49-F238E27FC236}">
+                <a16:creationId xmlns:a16="http://schemas.microsoft.com/office/drawing/2014/main" id="{4E8FCA23-45A3-3A9F-4D51-A6D83C93C2CA}"/>
+              </a:ext>
+            </a:extLst>
+          </p:cNvPr>
+          <p:cNvSpPr txBox="1"/>
+          <p:nvPr/>
+        </p:nvSpPr>
+        <p:spPr>
+          <a:xfrm>
+            <a:off x="7827610" y="3474947"/>
+            <a:ext cx="746970" cy="369332"/>
+          </a:xfrm>
+          <a:prstGeom prst="rect">
+            <a:avLst/>
+          </a:prstGeom>
+          <a:noFill/>
+        </p:spPr>
+        <p:txBody>
+          <a:bodyPr wrap="square" rtlCol="0">
+            <a:spAutoFit/>
+          </a:bodyPr>
+          <a:lstStyle/>
+          <a:p>
+            <a:pPr algn="ctr"/>
+            <a:r>
+              <a:rPr kumimoji="1" lang="en-US" altLang="ja-JP" dirty="0">
+                <a:solidFill>
+                  <a:schemeClr val="accent2"/>
+                </a:solidFill>
+              </a:rPr>
+              <a:t>0.99</a:t>
+            </a:r>
+            <a:endParaRPr kumimoji="1" lang="ja-JP" altLang="en-US" dirty="0">
+              <a:solidFill>
+                <a:schemeClr val="accent2"/>
+              </a:solidFill>
+            </a:endParaRPr>
+          </a:p>
+        </p:txBody>
+      </p:sp>
+      <p:sp>
+        <p:nvSpPr>
+          <p:cNvPr id="103" name="テキスト ボックス 102">
+            <a:extLst>
+              <a:ext uri="{FF2B5EF4-FFF2-40B4-BE49-F238E27FC236}">
+                <a16:creationId xmlns:a16="http://schemas.microsoft.com/office/drawing/2014/main" id="{ED62F39F-F050-93F7-3118-84F27C8772E6}"/>
+              </a:ext>
+            </a:extLst>
+          </p:cNvPr>
+          <p:cNvSpPr txBox="1"/>
+          <p:nvPr/>
+        </p:nvSpPr>
+        <p:spPr>
+          <a:xfrm>
+            <a:off x="7410520" y="5106849"/>
+            <a:ext cx="1027219" cy="338554"/>
+          </a:xfrm>
+          <a:prstGeom prst="rect">
+            <a:avLst/>
+          </a:prstGeom>
+          <a:noFill/>
+        </p:spPr>
+        <p:txBody>
+          <a:bodyPr wrap="square" rtlCol="0">
+            <a:spAutoFit/>
+          </a:bodyPr>
+          <a:lstStyle/>
+          <a:p>
+            <a:r>
+              <a:rPr kumimoji="1" lang="en-US" altLang="ja-JP" sz="1600" dirty="0"/>
+              <a:t>Gal 0.85</a:t>
+            </a:r>
+            <a:endParaRPr kumimoji="1" lang="ja-JP" altLang="en-US" sz="1600" dirty="0"/>
+          </a:p>
+        </p:txBody>
+      </p:sp>
+      <p:sp>
+        <p:nvSpPr>
+          <p:cNvPr id="104" name="テキスト ボックス 103">
+            <a:extLst>
+              <a:ext uri="{FF2B5EF4-FFF2-40B4-BE49-F238E27FC236}">
+                <a16:creationId xmlns:a16="http://schemas.microsoft.com/office/drawing/2014/main" id="{A140B53C-A096-9541-410A-DA6620265CBB}"/>
+              </a:ext>
+            </a:extLst>
+          </p:cNvPr>
+          <p:cNvSpPr txBox="1"/>
+          <p:nvPr/>
+        </p:nvSpPr>
+        <p:spPr>
+          <a:xfrm>
+            <a:off x="3440431" y="4048954"/>
+            <a:ext cx="1343797" cy="584775"/>
+          </a:xfrm>
+          <a:prstGeom prst="rect">
+            <a:avLst/>
+          </a:prstGeom>
+          <a:noFill/>
+        </p:spPr>
+        <p:txBody>
+          <a:bodyPr wrap="square" rtlCol="0">
+            <a:spAutoFit/>
+          </a:bodyPr>
+          <a:lstStyle/>
+          <a:p>
+            <a:r>
+              <a:rPr lang="en-US" altLang="ja-JP" sz="1600" dirty="0" err="1"/>
+              <a:t>GlcNAc</a:t>
+            </a:r>
+            <a:r>
+              <a:rPr kumimoji="1" lang="en-US" altLang="ja-JP" sz="1600" dirty="0"/>
+              <a:t> 0.66</a:t>
+            </a:r>
+          </a:p>
+          <a:p>
+            <a:r>
+              <a:rPr lang="en-US" altLang="ja-JP" sz="1600" dirty="0" err="1"/>
+              <a:t>Fuc</a:t>
+            </a:r>
+            <a:r>
+              <a:rPr lang="en-US" altLang="ja-JP" sz="1600" dirty="0"/>
+              <a:t> 0.29</a:t>
+            </a:r>
+            <a:endParaRPr kumimoji="1" lang="ja-JP" altLang="en-US" sz="1600" dirty="0"/>
+          </a:p>
+        </p:txBody>
+      </p:sp>
+      <p:sp>
+        <p:nvSpPr>
+          <p:cNvPr id="108" name="テキスト ボックス 107">
+            <a:extLst>
+              <a:ext uri="{FF2B5EF4-FFF2-40B4-BE49-F238E27FC236}">
+                <a16:creationId xmlns:a16="http://schemas.microsoft.com/office/drawing/2014/main" id="{FFB2F5CA-4011-B4B6-39EC-601F7B0AA659}"/>
+              </a:ext>
+            </a:extLst>
+          </p:cNvPr>
+          <p:cNvSpPr txBox="1"/>
+          <p:nvPr/>
+        </p:nvSpPr>
+        <p:spPr>
+          <a:xfrm>
+            <a:off x="4656002" y="1597322"/>
+            <a:ext cx="1076557" cy="338554"/>
+          </a:xfrm>
+          <a:prstGeom prst="rect">
+            <a:avLst/>
+          </a:prstGeom>
+          <a:noFill/>
+        </p:spPr>
+        <p:txBody>
+          <a:bodyPr wrap="square" rtlCol="0">
+            <a:spAutoFit/>
+          </a:bodyPr>
+          <a:lstStyle/>
+          <a:p>
+            <a:r>
+              <a:rPr lang="en-US" altLang="ja-JP" sz="1600" dirty="0" err="1"/>
+              <a:t>GlcNAc</a:t>
+            </a:r>
+            <a:r>
+              <a:rPr kumimoji="1" lang="en-US" altLang="ja-JP" sz="1600" dirty="0"/>
+              <a:t> 1</a:t>
+            </a:r>
+            <a:endParaRPr kumimoji="1" lang="ja-JP" altLang="en-US" sz="1600" dirty="0"/>
+          </a:p>
+        </p:txBody>
+      </p:sp>
+      <p:sp>
+        <p:nvSpPr>
+          <p:cNvPr id="109" name="テキスト ボックス 108">
+            <a:extLst>
+              <a:ext uri="{FF2B5EF4-FFF2-40B4-BE49-F238E27FC236}">
+                <a16:creationId xmlns:a16="http://schemas.microsoft.com/office/drawing/2014/main" id="{76509186-E1EF-DFBD-E4E7-F72BAA18AB80}"/>
+              </a:ext>
+            </a:extLst>
+          </p:cNvPr>
+          <p:cNvSpPr txBox="1"/>
+          <p:nvPr/>
+        </p:nvSpPr>
+        <p:spPr>
+          <a:xfrm>
+            <a:off x="6654635" y="2939996"/>
+            <a:ext cx="1382436" cy="338554"/>
+          </a:xfrm>
+          <a:prstGeom prst="rect">
+            <a:avLst/>
+          </a:prstGeom>
+          <a:noFill/>
+        </p:spPr>
+        <p:txBody>
+          <a:bodyPr wrap="square" rtlCol="0">
+            <a:spAutoFit/>
+          </a:bodyPr>
+          <a:lstStyle/>
+          <a:p>
+            <a:r>
+              <a:rPr lang="en-US" altLang="ja-JP" sz="1600" dirty="0" err="1"/>
+              <a:t>GlcNAc</a:t>
+            </a:r>
+            <a:r>
+              <a:rPr kumimoji="1" lang="en-US" altLang="ja-JP" sz="1600" dirty="0"/>
+              <a:t> 0.93</a:t>
+            </a:r>
+            <a:endParaRPr kumimoji="1" lang="ja-JP" altLang="en-US" sz="1600" dirty="0"/>
+          </a:p>
+        </p:txBody>
+      </p:sp>
+      <p:sp>
+        <p:nvSpPr>
+          <p:cNvPr id="115" name="テキスト ボックス 114">
+            <a:extLst>
+              <a:ext uri="{FF2B5EF4-FFF2-40B4-BE49-F238E27FC236}">
+                <a16:creationId xmlns:a16="http://schemas.microsoft.com/office/drawing/2014/main" id="{0FB3F1A7-8EBD-6435-74BB-6AFD698F9531}"/>
+              </a:ext>
+            </a:extLst>
+          </p:cNvPr>
+          <p:cNvSpPr txBox="1"/>
+          <p:nvPr/>
+        </p:nvSpPr>
+        <p:spPr>
+          <a:xfrm>
+            <a:off x="5662453" y="3713616"/>
+            <a:ext cx="1075437" cy="338554"/>
+          </a:xfrm>
+          <a:prstGeom prst="rect">
+            <a:avLst/>
+          </a:prstGeom>
+          <a:noFill/>
+        </p:spPr>
+        <p:txBody>
+          <a:bodyPr wrap="square" rtlCol="0">
+            <a:spAutoFit/>
+          </a:bodyPr>
+          <a:lstStyle/>
+          <a:p>
+            <a:r>
+              <a:rPr kumimoji="1" lang="en-US" altLang="ja-JP" sz="1600" dirty="0"/>
+              <a:t>Man 0.98</a:t>
+            </a:r>
+            <a:endParaRPr kumimoji="1" lang="ja-JP" altLang="en-US" sz="1600" dirty="0"/>
+          </a:p>
+        </p:txBody>
+      </p:sp>
+      <p:sp>
+        <p:nvSpPr>
+          <p:cNvPr id="142" name="テキスト ボックス 141">
+            <a:extLst>
+              <a:ext uri="{FF2B5EF4-FFF2-40B4-BE49-F238E27FC236}">
+                <a16:creationId xmlns:a16="http://schemas.microsoft.com/office/drawing/2014/main" id="{733A55CB-FEB6-AB37-CE6B-855EC3AC2569}"/>
+              </a:ext>
+            </a:extLst>
+          </p:cNvPr>
+          <p:cNvSpPr txBox="1"/>
+          <p:nvPr/>
+        </p:nvSpPr>
+        <p:spPr>
+          <a:xfrm>
+            <a:off x="4299377" y="5667841"/>
+            <a:ext cx="1382436" cy="584775"/>
+          </a:xfrm>
+          <a:prstGeom prst="rect">
+            <a:avLst/>
+          </a:prstGeom>
+          <a:noFill/>
+        </p:spPr>
+        <p:txBody>
+          <a:bodyPr wrap="square" rtlCol="0">
+            <a:spAutoFit/>
+          </a:bodyPr>
+          <a:lstStyle/>
+          <a:p>
+            <a:r>
+              <a:rPr kumimoji="1" lang="en-US" altLang="ja-JP" sz="1600" dirty="0"/>
+              <a:t>Neu5Ac 0.58</a:t>
+            </a:r>
+          </a:p>
+          <a:p>
+            <a:r>
+              <a:rPr kumimoji="1" lang="en-US" altLang="ja-JP" sz="1600" dirty="0"/>
+              <a:t>Neu5Gc</a:t>
+            </a:r>
+            <a:r>
+              <a:rPr lang="en-US" altLang="ja-JP" sz="1600" dirty="0"/>
+              <a:t> 0.12</a:t>
+            </a:r>
+            <a:endParaRPr kumimoji="1" lang="ja-JP" altLang="en-US" sz="1600" dirty="0"/>
+          </a:p>
+        </p:txBody>
+      </p:sp>
+      <p:sp>
+        <p:nvSpPr>
+          <p:cNvPr id="143" name="テキスト ボックス 142">
+            <a:extLst>
+              <a:ext uri="{FF2B5EF4-FFF2-40B4-BE49-F238E27FC236}">
+                <a16:creationId xmlns:a16="http://schemas.microsoft.com/office/drawing/2014/main" id="{6685B834-3680-EE44-1F00-4F893FF49276}"/>
+              </a:ext>
+            </a:extLst>
+          </p:cNvPr>
+          <p:cNvSpPr txBox="1"/>
+          <p:nvPr/>
+        </p:nvSpPr>
+        <p:spPr>
+          <a:xfrm>
+            <a:off x="4104323" y="610013"/>
+            <a:ext cx="666306" cy="338554"/>
+          </a:xfrm>
+          <a:prstGeom prst="rect">
+            <a:avLst/>
+          </a:prstGeom>
+          <a:noFill/>
+        </p:spPr>
+        <p:txBody>
+          <a:bodyPr wrap="square" rtlCol="0">
+            <a:spAutoFit/>
+          </a:bodyPr>
+          <a:lstStyle/>
+          <a:p>
+            <a:r>
+              <a:rPr lang="en-US" altLang="ja-JP" sz="1600" dirty="0"/>
+              <a:t>Start</a:t>
+            </a:r>
+            <a:endParaRPr kumimoji="1" lang="ja-JP" altLang="en-US" sz="1600" dirty="0"/>
+          </a:p>
+        </p:txBody>
+      </p:sp>
+      <p:cxnSp>
+        <p:nvCxnSpPr>
+          <p:cNvPr id="145" name="直線矢印コネクタ 144">
+            <a:extLst>
+              <a:ext uri="{FF2B5EF4-FFF2-40B4-BE49-F238E27FC236}">
+                <a16:creationId xmlns:a16="http://schemas.microsoft.com/office/drawing/2014/main" id="{A3C25552-405F-2DD2-5113-4AC6AA055EE9}"/>
+              </a:ext>
+            </a:extLst>
+          </p:cNvPr>
+          <p:cNvCxnSpPr>
+            <a:cxnSpLocks/>
+            <a:stCxn id="143" idx="2"/>
+            <a:endCxn id="2" idx="0"/>
+          </p:cNvCxnSpPr>
+          <p:nvPr/>
+        </p:nvCxnSpPr>
+        <p:spPr>
+          <a:xfrm>
+            <a:off x="4437476" y="948567"/>
+            <a:ext cx="4970" cy="610307"/>
+          </a:xfrm>
+          <a:prstGeom prst="straightConnector1">
+            <a:avLst/>
+          </a:prstGeom>
+          <a:ln>
+            <a:solidFill>
+              <a:schemeClr val="tx1"/>
+            </a:solidFill>
+            <a:tailEnd type="triangle"/>
+          </a:ln>
+        </p:spPr>
+        <p:style>
+          <a:lnRef idx="1">
+            <a:schemeClr val="accent1"/>
+          </a:lnRef>
+          <a:fillRef idx="0">
+            <a:schemeClr val="accent1"/>
+          </a:fillRef>
+          <a:effectRef idx="0">
+            <a:schemeClr val="accent1"/>
+          </a:effectRef>
+          <a:fontRef idx="minor">
+            <a:schemeClr val="tx1"/>
+          </a:fontRef>
+        </p:style>
+      </p:cxnSp>
+      <p:sp>
+        <p:nvSpPr>
+          <p:cNvPr id="148" name="テキスト ボックス 147">
+            <a:extLst>
+              <a:ext uri="{FF2B5EF4-FFF2-40B4-BE49-F238E27FC236}">
+                <a16:creationId xmlns:a16="http://schemas.microsoft.com/office/drawing/2014/main" id="{3D957B80-979B-3AFD-F6EC-56906C9DD086}"/>
+              </a:ext>
+            </a:extLst>
+          </p:cNvPr>
+          <p:cNvSpPr txBox="1"/>
+          <p:nvPr/>
+        </p:nvSpPr>
+        <p:spPr>
+          <a:xfrm>
+            <a:off x="4437476" y="1084443"/>
+            <a:ext cx="360158" cy="338554"/>
+          </a:xfrm>
+          <a:prstGeom prst="rect">
+            <a:avLst/>
+          </a:prstGeom>
+          <a:noFill/>
+        </p:spPr>
+        <p:txBody>
+          <a:bodyPr wrap="square" rtlCol="0">
+            <a:spAutoFit/>
+          </a:bodyPr>
+          <a:lstStyle/>
+          <a:p>
+            <a:pPr algn="ctr"/>
+            <a:r>
+              <a:rPr kumimoji="1" lang="en-US" altLang="ja-JP" sz="1600" dirty="0"/>
+              <a:t>1</a:t>
+            </a:r>
+            <a:endParaRPr kumimoji="1" lang="ja-JP" altLang="en-US" sz="1600" dirty="0"/>
+          </a:p>
+        </p:txBody>
+      </p:sp>
+      <p:cxnSp>
+        <p:nvCxnSpPr>
+          <p:cNvPr id="7" name="直線矢印コネクタ 6">
+            <a:extLst>
+              <a:ext uri="{FF2B5EF4-FFF2-40B4-BE49-F238E27FC236}">
+                <a16:creationId xmlns:a16="http://schemas.microsoft.com/office/drawing/2014/main" id="{81591F8D-C2EF-BDC1-6DA5-BB1D8E3F789A}"/>
+              </a:ext>
+            </a:extLst>
+          </p:cNvPr>
+          <p:cNvCxnSpPr>
+            <a:cxnSpLocks/>
+            <a:stCxn id="32" idx="7"/>
+            <a:endCxn id="51" idx="5"/>
+          </p:cNvCxnSpPr>
+          <p:nvPr/>
+        </p:nvCxnSpPr>
+        <p:spPr>
+          <a:xfrm flipH="1" flipV="1">
+            <a:off x="7389693" y="3818869"/>
+            <a:ext cx="5332" cy="1304402"/>
+          </a:xfrm>
+          <a:prstGeom prst="straightConnector1">
+            <a:avLst/>
+          </a:prstGeom>
+          <a:ln w="12700">
+            <a:tailEnd type="triangle"/>
+          </a:ln>
+        </p:spPr>
+        <p:style>
+          <a:lnRef idx="1">
+            <a:schemeClr val="accent1"/>
+          </a:lnRef>
+          <a:fillRef idx="0">
+            <a:schemeClr val="accent1"/>
+          </a:fillRef>
+          <a:effectRef idx="0">
+            <a:schemeClr val="accent1"/>
+          </a:effectRef>
+          <a:fontRef idx="minor">
+            <a:schemeClr val="tx1"/>
+          </a:fontRef>
+        </p:style>
+      </p:cxnSp>
+      <p:sp>
+        <p:nvSpPr>
+          <p:cNvPr id="15" name="テキスト ボックス 14">
+            <a:extLst>
+              <a:ext uri="{FF2B5EF4-FFF2-40B4-BE49-F238E27FC236}">
+                <a16:creationId xmlns:a16="http://schemas.microsoft.com/office/drawing/2014/main" id="{AC72D0BF-A2D9-97BE-6AD9-F37275D140D1}"/>
+              </a:ext>
+            </a:extLst>
+          </p:cNvPr>
+          <p:cNvSpPr txBox="1"/>
+          <p:nvPr/>
+        </p:nvSpPr>
+        <p:spPr>
+          <a:xfrm>
+            <a:off x="7345853" y="4285551"/>
+            <a:ext cx="746970" cy="369332"/>
+          </a:xfrm>
+          <a:prstGeom prst="rect">
+            <a:avLst/>
+          </a:prstGeom>
+          <a:noFill/>
+        </p:spPr>
+        <p:txBody>
+          <a:bodyPr wrap="square" rtlCol="0">
+            <a:spAutoFit/>
+          </a:bodyPr>
+          <a:lstStyle/>
+          <a:p>
+            <a:pPr algn="ctr"/>
+            <a:r>
+              <a:rPr lang="en-US" altLang="ja-JP" dirty="0">
+                <a:solidFill>
+                  <a:schemeClr val="accent1"/>
+                </a:solidFill>
+              </a:rPr>
+              <a:t>0.13</a:t>
+            </a:r>
+            <a:endParaRPr kumimoji="1" lang="ja-JP" altLang="en-US" dirty="0">
+              <a:solidFill>
+                <a:schemeClr val="accent1"/>
+              </a:solidFill>
+            </a:endParaRPr>
           </a:p>
         </p:txBody>
       </p:sp>
     </p:spTree>
     <p:extLst>
       <p:ext uri="{BB962C8B-B14F-4D97-AF65-F5344CB8AC3E}">
-        <p14:creationId xmlns:p14="http://schemas.microsoft.com/office/powerpoint/2010/main" val="1488004092"/>
+        <p14:creationId xmlns:p14="http://schemas.microsoft.com/office/powerpoint/2010/main" val="2032280619"/>
       </p:ext>
     </p:extLst>
   </p:cSld>
@@ -7915,6 +8208,1767 @@
           <a:p>
             <a:pPr algn="ctr"/>
             <a:r>
+              <a:rPr lang="en-US" altLang="ja-JP" dirty="0">
+                <a:solidFill>
+                  <a:schemeClr val="tx1"/>
+                </a:solidFill>
+              </a:rPr>
+              <a:t>3</a:t>
+            </a:r>
+            <a:endParaRPr kumimoji="1" lang="ja-JP" altLang="en-US" dirty="0">
+              <a:solidFill>
+                <a:schemeClr val="tx1"/>
+              </a:solidFill>
+            </a:endParaRPr>
+          </a:p>
+        </p:txBody>
+      </p:sp>
+      <p:cxnSp>
+        <p:nvCxnSpPr>
+          <p:cNvPr id="16" name="直線コネクタ 15">
+            <a:extLst>
+              <a:ext uri="{FF2B5EF4-FFF2-40B4-BE49-F238E27FC236}">
+                <a16:creationId xmlns:a16="http://schemas.microsoft.com/office/drawing/2014/main" id="{3A4231B4-3565-5623-E3D4-DFF863B012DB}"/>
+              </a:ext>
+            </a:extLst>
+          </p:cNvPr>
+          <p:cNvCxnSpPr>
+            <a:cxnSpLocks/>
+            <a:stCxn id="15" idx="6"/>
+            <a:endCxn id="5" idx="2"/>
+          </p:cNvCxnSpPr>
+          <p:nvPr/>
+        </p:nvCxnSpPr>
+        <p:spPr>
+          <a:xfrm>
+            <a:off x="7416248" y="3428999"/>
+            <a:ext cx="533040" cy="1"/>
+          </a:xfrm>
+          <a:prstGeom prst="line">
+            <a:avLst/>
+          </a:prstGeom>
+          <a:ln>
+            <a:solidFill>
+              <a:schemeClr val="tx1"/>
+            </a:solidFill>
+          </a:ln>
+        </p:spPr>
+        <p:style>
+          <a:lnRef idx="1">
+            <a:schemeClr val="accent1"/>
+          </a:lnRef>
+          <a:fillRef idx="0">
+            <a:schemeClr val="accent1"/>
+          </a:fillRef>
+          <a:effectRef idx="0">
+            <a:schemeClr val="accent1"/>
+          </a:effectRef>
+          <a:fontRef idx="minor">
+            <a:schemeClr val="tx1"/>
+          </a:fontRef>
+        </p:style>
+      </p:cxnSp>
+      <p:sp>
+        <p:nvSpPr>
+          <p:cNvPr id="19" name="楕円 18">
+            <a:extLst>
+              <a:ext uri="{FF2B5EF4-FFF2-40B4-BE49-F238E27FC236}">
+                <a16:creationId xmlns:a16="http://schemas.microsoft.com/office/drawing/2014/main" id="{F298F2AF-6D9A-4BE2-B86D-1BCB2DFA6915}"/>
+              </a:ext>
+            </a:extLst>
+          </p:cNvPr>
+          <p:cNvSpPr/>
+          <p:nvPr/>
+        </p:nvSpPr>
+        <p:spPr>
+          <a:xfrm>
+            <a:off x="6003265" y="2170221"/>
+            <a:ext cx="439971" cy="434763"/>
+          </a:xfrm>
+          <a:prstGeom prst="ellipse">
+            <a:avLst/>
+          </a:prstGeom>
+          <a:noFill/>
+          <a:ln>
+            <a:solidFill>
+              <a:schemeClr val="tx1"/>
+            </a:solidFill>
+          </a:ln>
+        </p:spPr>
+        <p:style>
+          <a:lnRef idx="2">
+            <a:schemeClr val="accent1">
+              <a:shade val="50000"/>
+            </a:schemeClr>
+          </a:lnRef>
+          <a:fillRef idx="1">
+            <a:schemeClr val="accent1"/>
+          </a:fillRef>
+          <a:effectRef idx="0">
+            <a:schemeClr val="accent1"/>
+          </a:effectRef>
+          <a:fontRef idx="minor">
+            <a:schemeClr val="lt1"/>
+          </a:fontRef>
+        </p:style>
+        <p:txBody>
+          <a:bodyPr rtlCol="0" anchor="ctr"/>
+          <a:lstStyle/>
+          <a:p>
+            <a:pPr algn="ctr"/>
+            <a:r>
+              <a:rPr lang="en-US" altLang="ja-JP" dirty="0">
+                <a:solidFill>
+                  <a:schemeClr val="tx1"/>
+                </a:solidFill>
+              </a:rPr>
+              <a:t>3</a:t>
+            </a:r>
+            <a:endParaRPr kumimoji="1" lang="ja-JP" altLang="en-US" dirty="0">
+              <a:solidFill>
+                <a:schemeClr val="tx1"/>
+              </a:solidFill>
+            </a:endParaRPr>
+          </a:p>
+        </p:txBody>
+      </p:sp>
+      <p:sp>
+        <p:nvSpPr>
+          <p:cNvPr id="20" name="楕円 19">
+            <a:extLst>
+              <a:ext uri="{FF2B5EF4-FFF2-40B4-BE49-F238E27FC236}">
+                <a16:creationId xmlns:a16="http://schemas.microsoft.com/office/drawing/2014/main" id="{98118023-75A8-13FF-B3AC-006BB2EB8EDC}"/>
+              </a:ext>
+            </a:extLst>
+          </p:cNvPr>
+          <p:cNvSpPr/>
+          <p:nvPr/>
+        </p:nvSpPr>
+        <p:spPr>
+          <a:xfrm>
+            <a:off x="6003264" y="4253017"/>
+            <a:ext cx="439971" cy="434763"/>
+          </a:xfrm>
+          <a:prstGeom prst="ellipse">
+            <a:avLst/>
+          </a:prstGeom>
+          <a:noFill/>
+          <a:ln>
+            <a:solidFill>
+              <a:schemeClr val="tx1"/>
+            </a:solidFill>
+          </a:ln>
+        </p:spPr>
+        <p:style>
+          <a:lnRef idx="2">
+            <a:schemeClr val="accent1">
+              <a:shade val="50000"/>
+            </a:schemeClr>
+          </a:lnRef>
+          <a:fillRef idx="1">
+            <a:schemeClr val="accent1"/>
+          </a:fillRef>
+          <a:effectRef idx="0">
+            <a:schemeClr val="accent1"/>
+          </a:effectRef>
+          <a:fontRef idx="minor">
+            <a:schemeClr val="lt1"/>
+          </a:fontRef>
+        </p:style>
+        <p:txBody>
+          <a:bodyPr rtlCol="0" anchor="ctr"/>
+          <a:lstStyle/>
+          <a:p>
+            <a:pPr algn="ctr"/>
+            <a:r>
+              <a:rPr kumimoji="1" lang="en-US" altLang="ja-JP" dirty="0">
+                <a:solidFill>
+                  <a:schemeClr val="tx1"/>
+                </a:solidFill>
+              </a:rPr>
+              <a:t>3</a:t>
+            </a:r>
+            <a:endParaRPr kumimoji="1" lang="ja-JP" altLang="en-US" dirty="0">
+              <a:solidFill>
+                <a:schemeClr val="tx1"/>
+              </a:solidFill>
+            </a:endParaRPr>
+          </a:p>
+        </p:txBody>
+      </p:sp>
+      <p:cxnSp>
+        <p:nvCxnSpPr>
+          <p:cNvPr id="21" name="直線コネクタ 20">
+            <a:extLst>
+              <a:ext uri="{FF2B5EF4-FFF2-40B4-BE49-F238E27FC236}">
+                <a16:creationId xmlns:a16="http://schemas.microsoft.com/office/drawing/2014/main" id="{5070F677-61C6-9C9B-5F79-303AFF26D89A}"/>
+              </a:ext>
+            </a:extLst>
+          </p:cNvPr>
+          <p:cNvCxnSpPr>
+            <a:cxnSpLocks/>
+            <a:stCxn id="19" idx="5"/>
+            <a:endCxn id="15" idx="1"/>
+          </p:cNvCxnSpPr>
+          <p:nvPr/>
+        </p:nvCxnSpPr>
+        <p:spPr>
+          <a:xfrm>
+            <a:off x="6378804" y="2541314"/>
+            <a:ext cx="661905" cy="733973"/>
+          </a:xfrm>
+          <a:prstGeom prst="line">
+            <a:avLst/>
+          </a:prstGeom>
+          <a:ln>
+            <a:solidFill>
+              <a:schemeClr val="tx1"/>
+            </a:solidFill>
+          </a:ln>
+        </p:spPr>
+        <p:style>
+          <a:lnRef idx="1">
+            <a:schemeClr val="accent1"/>
+          </a:lnRef>
+          <a:fillRef idx="0">
+            <a:schemeClr val="accent1"/>
+          </a:fillRef>
+          <a:effectRef idx="0">
+            <a:schemeClr val="accent1"/>
+          </a:effectRef>
+          <a:fontRef idx="minor">
+            <a:schemeClr val="tx1"/>
+          </a:fontRef>
+        </p:style>
+      </p:cxnSp>
+      <p:cxnSp>
+        <p:nvCxnSpPr>
+          <p:cNvPr id="24" name="直線コネクタ 23">
+            <a:extLst>
+              <a:ext uri="{FF2B5EF4-FFF2-40B4-BE49-F238E27FC236}">
+                <a16:creationId xmlns:a16="http://schemas.microsoft.com/office/drawing/2014/main" id="{F82A930C-F5AB-FBE4-A327-C027ABD864A4}"/>
+              </a:ext>
+            </a:extLst>
+          </p:cNvPr>
+          <p:cNvCxnSpPr>
+            <a:cxnSpLocks/>
+            <a:stCxn id="20" idx="7"/>
+            <a:endCxn id="15" idx="3"/>
+          </p:cNvCxnSpPr>
+          <p:nvPr/>
+        </p:nvCxnSpPr>
+        <p:spPr>
+          <a:xfrm flipV="1">
+            <a:off x="6378803" y="3582710"/>
+            <a:ext cx="661906" cy="733977"/>
+          </a:xfrm>
+          <a:prstGeom prst="line">
+            <a:avLst/>
+          </a:prstGeom>
+          <a:ln>
+            <a:solidFill>
+              <a:schemeClr val="tx1"/>
+            </a:solidFill>
+          </a:ln>
+        </p:spPr>
+        <p:style>
+          <a:lnRef idx="1">
+            <a:schemeClr val="accent1"/>
+          </a:lnRef>
+          <a:fillRef idx="0">
+            <a:schemeClr val="accent1"/>
+          </a:fillRef>
+          <a:effectRef idx="0">
+            <a:schemeClr val="accent1"/>
+          </a:effectRef>
+          <a:fontRef idx="minor">
+            <a:schemeClr val="tx1"/>
+          </a:fontRef>
+        </p:style>
+      </p:cxnSp>
+      <p:sp>
+        <p:nvSpPr>
+          <p:cNvPr id="29" name="楕円 28">
+            <a:extLst>
+              <a:ext uri="{FF2B5EF4-FFF2-40B4-BE49-F238E27FC236}">
+                <a16:creationId xmlns:a16="http://schemas.microsoft.com/office/drawing/2014/main" id="{1CD800FD-B353-1171-2988-83C6857DE156}"/>
+              </a:ext>
+            </a:extLst>
+          </p:cNvPr>
+          <p:cNvSpPr/>
+          <p:nvPr/>
+        </p:nvSpPr>
+        <p:spPr>
+          <a:xfrm>
+            <a:off x="5003576" y="2604984"/>
+            <a:ext cx="439971" cy="434763"/>
+          </a:xfrm>
+          <a:prstGeom prst="ellipse">
+            <a:avLst/>
+          </a:prstGeom>
+          <a:noFill/>
+          <a:ln>
+            <a:solidFill>
+              <a:schemeClr val="tx1"/>
+            </a:solidFill>
+          </a:ln>
+        </p:spPr>
+        <p:style>
+          <a:lnRef idx="2">
+            <a:schemeClr val="accent1">
+              <a:shade val="50000"/>
+            </a:schemeClr>
+          </a:lnRef>
+          <a:fillRef idx="1">
+            <a:schemeClr val="accent1"/>
+          </a:fillRef>
+          <a:effectRef idx="0">
+            <a:schemeClr val="accent1"/>
+          </a:effectRef>
+          <a:fontRef idx="minor">
+            <a:schemeClr val="lt1"/>
+          </a:fontRef>
+        </p:style>
+        <p:txBody>
+          <a:bodyPr rtlCol="0" anchor="ctr"/>
+          <a:lstStyle/>
+          <a:p>
+            <a:pPr algn="ctr"/>
+            <a:r>
+              <a:rPr kumimoji="1" lang="en-US" altLang="ja-JP" dirty="0">
+                <a:solidFill>
+                  <a:schemeClr val="tx1"/>
+                </a:solidFill>
+              </a:rPr>
+              <a:t>3</a:t>
+            </a:r>
+            <a:endParaRPr kumimoji="1" lang="ja-JP" altLang="en-US" dirty="0">
+              <a:solidFill>
+                <a:schemeClr val="tx1"/>
+              </a:solidFill>
+            </a:endParaRPr>
+          </a:p>
+        </p:txBody>
+      </p:sp>
+      <p:sp>
+        <p:nvSpPr>
+          <p:cNvPr id="33" name="楕円 32">
+            <a:extLst>
+              <a:ext uri="{FF2B5EF4-FFF2-40B4-BE49-F238E27FC236}">
+                <a16:creationId xmlns:a16="http://schemas.microsoft.com/office/drawing/2014/main" id="{81EAF303-AF4F-6280-C2E6-44197D523A05}"/>
+              </a:ext>
+            </a:extLst>
+          </p:cNvPr>
+          <p:cNvSpPr/>
+          <p:nvPr/>
+        </p:nvSpPr>
+        <p:spPr>
+          <a:xfrm>
+            <a:off x="5019342" y="1738766"/>
+            <a:ext cx="439971" cy="434763"/>
+          </a:xfrm>
+          <a:prstGeom prst="ellipse">
+            <a:avLst/>
+          </a:prstGeom>
+          <a:noFill/>
+          <a:ln>
+            <a:solidFill>
+              <a:schemeClr val="tx1"/>
+            </a:solidFill>
+          </a:ln>
+        </p:spPr>
+        <p:style>
+          <a:lnRef idx="2">
+            <a:schemeClr val="accent1">
+              <a:shade val="50000"/>
+            </a:schemeClr>
+          </a:lnRef>
+          <a:fillRef idx="1">
+            <a:schemeClr val="accent1"/>
+          </a:fillRef>
+          <a:effectRef idx="0">
+            <a:schemeClr val="accent1"/>
+          </a:effectRef>
+          <a:fontRef idx="minor">
+            <a:schemeClr val="lt1"/>
+          </a:fontRef>
+        </p:style>
+        <p:txBody>
+          <a:bodyPr rtlCol="0" anchor="ctr"/>
+          <a:lstStyle/>
+          <a:p>
+            <a:pPr algn="ctr"/>
+            <a:r>
+              <a:rPr kumimoji="1" lang="en-US" altLang="ja-JP" dirty="0">
+                <a:solidFill>
+                  <a:schemeClr val="tx1"/>
+                </a:solidFill>
+              </a:rPr>
+              <a:t>3</a:t>
+            </a:r>
+            <a:endParaRPr kumimoji="1" lang="ja-JP" altLang="en-US" dirty="0">
+              <a:solidFill>
+                <a:schemeClr val="tx1"/>
+              </a:solidFill>
+            </a:endParaRPr>
+          </a:p>
+        </p:txBody>
+      </p:sp>
+      <p:cxnSp>
+        <p:nvCxnSpPr>
+          <p:cNvPr id="35" name="直線コネクタ 34">
+            <a:extLst>
+              <a:ext uri="{FF2B5EF4-FFF2-40B4-BE49-F238E27FC236}">
+                <a16:creationId xmlns:a16="http://schemas.microsoft.com/office/drawing/2014/main" id="{3394F000-E77A-B6D4-022D-10AACDA928FB}"/>
+              </a:ext>
+            </a:extLst>
+          </p:cNvPr>
+          <p:cNvCxnSpPr>
+            <a:cxnSpLocks/>
+            <a:stCxn id="33" idx="6"/>
+            <a:endCxn id="19" idx="1"/>
+          </p:cNvCxnSpPr>
+          <p:nvPr/>
+        </p:nvCxnSpPr>
+        <p:spPr>
+          <a:xfrm>
+            <a:off x="5459313" y="1956148"/>
+            <a:ext cx="608384" cy="277743"/>
+          </a:xfrm>
+          <a:prstGeom prst="line">
+            <a:avLst/>
+          </a:prstGeom>
+          <a:ln>
+            <a:solidFill>
+              <a:schemeClr val="tx1"/>
+            </a:solidFill>
+          </a:ln>
+        </p:spPr>
+        <p:style>
+          <a:lnRef idx="1">
+            <a:schemeClr val="accent1"/>
+          </a:lnRef>
+          <a:fillRef idx="0">
+            <a:schemeClr val="accent1"/>
+          </a:fillRef>
+          <a:effectRef idx="0">
+            <a:schemeClr val="accent1"/>
+          </a:effectRef>
+          <a:fontRef idx="minor">
+            <a:schemeClr val="tx1"/>
+          </a:fontRef>
+        </p:style>
+      </p:cxnSp>
+      <p:cxnSp>
+        <p:nvCxnSpPr>
+          <p:cNvPr id="48" name="直線コネクタ 47">
+            <a:extLst>
+              <a:ext uri="{FF2B5EF4-FFF2-40B4-BE49-F238E27FC236}">
+                <a16:creationId xmlns:a16="http://schemas.microsoft.com/office/drawing/2014/main" id="{38153412-84F5-4E64-1F56-01EEB3020D40}"/>
+              </a:ext>
+            </a:extLst>
+          </p:cNvPr>
+          <p:cNvCxnSpPr>
+            <a:cxnSpLocks/>
+            <a:stCxn id="29" idx="6"/>
+            <a:endCxn id="19" idx="3"/>
+          </p:cNvCxnSpPr>
+          <p:nvPr/>
+        </p:nvCxnSpPr>
+        <p:spPr>
+          <a:xfrm flipV="1">
+            <a:off x="5443547" y="2541314"/>
+            <a:ext cx="624150" cy="281052"/>
+          </a:xfrm>
+          <a:prstGeom prst="line">
+            <a:avLst/>
+          </a:prstGeom>
+          <a:ln>
+            <a:solidFill>
+              <a:schemeClr val="tx1"/>
+            </a:solidFill>
+          </a:ln>
+        </p:spPr>
+        <p:style>
+          <a:lnRef idx="1">
+            <a:schemeClr val="accent1"/>
+          </a:lnRef>
+          <a:fillRef idx="0">
+            <a:schemeClr val="accent1"/>
+          </a:fillRef>
+          <a:effectRef idx="0">
+            <a:schemeClr val="accent1"/>
+          </a:effectRef>
+          <a:fontRef idx="minor">
+            <a:schemeClr val="tx1"/>
+          </a:fontRef>
+        </p:style>
+      </p:cxnSp>
+      <p:sp>
+        <p:nvSpPr>
+          <p:cNvPr id="51" name="楕円 50">
+            <a:extLst>
+              <a:ext uri="{FF2B5EF4-FFF2-40B4-BE49-F238E27FC236}">
+                <a16:creationId xmlns:a16="http://schemas.microsoft.com/office/drawing/2014/main" id="{936398A2-1B1A-ADAB-C692-B1CDC54323CD}"/>
+              </a:ext>
+            </a:extLst>
+          </p:cNvPr>
+          <p:cNvSpPr/>
+          <p:nvPr/>
+        </p:nvSpPr>
+        <p:spPr>
+          <a:xfrm>
+            <a:off x="5035416" y="4253015"/>
+            <a:ext cx="439971" cy="434763"/>
+          </a:xfrm>
+          <a:prstGeom prst="ellipse">
+            <a:avLst/>
+          </a:prstGeom>
+          <a:noFill/>
+          <a:ln>
+            <a:solidFill>
+              <a:schemeClr val="tx1"/>
+            </a:solidFill>
+          </a:ln>
+        </p:spPr>
+        <p:style>
+          <a:lnRef idx="2">
+            <a:schemeClr val="accent1">
+              <a:shade val="50000"/>
+            </a:schemeClr>
+          </a:lnRef>
+          <a:fillRef idx="1">
+            <a:schemeClr val="accent1"/>
+          </a:fillRef>
+          <a:effectRef idx="0">
+            <a:schemeClr val="accent1"/>
+          </a:effectRef>
+          <a:fontRef idx="minor">
+            <a:schemeClr val="lt1"/>
+          </a:fontRef>
+        </p:style>
+        <p:txBody>
+          <a:bodyPr rtlCol="0" anchor="ctr"/>
+          <a:lstStyle/>
+          <a:p>
+            <a:pPr algn="ctr"/>
+            <a:r>
+              <a:rPr kumimoji="1" lang="en-US" altLang="ja-JP" dirty="0">
+                <a:solidFill>
+                  <a:schemeClr val="tx1"/>
+                </a:solidFill>
+              </a:rPr>
+              <a:t>3</a:t>
+            </a:r>
+            <a:endParaRPr kumimoji="1" lang="ja-JP" altLang="en-US" dirty="0">
+              <a:solidFill>
+                <a:schemeClr val="tx1"/>
+              </a:solidFill>
+            </a:endParaRPr>
+          </a:p>
+        </p:txBody>
+      </p:sp>
+      <p:cxnSp>
+        <p:nvCxnSpPr>
+          <p:cNvPr id="66" name="直線コネクタ 65">
+            <a:extLst>
+              <a:ext uri="{FF2B5EF4-FFF2-40B4-BE49-F238E27FC236}">
+                <a16:creationId xmlns:a16="http://schemas.microsoft.com/office/drawing/2014/main" id="{0D73DC1B-4788-4BEA-BCD5-5A95101381AA}"/>
+              </a:ext>
+            </a:extLst>
+          </p:cNvPr>
+          <p:cNvCxnSpPr>
+            <a:cxnSpLocks/>
+            <a:stCxn id="68" idx="6"/>
+            <a:endCxn id="33" idx="2"/>
+          </p:cNvCxnSpPr>
+          <p:nvPr/>
+        </p:nvCxnSpPr>
+        <p:spPr>
+          <a:xfrm>
+            <a:off x="4462860" y="1956148"/>
+            <a:ext cx="556482" cy="0"/>
+          </a:xfrm>
+          <a:prstGeom prst="line">
+            <a:avLst/>
+          </a:prstGeom>
+          <a:ln>
+            <a:solidFill>
+              <a:schemeClr val="tx1"/>
+            </a:solidFill>
+          </a:ln>
+        </p:spPr>
+        <p:style>
+          <a:lnRef idx="1">
+            <a:schemeClr val="accent1"/>
+          </a:lnRef>
+          <a:fillRef idx="0">
+            <a:schemeClr val="accent1"/>
+          </a:fillRef>
+          <a:effectRef idx="0">
+            <a:schemeClr val="accent1"/>
+          </a:effectRef>
+          <a:fontRef idx="minor">
+            <a:schemeClr val="tx1"/>
+          </a:fontRef>
+        </p:style>
+      </p:cxnSp>
+      <p:sp>
+        <p:nvSpPr>
+          <p:cNvPr id="68" name="楕円 67">
+            <a:extLst>
+              <a:ext uri="{FF2B5EF4-FFF2-40B4-BE49-F238E27FC236}">
+                <a16:creationId xmlns:a16="http://schemas.microsoft.com/office/drawing/2014/main" id="{78219453-3070-8E5F-6244-96693EC9F5A2}"/>
+              </a:ext>
+            </a:extLst>
+          </p:cNvPr>
+          <p:cNvSpPr/>
+          <p:nvPr/>
+        </p:nvSpPr>
+        <p:spPr>
+          <a:xfrm>
+            <a:off x="4022889" y="1738766"/>
+            <a:ext cx="439971" cy="434763"/>
+          </a:xfrm>
+          <a:prstGeom prst="ellipse">
+            <a:avLst/>
+          </a:prstGeom>
+          <a:noFill/>
+          <a:ln>
+            <a:solidFill>
+              <a:schemeClr val="tx1"/>
+            </a:solidFill>
+          </a:ln>
+        </p:spPr>
+        <p:style>
+          <a:lnRef idx="2">
+            <a:schemeClr val="accent1">
+              <a:shade val="50000"/>
+            </a:schemeClr>
+          </a:lnRef>
+          <a:fillRef idx="1">
+            <a:schemeClr val="accent1"/>
+          </a:fillRef>
+          <a:effectRef idx="0">
+            <a:schemeClr val="accent1"/>
+          </a:effectRef>
+          <a:fontRef idx="minor">
+            <a:schemeClr val="lt1"/>
+          </a:fontRef>
+        </p:style>
+        <p:txBody>
+          <a:bodyPr rtlCol="0" anchor="ctr"/>
+          <a:lstStyle/>
+          <a:p>
+            <a:pPr algn="ctr"/>
+            <a:r>
+              <a:rPr kumimoji="1" lang="en-US" altLang="ja-JP" dirty="0">
+                <a:solidFill>
+                  <a:schemeClr val="tx1"/>
+                </a:solidFill>
+              </a:rPr>
+              <a:t>3</a:t>
+            </a:r>
+            <a:endParaRPr kumimoji="1" lang="ja-JP" altLang="en-US" dirty="0">
+              <a:solidFill>
+                <a:schemeClr val="tx1"/>
+              </a:solidFill>
+            </a:endParaRPr>
+          </a:p>
+        </p:txBody>
+      </p:sp>
+      <p:cxnSp>
+        <p:nvCxnSpPr>
+          <p:cNvPr id="89" name="直線コネクタ 88">
+            <a:extLst>
+              <a:ext uri="{FF2B5EF4-FFF2-40B4-BE49-F238E27FC236}">
+                <a16:creationId xmlns:a16="http://schemas.microsoft.com/office/drawing/2014/main" id="{219E3501-C614-A6C3-7C21-28CF0F8C4DF5}"/>
+              </a:ext>
+            </a:extLst>
+          </p:cNvPr>
+          <p:cNvCxnSpPr>
+            <a:cxnSpLocks/>
+            <a:stCxn id="90" idx="6"/>
+            <a:endCxn id="68" idx="2"/>
+          </p:cNvCxnSpPr>
+          <p:nvPr/>
+        </p:nvCxnSpPr>
+        <p:spPr>
+          <a:xfrm>
+            <a:off x="3466407" y="1956148"/>
+            <a:ext cx="556482" cy="0"/>
+          </a:xfrm>
+          <a:prstGeom prst="line">
+            <a:avLst/>
+          </a:prstGeom>
+          <a:ln>
+            <a:solidFill>
+              <a:schemeClr val="tx1"/>
+            </a:solidFill>
+          </a:ln>
+        </p:spPr>
+        <p:style>
+          <a:lnRef idx="1">
+            <a:schemeClr val="accent1"/>
+          </a:lnRef>
+          <a:fillRef idx="0">
+            <a:schemeClr val="accent1"/>
+          </a:fillRef>
+          <a:effectRef idx="0">
+            <a:schemeClr val="accent1"/>
+          </a:effectRef>
+          <a:fontRef idx="minor">
+            <a:schemeClr val="tx1"/>
+          </a:fontRef>
+        </p:style>
+      </p:cxnSp>
+      <p:sp>
+        <p:nvSpPr>
+          <p:cNvPr id="90" name="楕円 89">
+            <a:extLst>
+              <a:ext uri="{FF2B5EF4-FFF2-40B4-BE49-F238E27FC236}">
+                <a16:creationId xmlns:a16="http://schemas.microsoft.com/office/drawing/2014/main" id="{2185B69C-2469-826A-A26E-3F85300008CD}"/>
+              </a:ext>
+            </a:extLst>
+          </p:cNvPr>
+          <p:cNvSpPr/>
+          <p:nvPr/>
+        </p:nvSpPr>
+        <p:spPr>
+          <a:xfrm>
+            <a:off x="3026436" y="1738766"/>
+            <a:ext cx="439971" cy="434763"/>
+          </a:xfrm>
+          <a:prstGeom prst="ellipse">
+            <a:avLst/>
+          </a:prstGeom>
+          <a:noFill/>
+          <a:ln>
+            <a:solidFill>
+              <a:schemeClr val="tx1"/>
+            </a:solidFill>
+          </a:ln>
+        </p:spPr>
+        <p:style>
+          <a:lnRef idx="2">
+            <a:schemeClr val="accent1">
+              <a:shade val="50000"/>
+            </a:schemeClr>
+          </a:lnRef>
+          <a:fillRef idx="1">
+            <a:schemeClr val="accent1"/>
+          </a:fillRef>
+          <a:effectRef idx="0">
+            <a:schemeClr val="accent1"/>
+          </a:effectRef>
+          <a:fontRef idx="minor">
+            <a:schemeClr val="lt1"/>
+          </a:fontRef>
+        </p:style>
+        <p:txBody>
+          <a:bodyPr rtlCol="0" anchor="ctr"/>
+          <a:lstStyle/>
+          <a:p>
+            <a:pPr algn="ctr"/>
+            <a:r>
+              <a:rPr kumimoji="1" lang="en-US" altLang="ja-JP" dirty="0">
+                <a:solidFill>
+                  <a:schemeClr val="tx1"/>
+                </a:solidFill>
+              </a:rPr>
+              <a:t>3</a:t>
+            </a:r>
+            <a:endParaRPr kumimoji="1" lang="ja-JP" altLang="en-US" dirty="0">
+              <a:solidFill>
+                <a:schemeClr val="tx1"/>
+              </a:solidFill>
+            </a:endParaRPr>
+          </a:p>
+        </p:txBody>
+      </p:sp>
+      <p:cxnSp>
+        <p:nvCxnSpPr>
+          <p:cNvPr id="92" name="直線コネクタ 91">
+            <a:extLst>
+              <a:ext uri="{FF2B5EF4-FFF2-40B4-BE49-F238E27FC236}">
+                <a16:creationId xmlns:a16="http://schemas.microsoft.com/office/drawing/2014/main" id="{F0188C79-281A-7EB4-B7A7-0B74E0A01B6C}"/>
+              </a:ext>
+            </a:extLst>
+          </p:cNvPr>
+          <p:cNvCxnSpPr>
+            <a:cxnSpLocks/>
+            <a:stCxn id="93" idx="6"/>
+            <a:endCxn id="29" idx="2"/>
+          </p:cNvCxnSpPr>
+          <p:nvPr/>
+        </p:nvCxnSpPr>
+        <p:spPr>
+          <a:xfrm>
+            <a:off x="4462860" y="2822366"/>
+            <a:ext cx="540716" cy="0"/>
+          </a:xfrm>
+          <a:prstGeom prst="line">
+            <a:avLst/>
+          </a:prstGeom>
+          <a:ln>
+            <a:solidFill>
+              <a:schemeClr val="tx1"/>
+            </a:solidFill>
+          </a:ln>
+        </p:spPr>
+        <p:style>
+          <a:lnRef idx="1">
+            <a:schemeClr val="accent1"/>
+          </a:lnRef>
+          <a:fillRef idx="0">
+            <a:schemeClr val="accent1"/>
+          </a:fillRef>
+          <a:effectRef idx="0">
+            <a:schemeClr val="accent1"/>
+          </a:effectRef>
+          <a:fontRef idx="minor">
+            <a:schemeClr val="tx1"/>
+          </a:fontRef>
+        </p:style>
+      </p:cxnSp>
+      <p:sp>
+        <p:nvSpPr>
+          <p:cNvPr id="93" name="楕円 92">
+            <a:extLst>
+              <a:ext uri="{FF2B5EF4-FFF2-40B4-BE49-F238E27FC236}">
+                <a16:creationId xmlns:a16="http://schemas.microsoft.com/office/drawing/2014/main" id="{72B03E98-54FC-6EE9-49BB-063EFC599DCE}"/>
+              </a:ext>
+            </a:extLst>
+          </p:cNvPr>
+          <p:cNvSpPr/>
+          <p:nvPr/>
+        </p:nvSpPr>
+        <p:spPr>
+          <a:xfrm>
+            <a:off x="4022889" y="2604984"/>
+            <a:ext cx="439971" cy="434763"/>
+          </a:xfrm>
+          <a:prstGeom prst="ellipse">
+            <a:avLst/>
+          </a:prstGeom>
+          <a:noFill/>
+          <a:ln>
+            <a:solidFill>
+              <a:schemeClr val="tx1"/>
+            </a:solidFill>
+          </a:ln>
+        </p:spPr>
+        <p:style>
+          <a:lnRef idx="2">
+            <a:schemeClr val="accent1">
+              <a:shade val="50000"/>
+            </a:schemeClr>
+          </a:lnRef>
+          <a:fillRef idx="1">
+            <a:schemeClr val="accent1"/>
+          </a:fillRef>
+          <a:effectRef idx="0">
+            <a:schemeClr val="accent1"/>
+          </a:effectRef>
+          <a:fontRef idx="minor">
+            <a:schemeClr val="lt1"/>
+          </a:fontRef>
+        </p:style>
+        <p:txBody>
+          <a:bodyPr rtlCol="0" anchor="ctr"/>
+          <a:lstStyle/>
+          <a:p>
+            <a:pPr algn="ctr"/>
+            <a:r>
+              <a:rPr kumimoji="1" lang="en-US" altLang="ja-JP" dirty="0">
+                <a:solidFill>
+                  <a:schemeClr val="tx1"/>
+                </a:solidFill>
+              </a:rPr>
+              <a:t>3</a:t>
+            </a:r>
+            <a:endParaRPr kumimoji="1" lang="ja-JP" altLang="en-US" dirty="0">
+              <a:solidFill>
+                <a:schemeClr val="tx1"/>
+              </a:solidFill>
+            </a:endParaRPr>
+          </a:p>
+        </p:txBody>
+      </p:sp>
+      <p:cxnSp>
+        <p:nvCxnSpPr>
+          <p:cNvPr id="94" name="直線コネクタ 93">
+            <a:extLst>
+              <a:ext uri="{FF2B5EF4-FFF2-40B4-BE49-F238E27FC236}">
+                <a16:creationId xmlns:a16="http://schemas.microsoft.com/office/drawing/2014/main" id="{2A3434F9-101A-C370-87D9-B8A615A1B98C}"/>
+              </a:ext>
+            </a:extLst>
+          </p:cNvPr>
+          <p:cNvCxnSpPr>
+            <a:cxnSpLocks/>
+            <a:stCxn id="95" idx="6"/>
+            <a:endCxn id="93" idx="2"/>
+          </p:cNvCxnSpPr>
+          <p:nvPr/>
+        </p:nvCxnSpPr>
+        <p:spPr>
+          <a:xfrm>
+            <a:off x="3467843" y="2822366"/>
+            <a:ext cx="555046" cy="0"/>
+          </a:xfrm>
+          <a:prstGeom prst="line">
+            <a:avLst/>
+          </a:prstGeom>
+          <a:ln>
+            <a:solidFill>
+              <a:schemeClr val="tx1"/>
+            </a:solidFill>
+          </a:ln>
+        </p:spPr>
+        <p:style>
+          <a:lnRef idx="1">
+            <a:schemeClr val="accent1"/>
+          </a:lnRef>
+          <a:fillRef idx="0">
+            <a:schemeClr val="accent1"/>
+          </a:fillRef>
+          <a:effectRef idx="0">
+            <a:schemeClr val="accent1"/>
+          </a:effectRef>
+          <a:fontRef idx="minor">
+            <a:schemeClr val="tx1"/>
+          </a:fontRef>
+        </p:style>
+      </p:cxnSp>
+      <p:sp>
+        <p:nvSpPr>
+          <p:cNvPr id="95" name="楕円 94">
+            <a:extLst>
+              <a:ext uri="{FF2B5EF4-FFF2-40B4-BE49-F238E27FC236}">
+                <a16:creationId xmlns:a16="http://schemas.microsoft.com/office/drawing/2014/main" id="{9BADADBC-278B-8A91-3D80-907EC7D90CD2}"/>
+              </a:ext>
+            </a:extLst>
+          </p:cNvPr>
+          <p:cNvSpPr/>
+          <p:nvPr/>
+        </p:nvSpPr>
+        <p:spPr>
+          <a:xfrm>
+            <a:off x="3027872" y="2604984"/>
+            <a:ext cx="439971" cy="434763"/>
+          </a:xfrm>
+          <a:prstGeom prst="ellipse">
+            <a:avLst/>
+          </a:prstGeom>
+          <a:noFill/>
+          <a:ln>
+            <a:solidFill>
+              <a:schemeClr val="tx1"/>
+            </a:solidFill>
+          </a:ln>
+        </p:spPr>
+        <p:style>
+          <a:lnRef idx="2">
+            <a:schemeClr val="accent1">
+              <a:shade val="50000"/>
+            </a:schemeClr>
+          </a:lnRef>
+          <a:fillRef idx="1">
+            <a:schemeClr val="accent1"/>
+          </a:fillRef>
+          <a:effectRef idx="0">
+            <a:schemeClr val="accent1"/>
+          </a:effectRef>
+          <a:fontRef idx="minor">
+            <a:schemeClr val="lt1"/>
+          </a:fontRef>
+        </p:style>
+        <p:txBody>
+          <a:bodyPr rtlCol="0" anchor="ctr"/>
+          <a:lstStyle/>
+          <a:p>
+            <a:pPr algn="ctr"/>
+            <a:r>
+              <a:rPr kumimoji="1" lang="en-US" altLang="ja-JP" dirty="0">
+                <a:solidFill>
+                  <a:schemeClr val="tx1"/>
+                </a:solidFill>
+              </a:rPr>
+              <a:t>3</a:t>
+            </a:r>
+            <a:endParaRPr kumimoji="1" lang="ja-JP" altLang="en-US" dirty="0">
+              <a:solidFill>
+                <a:schemeClr val="tx1"/>
+              </a:solidFill>
+            </a:endParaRPr>
+          </a:p>
+        </p:txBody>
+      </p:sp>
+      <p:cxnSp>
+        <p:nvCxnSpPr>
+          <p:cNvPr id="101" name="直線コネクタ 100">
+            <a:extLst>
+              <a:ext uri="{FF2B5EF4-FFF2-40B4-BE49-F238E27FC236}">
+                <a16:creationId xmlns:a16="http://schemas.microsoft.com/office/drawing/2014/main" id="{662F5556-2EA0-97A9-8869-4603EFD5B92B}"/>
+              </a:ext>
+            </a:extLst>
+          </p:cNvPr>
+          <p:cNvCxnSpPr>
+            <a:cxnSpLocks/>
+            <a:stCxn id="102" idx="6"/>
+            <a:endCxn id="51" idx="2"/>
+          </p:cNvCxnSpPr>
+          <p:nvPr/>
+        </p:nvCxnSpPr>
+        <p:spPr>
+          <a:xfrm>
+            <a:off x="4478935" y="4470397"/>
+            <a:ext cx="556481" cy="0"/>
+          </a:xfrm>
+          <a:prstGeom prst="line">
+            <a:avLst/>
+          </a:prstGeom>
+          <a:ln>
+            <a:solidFill>
+              <a:schemeClr val="tx1"/>
+            </a:solidFill>
+          </a:ln>
+        </p:spPr>
+        <p:style>
+          <a:lnRef idx="1">
+            <a:schemeClr val="accent1"/>
+          </a:lnRef>
+          <a:fillRef idx="0">
+            <a:schemeClr val="accent1"/>
+          </a:fillRef>
+          <a:effectRef idx="0">
+            <a:schemeClr val="accent1"/>
+          </a:effectRef>
+          <a:fontRef idx="minor">
+            <a:schemeClr val="tx1"/>
+          </a:fontRef>
+        </p:style>
+      </p:cxnSp>
+      <p:sp>
+        <p:nvSpPr>
+          <p:cNvPr id="102" name="楕円 101">
+            <a:extLst>
+              <a:ext uri="{FF2B5EF4-FFF2-40B4-BE49-F238E27FC236}">
+                <a16:creationId xmlns:a16="http://schemas.microsoft.com/office/drawing/2014/main" id="{5109BDEE-2DC4-30E4-B752-3C1E79E02695}"/>
+              </a:ext>
+            </a:extLst>
+          </p:cNvPr>
+          <p:cNvSpPr/>
+          <p:nvPr/>
+        </p:nvSpPr>
+        <p:spPr>
+          <a:xfrm>
+            <a:off x="4038964" y="4253015"/>
+            <a:ext cx="439971" cy="434763"/>
+          </a:xfrm>
+          <a:prstGeom prst="ellipse">
+            <a:avLst/>
+          </a:prstGeom>
+          <a:noFill/>
+          <a:ln>
+            <a:solidFill>
+              <a:schemeClr val="tx1"/>
+            </a:solidFill>
+          </a:ln>
+        </p:spPr>
+        <p:style>
+          <a:lnRef idx="2">
+            <a:schemeClr val="accent1">
+              <a:shade val="50000"/>
+            </a:schemeClr>
+          </a:lnRef>
+          <a:fillRef idx="1">
+            <a:schemeClr val="accent1"/>
+          </a:fillRef>
+          <a:effectRef idx="0">
+            <a:schemeClr val="accent1"/>
+          </a:effectRef>
+          <a:fontRef idx="minor">
+            <a:schemeClr val="lt1"/>
+          </a:fontRef>
+        </p:style>
+        <p:txBody>
+          <a:bodyPr rtlCol="0" anchor="ctr"/>
+          <a:lstStyle/>
+          <a:p>
+            <a:pPr algn="ctr"/>
+            <a:r>
+              <a:rPr kumimoji="1" lang="en-US" altLang="ja-JP" dirty="0">
+                <a:solidFill>
+                  <a:schemeClr val="tx1"/>
+                </a:solidFill>
+              </a:rPr>
+              <a:t>3</a:t>
+            </a:r>
+            <a:endParaRPr kumimoji="1" lang="ja-JP" altLang="en-US" dirty="0">
+              <a:solidFill>
+                <a:schemeClr val="tx1"/>
+              </a:solidFill>
+            </a:endParaRPr>
+          </a:p>
+        </p:txBody>
+      </p:sp>
+      <p:cxnSp>
+        <p:nvCxnSpPr>
+          <p:cNvPr id="103" name="直線コネクタ 102">
+            <a:extLst>
+              <a:ext uri="{FF2B5EF4-FFF2-40B4-BE49-F238E27FC236}">
+                <a16:creationId xmlns:a16="http://schemas.microsoft.com/office/drawing/2014/main" id="{69C44B0D-BF3C-6EB1-41C9-F231BD414390}"/>
+              </a:ext>
+            </a:extLst>
+          </p:cNvPr>
+          <p:cNvCxnSpPr>
+            <a:cxnSpLocks/>
+            <a:stCxn id="104" idx="6"/>
+            <a:endCxn id="102" idx="2"/>
+          </p:cNvCxnSpPr>
+          <p:nvPr/>
+        </p:nvCxnSpPr>
+        <p:spPr>
+          <a:xfrm>
+            <a:off x="3482482" y="4470397"/>
+            <a:ext cx="556482" cy="0"/>
+          </a:xfrm>
+          <a:prstGeom prst="line">
+            <a:avLst/>
+          </a:prstGeom>
+          <a:ln>
+            <a:solidFill>
+              <a:schemeClr val="tx1"/>
+            </a:solidFill>
+          </a:ln>
+        </p:spPr>
+        <p:style>
+          <a:lnRef idx="1">
+            <a:schemeClr val="accent1"/>
+          </a:lnRef>
+          <a:fillRef idx="0">
+            <a:schemeClr val="accent1"/>
+          </a:fillRef>
+          <a:effectRef idx="0">
+            <a:schemeClr val="accent1"/>
+          </a:effectRef>
+          <a:fontRef idx="minor">
+            <a:schemeClr val="tx1"/>
+          </a:fontRef>
+        </p:style>
+      </p:cxnSp>
+      <p:sp>
+        <p:nvSpPr>
+          <p:cNvPr id="104" name="楕円 103">
+            <a:extLst>
+              <a:ext uri="{FF2B5EF4-FFF2-40B4-BE49-F238E27FC236}">
+                <a16:creationId xmlns:a16="http://schemas.microsoft.com/office/drawing/2014/main" id="{7CC5E67B-17EA-0E0D-DC4D-17F23BA87DB7}"/>
+              </a:ext>
+            </a:extLst>
+          </p:cNvPr>
+          <p:cNvSpPr/>
+          <p:nvPr/>
+        </p:nvSpPr>
+        <p:spPr>
+          <a:xfrm>
+            <a:off x="3042511" y="4253015"/>
+            <a:ext cx="439971" cy="434763"/>
+          </a:xfrm>
+          <a:prstGeom prst="ellipse">
+            <a:avLst/>
+          </a:prstGeom>
+          <a:noFill/>
+          <a:ln>
+            <a:solidFill>
+              <a:schemeClr val="tx1"/>
+            </a:solidFill>
+          </a:ln>
+        </p:spPr>
+        <p:style>
+          <a:lnRef idx="2">
+            <a:schemeClr val="accent1">
+              <a:shade val="50000"/>
+            </a:schemeClr>
+          </a:lnRef>
+          <a:fillRef idx="1">
+            <a:schemeClr val="accent1"/>
+          </a:fillRef>
+          <a:effectRef idx="0">
+            <a:schemeClr val="accent1"/>
+          </a:effectRef>
+          <a:fontRef idx="minor">
+            <a:schemeClr val="lt1"/>
+          </a:fontRef>
+        </p:style>
+        <p:txBody>
+          <a:bodyPr rtlCol="0" anchor="ctr"/>
+          <a:lstStyle/>
+          <a:p>
+            <a:pPr algn="ctr"/>
+            <a:r>
+              <a:rPr kumimoji="1" lang="en-US" altLang="ja-JP" dirty="0">
+                <a:solidFill>
+                  <a:schemeClr val="tx1"/>
+                </a:solidFill>
+              </a:rPr>
+              <a:t>3</a:t>
+            </a:r>
+            <a:endParaRPr kumimoji="1" lang="ja-JP" altLang="en-US" dirty="0">
+              <a:solidFill>
+                <a:schemeClr val="tx1"/>
+              </a:solidFill>
+            </a:endParaRPr>
+          </a:p>
+        </p:txBody>
+      </p:sp>
+      <p:cxnSp>
+        <p:nvCxnSpPr>
+          <p:cNvPr id="3" name="直線コネクタ 2">
+            <a:extLst>
+              <a:ext uri="{FF2B5EF4-FFF2-40B4-BE49-F238E27FC236}">
+                <a16:creationId xmlns:a16="http://schemas.microsoft.com/office/drawing/2014/main" id="{77AFF6F8-9CA7-9910-00AE-6EAC8F2AB456}"/>
+              </a:ext>
+            </a:extLst>
+          </p:cNvPr>
+          <p:cNvCxnSpPr>
+            <a:cxnSpLocks/>
+            <a:stCxn id="6" idx="6"/>
+            <a:endCxn id="90" idx="2"/>
+          </p:cNvCxnSpPr>
+          <p:nvPr/>
+        </p:nvCxnSpPr>
+        <p:spPr>
+          <a:xfrm>
+            <a:off x="2469954" y="1956148"/>
+            <a:ext cx="556482" cy="0"/>
+          </a:xfrm>
+          <a:prstGeom prst="line">
+            <a:avLst/>
+          </a:prstGeom>
+          <a:ln>
+            <a:solidFill>
+              <a:schemeClr val="tx1"/>
+            </a:solidFill>
+          </a:ln>
+        </p:spPr>
+        <p:style>
+          <a:lnRef idx="1">
+            <a:schemeClr val="accent1"/>
+          </a:lnRef>
+          <a:fillRef idx="0">
+            <a:schemeClr val="accent1"/>
+          </a:fillRef>
+          <a:effectRef idx="0">
+            <a:schemeClr val="accent1"/>
+          </a:effectRef>
+          <a:fontRef idx="minor">
+            <a:schemeClr val="tx1"/>
+          </a:fontRef>
+        </p:style>
+      </p:cxnSp>
+      <p:sp>
+        <p:nvSpPr>
+          <p:cNvPr id="6" name="楕円 5">
+            <a:extLst>
+              <a:ext uri="{FF2B5EF4-FFF2-40B4-BE49-F238E27FC236}">
+                <a16:creationId xmlns:a16="http://schemas.microsoft.com/office/drawing/2014/main" id="{77D87AF6-6053-0E5E-41FC-835957BA1897}"/>
+              </a:ext>
+            </a:extLst>
+          </p:cNvPr>
+          <p:cNvSpPr/>
+          <p:nvPr/>
+        </p:nvSpPr>
+        <p:spPr>
+          <a:xfrm>
+            <a:off x="2029983" y="1738766"/>
+            <a:ext cx="439971" cy="434763"/>
+          </a:xfrm>
+          <a:prstGeom prst="ellipse">
+            <a:avLst/>
+          </a:prstGeom>
+          <a:noFill/>
+          <a:ln>
+            <a:solidFill>
+              <a:schemeClr val="tx1"/>
+            </a:solidFill>
+          </a:ln>
+        </p:spPr>
+        <p:style>
+          <a:lnRef idx="2">
+            <a:schemeClr val="accent1">
+              <a:shade val="50000"/>
+            </a:schemeClr>
+          </a:lnRef>
+          <a:fillRef idx="1">
+            <a:schemeClr val="accent1"/>
+          </a:fillRef>
+          <a:effectRef idx="0">
+            <a:schemeClr val="accent1"/>
+          </a:effectRef>
+          <a:fontRef idx="minor">
+            <a:schemeClr val="lt1"/>
+          </a:fontRef>
+        </p:style>
+        <p:txBody>
+          <a:bodyPr rtlCol="0" anchor="ctr"/>
+          <a:lstStyle/>
+          <a:p>
+            <a:pPr algn="ctr"/>
+            <a:r>
+              <a:rPr kumimoji="1" lang="en-US" altLang="ja-JP" dirty="0">
+                <a:solidFill>
+                  <a:schemeClr val="tx1"/>
+                </a:solidFill>
+              </a:rPr>
+              <a:t>3</a:t>
+            </a:r>
+            <a:endParaRPr kumimoji="1" lang="ja-JP" altLang="en-US" dirty="0">
+              <a:solidFill>
+                <a:schemeClr val="tx1"/>
+              </a:solidFill>
+            </a:endParaRPr>
+          </a:p>
+        </p:txBody>
+      </p:sp>
+      <p:cxnSp>
+        <p:nvCxnSpPr>
+          <p:cNvPr id="8" name="直線コネクタ 7">
+            <a:extLst>
+              <a:ext uri="{FF2B5EF4-FFF2-40B4-BE49-F238E27FC236}">
+                <a16:creationId xmlns:a16="http://schemas.microsoft.com/office/drawing/2014/main" id="{580E5ABF-203F-5B48-A798-845CE32C6FD7}"/>
+              </a:ext>
+            </a:extLst>
+          </p:cNvPr>
+          <p:cNvCxnSpPr>
+            <a:cxnSpLocks/>
+            <a:stCxn id="51" idx="6"/>
+            <a:endCxn id="20" idx="2"/>
+          </p:cNvCxnSpPr>
+          <p:nvPr/>
+        </p:nvCxnSpPr>
+        <p:spPr>
+          <a:xfrm>
+            <a:off x="5475387" y="4470397"/>
+            <a:ext cx="527877" cy="2"/>
+          </a:xfrm>
+          <a:prstGeom prst="line">
+            <a:avLst/>
+          </a:prstGeom>
+          <a:ln>
+            <a:solidFill>
+              <a:schemeClr val="tx1"/>
+            </a:solidFill>
+          </a:ln>
+        </p:spPr>
+        <p:style>
+          <a:lnRef idx="1">
+            <a:schemeClr val="accent1"/>
+          </a:lnRef>
+          <a:fillRef idx="0">
+            <a:schemeClr val="accent1"/>
+          </a:fillRef>
+          <a:effectRef idx="0">
+            <a:schemeClr val="accent1"/>
+          </a:effectRef>
+          <a:fontRef idx="minor">
+            <a:schemeClr val="tx1"/>
+          </a:fontRef>
+        </p:style>
+      </p:cxnSp>
+      <p:sp>
+        <p:nvSpPr>
+          <p:cNvPr id="17" name="テキスト ボックス 16">
+            <a:extLst>
+              <a:ext uri="{FF2B5EF4-FFF2-40B4-BE49-F238E27FC236}">
+                <a16:creationId xmlns:a16="http://schemas.microsoft.com/office/drawing/2014/main" id="{77F8248F-EC1B-F5BD-3376-79D13122BF0D}"/>
+              </a:ext>
+            </a:extLst>
+          </p:cNvPr>
+          <p:cNvSpPr txBox="1"/>
+          <p:nvPr/>
+        </p:nvSpPr>
+        <p:spPr>
+          <a:xfrm>
+            <a:off x="1930400" y="766629"/>
+            <a:ext cx="8331200" cy="646331"/>
+          </a:xfrm>
+          <a:prstGeom prst="rect">
+            <a:avLst/>
+          </a:prstGeom>
+          <a:noFill/>
+        </p:spPr>
+        <p:txBody>
+          <a:bodyPr wrap="square" rtlCol="0">
+            <a:spAutoFit/>
+          </a:bodyPr>
+          <a:lstStyle/>
+          <a:p>
+            <a:r>
+              <a:rPr lang="en-US" altLang="ja-JP" b="0" i="0" dirty="0">
+                <a:solidFill>
+                  <a:srgbClr val="212121"/>
+                </a:solidFill>
+                <a:effectLst/>
+                <a:latin typeface="Courier New" panose="02070309020205020404" pitchFamily="49" charset="0"/>
+              </a:rPr>
+              <a:t>The probability that all labels are outputted along the most likely state transition: -8.825895056538032</a:t>
+            </a:r>
+            <a:r>
+              <a:rPr lang="ja-JP" altLang="en-US" b="0" i="0" dirty="0">
+                <a:solidFill>
+                  <a:srgbClr val="212121"/>
+                </a:solidFill>
+                <a:effectLst/>
+                <a:latin typeface="Courier New" panose="02070309020205020404" pitchFamily="49" charset="0"/>
+              </a:rPr>
+              <a:t>（対数表示）</a:t>
+            </a:r>
+            <a:endParaRPr kumimoji="1" lang="ja-JP" altLang="en-US" dirty="0"/>
+          </a:p>
+        </p:txBody>
+      </p:sp>
+      <p:pic>
+        <p:nvPicPr>
+          <p:cNvPr id="7" name="Picture 2">
+            <a:extLst>
+              <a:ext uri="{FF2B5EF4-FFF2-40B4-BE49-F238E27FC236}">
+                <a16:creationId xmlns:a16="http://schemas.microsoft.com/office/drawing/2014/main" id="{0DF53373-098A-D488-E5C6-04311F359865}"/>
+              </a:ext>
+            </a:extLst>
+          </p:cNvPr>
+          <p:cNvPicPr>
+            <a:picLocks noChangeAspect="1" noChangeArrowheads="1"/>
+          </p:cNvPicPr>
+          <p:nvPr/>
+        </p:nvPicPr>
+        <p:blipFill>
+          <a:blip r:embed="rId2">
+            <a:extLst>
+              <a:ext uri="{28A0092B-C50C-407E-A947-70E740481C1C}">
+                <a14:useLocalDpi xmlns:a14="http://schemas.microsoft.com/office/drawing/2010/main" val="0"/>
+              </a:ext>
+            </a:extLst>
+          </a:blip>
+          <a:srcRect/>
+          <a:stretch>
+            <a:fillRect/>
+          </a:stretch>
+        </p:blipFill>
+        <p:spPr bwMode="auto">
+          <a:xfrm>
+            <a:off x="6971112" y="4253013"/>
+            <a:ext cx="4147083" cy="1840492"/>
+          </a:xfrm>
+          <a:prstGeom prst="rect">
+            <a:avLst/>
+          </a:prstGeom>
+          <a:noFill/>
+          <a:extLst>
+            <a:ext uri="{909E8E84-426E-40DD-AFC4-6F175D3DCCD1}">
+              <a14:hiddenFill xmlns:a14="http://schemas.microsoft.com/office/drawing/2010/main">
+                <a:solidFill>
+                  <a:srgbClr val="FFFFFF"/>
+                </a:solidFill>
+              </a14:hiddenFill>
+            </a:ext>
+          </a:extLst>
+        </p:spPr>
+      </p:pic>
+      <p:sp>
+        <p:nvSpPr>
+          <p:cNvPr id="9" name="テキスト ボックス 8">
+            <a:extLst>
+              <a:ext uri="{FF2B5EF4-FFF2-40B4-BE49-F238E27FC236}">
+                <a16:creationId xmlns:a16="http://schemas.microsoft.com/office/drawing/2014/main" id="{02DA94A4-1686-97FF-E90E-3BE20AB5C660}"/>
+              </a:ext>
+            </a:extLst>
+          </p:cNvPr>
+          <p:cNvSpPr txBox="1"/>
+          <p:nvPr/>
+        </p:nvSpPr>
+        <p:spPr>
+          <a:xfrm>
+            <a:off x="8874825" y="5906705"/>
+            <a:ext cx="974889" cy="369332"/>
+          </a:xfrm>
+          <a:prstGeom prst="rect">
+            <a:avLst/>
+          </a:prstGeom>
+          <a:noFill/>
+        </p:spPr>
+        <p:txBody>
+          <a:bodyPr wrap="square">
+            <a:spAutoFit/>
+          </a:bodyPr>
+          <a:lstStyle/>
+          <a:p>
+            <a:pPr algn="l"/>
+            <a:r>
+              <a:rPr lang="en-US" altLang="ja-JP" b="1" i="0" dirty="0">
+                <a:solidFill>
+                  <a:srgbClr val="000000"/>
+                </a:solidFill>
+                <a:effectLst/>
+                <a:latin typeface="arial" panose="020B0604020202020204" pitchFamily="34" charset="0"/>
+              </a:rPr>
+              <a:t>SNFG</a:t>
+            </a:r>
+          </a:p>
+        </p:txBody>
+      </p:sp>
+    </p:spTree>
+    <p:extLst>
+      <p:ext uri="{BB962C8B-B14F-4D97-AF65-F5344CB8AC3E}">
+        <p14:creationId xmlns:p14="http://schemas.microsoft.com/office/powerpoint/2010/main" val="1488004092"/>
+      </p:ext>
+    </p:extLst>
+  </p:cSld>
+  <p:clrMapOvr>
+    <a:masterClrMapping/>
+  </p:clrMapOvr>
+</p:sld>
+</file>
+
+<file path=ppt/slides/slide4.xml><?xml version="1.0" encoding="utf-8"?>
+<p:sld xmlns:a="http://schemas.openxmlformats.org/drawingml/2006/main" xmlns:r="http://schemas.openxmlformats.org/officeDocument/2006/relationships" xmlns:p="http://schemas.openxmlformats.org/presentationml/2006/main">
+  <p:cSld>
+    <p:spTree>
+      <p:nvGrpSpPr>
+        <p:cNvPr id="1" name=""/>
+        <p:cNvGrpSpPr/>
+        <p:nvPr/>
+      </p:nvGrpSpPr>
+      <p:grpSpPr>
+        <a:xfrm>
+          <a:off x="0" y="0"/>
+          <a:ext cx="0" cy="0"/>
+          <a:chOff x="0" y="0"/>
+          <a:chExt cx="0" cy="0"/>
+        </a:xfrm>
+      </p:grpSpPr>
+      <p:sp>
+        <p:nvSpPr>
+          <p:cNvPr id="2" name="楕円 1">
+            <a:extLst>
+              <a:ext uri="{FF2B5EF4-FFF2-40B4-BE49-F238E27FC236}">
+                <a16:creationId xmlns:a16="http://schemas.microsoft.com/office/drawing/2014/main" id="{99E2A3C1-8E54-23CE-CFCA-6E9E50E0826B}"/>
+              </a:ext>
+            </a:extLst>
+          </p:cNvPr>
+          <p:cNvSpPr/>
+          <p:nvPr/>
+        </p:nvSpPr>
+        <p:spPr>
+          <a:xfrm>
+            <a:off x="8922299" y="3211618"/>
+            <a:ext cx="439971" cy="434763"/>
+          </a:xfrm>
+          <a:prstGeom prst="ellipse">
+            <a:avLst/>
+          </a:prstGeom>
+          <a:noFill/>
+          <a:ln>
+            <a:solidFill>
+              <a:schemeClr val="tx1"/>
+            </a:solidFill>
+          </a:ln>
+        </p:spPr>
+        <p:style>
+          <a:lnRef idx="2">
+            <a:schemeClr val="accent1">
+              <a:shade val="50000"/>
+            </a:schemeClr>
+          </a:lnRef>
+          <a:fillRef idx="1">
+            <a:schemeClr val="accent1"/>
+          </a:fillRef>
+          <a:effectRef idx="0">
+            <a:schemeClr val="accent1"/>
+          </a:effectRef>
+          <a:fontRef idx="minor">
+            <a:schemeClr val="lt1"/>
+          </a:fontRef>
+        </p:style>
+        <p:txBody>
+          <a:bodyPr rtlCol="0" anchor="ctr"/>
+          <a:lstStyle/>
+          <a:p>
+            <a:pPr algn="ctr"/>
+            <a:r>
+              <a:rPr kumimoji="1" lang="en-US" altLang="ja-JP" dirty="0">
+                <a:solidFill>
+                  <a:schemeClr val="tx1"/>
+                </a:solidFill>
+              </a:rPr>
+              <a:t>2</a:t>
+            </a:r>
+            <a:endParaRPr kumimoji="1" lang="ja-JP" altLang="en-US" dirty="0">
+              <a:solidFill>
+                <a:schemeClr val="tx1"/>
+              </a:solidFill>
+            </a:endParaRPr>
+          </a:p>
+        </p:txBody>
+      </p:sp>
+      <p:cxnSp>
+        <p:nvCxnSpPr>
+          <p:cNvPr id="4" name="直線コネクタ 3">
+            <a:extLst>
+              <a:ext uri="{FF2B5EF4-FFF2-40B4-BE49-F238E27FC236}">
+                <a16:creationId xmlns:a16="http://schemas.microsoft.com/office/drawing/2014/main" id="{6F147F4B-8FAC-056D-BC9B-BF5397D939A4}"/>
+              </a:ext>
+            </a:extLst>
+          </p:cNvPr>
+          <p:cNvCxnSpPr>
+            <a:cxnSpLocks/>
+            <a:stCxn id="5" idx="6"/>
+            <a:endCxn id="2" idx="2"/>
+          </p:cNvCxnSpPr>
+          <p:nvPr/>
+        </p:nvCxnSpPr>
+        <p:spPr>
+          <a:xfrm>
+            <a:off x="8389259" y="3429000"/>
+            <a:ext cx="533040" cy="0"/>
+          </a:xfrm>
+          <a:prstGeom prst="line">
+            <a:avLst/>
+          </a:prstGeom>
+          <a:ln>
+            <a:solidFill>
+              <a:schemeClr val="tx1"/>
+            </a:solidFill>
+          </a:ln>
+        </p:spPr>
+        <p:style>
+          <a:lnRef idx="1">
+            <a:schemeClr val="accent1"/>
+          </a:lnRef>
+          <a:fillRef idx="0">
+            <a:schemeClr val="accent1"/>
+          </a:fillRef>
+          <a:effectRef idx="0">
+            <a:schemeClr val="accent1"/>
+          </a:effectRef>
+          <a:fontRef idx="minor">
+            <a:schemeClr val="tx1"/>
+          </a:fontRef>
+        </p:style>
+      </p:cxnSp>
+      <p:sp>
+        <p:nvSpPr>
+          <p:cNvPr id="5" name="楕円 4">
+            <a:extLst>
+              <a:ext uri="{FF2B5EF4-FFF2-40B4-BE49-F238E27FC236}">
+                <a16:creationId xmlns:a16="http://schemas.microsoft.com/office/drawing/2014/main" id="{2D4BC0B0-567F-CC57-EEC8-2C8E2A8B137D}"/>
+              </a:ext>
+            </a:extLst>
+          </p:cNvPr>
+          <p:cNvSpPr/>
+          <p:nvPr/>
+        </p:nvSpPr>
+        <p:spPr>
+          <a:xfrm>
+            <a:off x="7949288" y="3211618"/>
+            <a:ext cx="439971" cy="434763"/>
+          </a:xfrm>
+          <a:prstGeom prst="ellipse">
+            <a:avLst/>
+          </a:prstGeom>
+          <a:noFill/>
+          <a:ln>
+            <a:solidFill>
+              <a:schemeClr val="tx1"/>
+            </a:solidFill>
+          </a:ln>
+        </p:spPr>
+        <p:style>
+          <a:lnRef idx="2">
+            <a:schemeClr val="accent1">
+              <a:shade val="50000"/>
+            </a:schemeClr>
+          </a:lnRef>
+          <a:fillRef idx="1">
+            <a:schemeClr val="accent1"/>
+          </a:fillRef>
+          <a:effectRef idx="0">
+            <a:schemeClr val="accent1"/>
+          </a:effectRef>
+          <a:fontRef idx="minor">
+            <a:schemeClr val="lt1"/>
+          </a:fontRef>
+        </p:style>
+        <p:txBody>
+          <a:bodyPr rtlCol="0" anchor="ctr"/>
+          <a:lstStyle/>
+          <a:p>
+            <a:pPr algn="ctr"/>
+            <a:r>
+              <a:rPr lang="en-US" altLang="ja-JP" dirty="0">
+                <a:solidFill>
+                  <a:schemeClr val="tx1"/>
+                </a:solidFill>
+              </a:rPr>
+              <a:t>1</a:t>
+            </a:r>
+            <a:endParaRPr kumimoji="1" lang="ja-JP" altLang="en-US" dirty="0">
+              <a:solidFill>
+                <a:schemeClr val="tx1"/>
+              </a:solidFill>
+            </a:endParaRPr>
+          </a:p>
+        </p:txBody>
+      </p:sp>
+      <p:sp>
+        <p:nvSpPr>
+          <p:cNvPr id="15" name="楕円 14">
+            <a:extLst>
+              <a:ext uri="{FF2B5EF4-FFF2-40B4-BE49-F238E27FC236}">
+                <a16:creationId xmlns:a16="http://schemas.microsoft.com/office/drawing/2014/main" id="{A36C3C59-ABD2-F701-50FD-3A47E6659924}"/>
+              </a:ext>
+            </a:extLst>
+          </p:cNvPr>
+          <p:cNvSpPr/>
+          <p:nvPr/>
+        </p:nvSpPr>
+        <p:spPr>
+          <a:xfrm>
+            <a:off x="6976277" y="3211617"/>
+            <a:ext cx="439971" cy="434763"/>
+          </a:xfrm>
+          <a:prstGeom prst="ellipse">
+            <a:avLst/>
+          </a:prstGeom>
+          <a:noFill/>
+          <a:ln>
+            <a:solidFill>
+              <a:schemeClr val="tx1"/>
+            </a:solidFill>
+          </a:ln>
+        </p:spPr>
+        <p:style>
+          <a:lnRef idx="2">
+            <a:schemeClr val="accent1">
+              <a:shade val="50000"/>
+            </a:schemeClr>
+          </a:lnRef>
+          <a:fillRef idx="1">
+            <a:schemeClr val="accent1"/>
+          </a:fillRef>
+          <a:effectRef idx="0">
+            <a:schemeClr val="accent1"/>
+          </a:effectRef>
+          <a:fontRef idx="minor">
+            <a:schemeClr val="lt1"/>
+          </a:fontRef>
+        </p:style>
+        <p:txBody>
+          <a:bodyPr rtlCol="0" anchor="ctr"/>
+          <a:lstStyle/>
+          <a:p>
+            <a:pPr algn="ctr"/>
+            <a:r>
               <a:rPr kumimoji="1" lang="en-US" altLang="ja-JP" dirty="0">
                 <a:solidFill>
                   <a:schemeClr val="tx1"/>
@@ -9494,7 +11548,7 @@
 </p:sld>
 </file>
 
-<file path=ppt/slides/slide4.xml><?xml version="1.0" encoding="utf-8"?>
+<file path=ppt/slides/slide5.xml><?xml version="1.0" encoding="utf-8"?>
 <p:sld xmlns:a="http://schemas.openxmlformats.org/drawingml/2006/main" xmlns:r="http://schemas.openxmlformats.org/officeDocument/2006/relationships" xmlns:p="http://schemas.openxmlformats.org/presentationml/2006/main">
   <p:cSld>
     <p:spTree>

--- a/otmm_decimal/result_colab/result_existing_5195_1.0_6_59_ColabFree/result_existing_5195_1.0_6_59_parsing.pptx
+++ b/otmm_decimal/result_colab/result_existing_5195_1.0_6_59_ColabFree/result_existing_5195_1.0_6_59_parsing.pptx
@@ -263,7 +263,7 @@
           <a:p>
             <a:fld id="{A1CCF42C-534B-4F17-84EB-3026585EF5A2}" type="datetimeFigureOut">
               <a:rPr kumimoji="1" lang="ja-JP" altLang="en-US" smtClean="0"/>
-              <a:t>2023/1/3</a:t>
+              <a:t>2023/1/13</a:t>
             </a:fld>
             <a:endParaRPr kumimoji="1" lang="ja-JP" altLang="en-US"/>
           </a:p>
@@ -493,7 +493,7 @@
           <a:p>
             <a:fld id="{A1CCF42C-534B-4F17-84EB-3026585EF5A2}" type="datetimeFigureOut">
               <a:rPr kumimoji="1" lang="ja-JP" altLang="en-US" smtClean="0"/>
-              <a:t>2023/1/3</a:t>
+              <a:t>2023/1/13</a:t>
             </a:fld>
             <a:endParaRPr kumimoji="1" lang="ja-JP" altLang="en-US"/>
           </a:p>
@@ -733,7 +733,7 @@
           <a:p>
             <a:fld id="{A1CCF42C-534B-4F17-84EB-3026585EF5A2}" type="datetimeFigureOut">
               <a:rPr kumimoji="1" lang="ja-JP" altLang="en-US" smtClean="0"/>
-              <a:t>2023/1/3</a:t>
+              <a:t>2023/1/13</a:t>
             </a:fld>
             <a:endParaRPr kumimoji="1" lang="ja-JP" altLang="en-US"/>
           </a:p>
@@ -963,7 +963,7 @@
           <a:p>
             <a:fld id="{A1CCF42C-534B-4F17-84EB-3026585EF5A2}" type="datetimeFigureOut">
               <a:rPr kumimoji="1" lang="ja-JP" altLang="en-US" smtClean="0"/>
-              <a:t>2023/1/3</a:t>
+              <a:t>2023/1/13</a:t>
             </a:fld>
             <a:endParaRPr kumimoji="1" lang="ja-JP" altLang="en-US"/>
           </a:p>
@@ -1238,7 +1238,7 @@
           <a:p>
             <a:fld id="{A1CCF42C-534B-4F17-84EB-3026585EF5A2}" type="datetimeFigureOut">
               <a:rPr kumimoji="1" lang="ja-JP" altLang="en-US" smtClean="0"/>
-              <a:t>2023/1/3</a:t>
+              <a:t>2023/1/13</a:t>
             </a:fld>
             <a:endParaRPr kumimoji="1" lang="ja-JP" altLang="en-US"/>
           </a:p>
@@ -1567,7 +1567,7 @@
           <a:p>
             <a:fld id="{A1CCF42C-534B-4F17-84EB-3026585EF5A2}" type="datetimeFigureOut">
               <a:rPr kumimoji="1" lang="ja-JP" altLang="en-US" smtClean="0"/>
-              <a:t>2023/1/3</a:t>
+              <a:t>2023/1/13</a:t>
             </a:fld>
             <a:endParaRPr kumimoji="1" lang="ja-JP" altLang="en-US"/>
           </a:p>
@@ -2043,7 +2043,7 @@
           <a:p>
             <a:fld id="{A1CCF42C-534B-4F17-84EB-3026585EF5A2}" type="datetimeFigureOut">
               <a:rPr kumimoji="1" lang="ja-JP" altLang="en-US" smtClean="0"/>
-              <a:t>2023/1/3</a:t>
+              <a:t>2023/1/13</a:t>
             </a:fld>
             <a:endParaRPr kumimoji="1" lang="ja-JP" altLang="en-US"/>
           </a:p>
@@ -2184,7 +2184,7 @@
           <a:p>
             <a:fld id="{A1CCF42C-534B-4F17-84EB-3026585EF5A2}" type="datetimeFigureOut">
               <a:rPr kumimoji="1" lang="ja-JP" altLang="en-US" smtClean="0"/>
-              <a:t>2023/1/3</a:t>
+              <a:t>2023/1/13</a:t>
             </a:fld>
             <a:endParaRPr kumimoji="1" lang="ja-JP" altLang="en-US"/>
           </a:p>
@@ -2297,7 +2297,7 @@
           <a:p>
             <a:fld id="{A1CCF42C-534B-4F17-84EB-3026585EF5A2}" type="datetimeFigureOut">
               <a:rPr kumimoji="1" lang="ja-JP" altLang="en-US" smtClean="0"/>
-              <a:t>2023/1/3</a:t>
+              <a:t>2023/1/13</a:t>
             </a:fld>
             <a:endParaRPr kumimoji="1" lang="ja-JP" altLang="en-US"/>
           </a:p>
@@ -2640,7 +2640,7 @@
           <a:p>
             <a:fld id="{A1CCF42C-534B-4F17-84EB-3026585EF5A2}" type="datetimeFigureOut">
               <a:rPr kumimoji="1" lang="ja-JP" altLang="en-US" smtClean="0"/>
-              <a:t>2023/1/3</a:t>
+              <a:t>2023/1/13</a:t>
             </a:fld>
             <a:endParaRPr kumimoji="1" lang="ja-JP" altLang="en-US"/>
           </a:p>
@@ -2928,7 +2928,7 @@
           <a:p>
             <a:fld id="{A1CCF42C-534B-4F17-84EB-3026585EF5A2}" type="datetimeFigureOut">
               <a:rPr kumimoji="1" lang="ja-JP" altLang="en-US" smtClean="0"/>
-              <a:t>2023/1/3</a:t>
+              <a:t>2023/1/13</a:t>
             </a:fld>
             <a:endParaRPr kumimoji="1" lang="ja-JP" altLang="en-US"/>
           </a:p>
@@ -3201,7 +3201,7 @@
           <a:p>
             <a:fld id="{A1CCF42C-534B-4F17-84EB-3026585EF5A2}" type="datetimeFigureOut">
               <a:rPr kumimoji="1" lang="ja-JP" altLang="en-US" smtClean="0"/>
-              <a:t>2023/1/3</a:t>
+              <a:t>2023/1/13</a:t>
             </a:fld>
             <a:endParaRPr kumimoji="1" lang="ja-JP" altLang="en-US"/>
           </a:p>
@@ -5401,7 +5401,7 @@
         <p:spPr>
           <a:xfrm>
             <a:off x="6831167" y="5023088"/>
-            <a:ext cx="1027219" cy="338554"/>
+            <a:ext cx="1480158" cy="584775"/>
           </a:xfrm>
           <a:prstGeom prst="rect">
             <a:avLst/>
@@ -5418,7 +5418,12 @@
               <a:rPr kumimoji="1" lang="en-US" altLang="ja-JP" sz="1600" dirty="0"/>
               <a:t>Gal 0.85</a:t>
             </a:r>
-            <a:endParaRPr kumimoji="1" lang="ja-JP" altLang="en-US" sz="1600" dirty="0"/>
+          </a:p>
+          <a:p>
+            <a:r>
+              <a:rPr kumimoji="1" lang="en-US" altLang="ja-JP" sz="1600" dirty="0"/>
+              <a:t>Neu5Ac 0.005</a:t>
+            </a:r>
           </a:p>
         </p:txBody>
       </p:sp>
@@ -7503,42 +7508,6 @@
       </p:sp>
       <p:sp>
         <p:nvSpPr>
-          <p:cNvPr id="103" name="テキスト ボックス 102">
-            <a:extLst>
-              <a:ext uri="{FF2B5EF4-FFF2-40B4-BE49-F238E27FC236}">
-                <a16:creationId xmlns:a16="http://schemas.microsoft.com/office/drawing/2014/main" id="{ED62F39F-F050-93F7-3118-84F27C8772E6}"/>
-              </a:ext>
-            </a:extLst>
-          </p:cNvPr>
-          <p:cNvSpPr txBox="1"/>
-          <p:nvPr/>
-        </p:nvSpPr>
-        <p:spPr>
-          <a:xfrm>
-            <a:off x="7410520" y="5106849"/>
-            <a:ext cx="1027219" cy="338554"/>
-          </a:xfrm>
-          <a:prstGeom prst="rect">
-            <a:avLst/>
-          </a:prstGeom>
-          <a:noFill/>
-        </p:spPr>
-        <p:txBody>
-          <a:bodyPr wrap="square" rtlCol="0">
-            <a:spAutoFit/>
-          </a:bodyPr>
-          <a:lstStyle/>
-          <a:p>
-            <a:r>
-              <a:rPr kumimoji="1" lang="en-US" altLang="ja-JP" sz="1600" dirty="0"/>
-              <a:t>Gal 0.85</a:t>
-            </a:r>
-            <a:endParaRPr kumimoji="1" lang="ja-JP" altLang="en-US" sz="1600" dirty="0"/>
-          </a:p>
-        </p:txBody>
-      </p:sp>
-      <p:sp>
-        <p:nvSpPr>
           <p:cNvPr id="104" name="テキスト ボックス 103">
             <a:extLst>
               <a:ext uri="{FF2B5EF4-FFF2-40B4-BE49-F238E27FC236}">
@@ -7953,6 +7922,47 @@
                 <a:schemeClr val="accent1"/>
               </a:solidFill>
             </a:endParaRPr>
+          </a:p>
+        </p:txBody>
+      </p:sp>
+      <p:sp>
+        <p:nvSpPr>
+          <p:cNvPr id="3" name="テキスト ボックス 2">
+            <a:extLst>
+              <a:ext uri="{FF2B5EF4-FFF2-40B4-BE49-F238E27FC236}">
+                <a16:creationId xmlns:a16="http://schemas.microsoft.com/office/drawing/2014/main" id="{2416A129-0DE9-7A01-AA41-A6391C85A24C}"/>
+              </a:ext>
+            </a:extLst>
+          </p:cNvPr>
+          <p:cNvSpPr txBox="1"/>
+          <p:nvPr/>
+        </p:nvSpPr>
+        <p:spPr>
+          <a:xfrm>
+            <a:off x="7454125" y="5023160"/>
+            <a:ext cx="1480158" cy="584775"/>
+          </a:xfrm>
+          <a:prstGeom prst="rect">
+            <a:avLst/>
+          </a:prstGeom>
+          <a:noFill/>
+        </p:spPr>
+        <p:txBody>
+          <a:bodyPr wrap="square" rtlCol="0">
+            <a:spAutoFit/>
+          </a:bodyPr>
+          <a:lstStyle/>
+          <a:p>
+            <a:r>
+              <a:rPr kumimoji="1" lang="en-US" altLang="ja-JP" sz="1600" dirty="0"/>
+              <a:t>Gal 0.85</a:t>
+            </a:r>
+          </a:p>
+          <a:p>
+            <a:r>
+              <a:rPr kumimoji="1" lang="en-US" altLang="ja-JP" sz="1600" dirty="0"/>
+              <a:t>Neu5Ac 0.005</a:t>
+            </a:r>
           </a:p>
         </p:txBody>
       </p:sp>
@@ -9590,7 +9600,7 @@
         </p:nvSpPr>
         <p:spPr>
           <a:xfrm>
-            <a:off x="1930400" y="766629"/>
+            <a:off x="1837664" y="188774"/>
             <a:ext cx="8331200" cy="646331"/>
           </a:xfrm>
           <a:prstGeom prst="rect">
@@ -9657,7 +9667,7 @@
         </p:blipFill>
         <p:spPr bwMode="auto">
           <a:xfrm>
-            <a:off x="6971112" y="4253013"/>
+            <a:off x="8471845" y="5017508"/>
             <a:ext cx="4147083" cy="1840492"/>
           </a:xfrm>
           <a:prstGeom prst="rect">
@@ -11517,7 +11527,7 @@
         </p:blipFill>
         <p:spPr bwMode="auto">
           <a:xfrm>
-            <a:off x="6966474" y="3720806"/>
+            <a:off x="8001196" y="4037304"/>
             <a:ext cx="4050416" cy="3038907"/>
           </a:xfrm>
           <a:prstGeom prst="rect">

--- a/otmm_decimal/result_colab/result_existing_5195_1.0_6_59_ColabFree/result_existing_5195_1.0_6_59_parsing.pptx
+++ b/otmm_decimal/result_colab/result_existing_5195_1.0_6_59_ColabFree/result_existing_5195_1.0_6_59_parsing.pptx
@@ -8,8 +8,10 @@
     <p:sldId id="264" r:id="rId2"/>
     <p:sldId id="265" r:id="rId3"/>
     <p:sldId id="261" r:id="rId4"/>
-    <p:sldId id="262" r:id="rId5"/>
-    <p:sldId id="263" r:id="rId6"/>
+    <p:sldId id="266" r:id="rId5"/>
+    <p:sldId id="269" r:id="rId6"/>
+    <p:sldId id="262" r:id="rId7"/>
+    <p:sldId id="263" r:id="rId8"/>
   </p:sldIdLst>
   <p:sldSz cx="12192000" cy="6858000"/>
   <p:notesSz cx="6858000" cy="9144000"/>
@@ -263,7 +265,7 @@
           <a:p>
             <a:fld id="{A1CCF42C-534B-4F17-84EB-3026585EF5A2}" type="datetimeFigureOut">
               <a:rPr kumimoji="1" lang="ja-JP" altLang="en-US" smtClean="0"/>
-              <a:t>2023/1/13</a:t>
+              <a:t>2023/1/25</a:t>
             </a:fld>
             <a:endParaRPr kumimoji="1" lang="ja-JP" altLang="en-US"/>
           </a:p>
@@ -493,7 +495,7 @@
           <a:p>
             <a:fld id="{A1CCF42C-534B-4F17-84EB-3026585EF5A2}" type="datetimeFigureOut">
               <a:rPr kumimoji="1" lang="ja-JP" altLang="en-US" smtClean="0"/>
-              <a:t>2023/1/13</a:t>
+              <a:t>2023/1/25</a:t>
             </a:fld>
             <a:endParaRPr kumimoji="1" lang="ja-JP" altLang="en-US"/>
           </a:p>
@@ -733,7 +735,7 @@
           <a:p>
             <a:fld id="{A1CCF42C-534B-4F17-84EB-3026585EF5A2}" type="datetimeFigureOut">
               <a:rPr kumimoji="1" lang="ja-JP" altLang="en-US" smtClean="0"/>
-              <a:t>2023/1/13</a:t>
+              <a:t>2023/1/25</a:t>
             </a:fld>
             <a:endParaRPr kumimoji="1" lang="ja-JP" altLang="en-US"/>
           </a:p>
@@ -963,7 +965,7 @@
           <a:p>
             <a:fld id="{A1CCF42C-534B-4F17-84EB-3026585EF5A2}" type="datetimeFigureOut">
               <a:rPr kumimoji="1" lang="ja-JP" altLang="en-US" smtClean="0"/>
-              <a:t>2023/1/13</a:t>
+              <a:t>2023/1/25</a:t>
             </a:fld>
             <a:endParaRPr kumimoji="1" lang="ja-JP" altLang="en-US"/>
           </a:p>
@@ -1238,7 +1240,7 @@
           <a:p>
             <a:fld id="{A1CCF42C-534B-4F17-84EB-3026585EF5A2}" type="datetimeFigureOut">
               <a:rPr kumimoji="1" lang="ja-JP" altLang="en-US" smtClean="0"/>
-              <a:t>2023/1/13</a:t>
+              <a:t>2023/1/25</a:t>
             </a:fld>
             <a:endParaRPr kumimoji="1" lang="ja-JP" altLang="en-US"/>
           </a:p>
@@ -1567,7 +1569,7 @@
           <a:p>
             <a:fld id="{A1CCF42C-534B-4F17-84EB-3026585EF5A2}" type="datetimeFigureOut">
               <a:rPr kumimoji="1" lang="ja-JP" altLang="en-US" smtClean="0"/>
-              <a:t>2023/1/13</a:t>
+              <a:t>2023/1/25</a:t>
             </a:fld>
             <a:endParaRPr kumimoji="1" lang="ja-JP" altLang="en-US"/>
           </a:p>
@@ -2043,7 +2045,7 @@
           <a:p>
             <a:fld id="{A1CCF42C-534B-4F17-84EB-3026585EF5A2}" type="datetimeFigureOut">
               <a:rPr kumimoji="1" lang="ja-JP" altLang="en-US" smtClean="0"/>
-              <a:t>2023/1/13</a:t>
+              <a:t>2023/1/25</a:t>
             </a:fld>
             <a:endParaRPr kumimoji="1" lang="ja-JP" altLang="en-US"/>
           </a:p>
@@ -2184,7 +2186,7 @@
           <a:p>
             <a:fld id="{A1CCF42C-534B-4F17-84EB-3026585EF5A2}" type="datetimeFigureOut">
               <a:rPr kumimoji="1" lang="ja-JP" altLang="en-US" smtClean="0"/>
-              <a:t>2023/1/13</a:t>
+              <a:t>2023/1/25</a:t>
             </a:fld>
             <a:endParaRPr kumimoji="1" lang="ja-JP" altLang="en-US"/>
           </a:p>
@@ -2297,7 +2299,7 @@
           <a:p>
             <a:fld id="{A1CCF42C-534B-4F17-84EB-3026585EF5A2}" type="datetimeFigureOut">
               <a:rPr kumimoji="1" lang="ja-JP" altLang="en-US" smtClean="0"/>
-              <a:t>2023/1/13</a:t>
+              <a:t>2023/1/25</a:t>
             </a:fld>
             <a:endParaRPr kumimoji="1" lang="ja-JP" altLang="en-US"/>
           </a:p>
@@ -2640,7 +2642,7 @@
           <a:p>
             <a:fld id="{A1CCF42C-534B-4F17-84EB-3026585EF5A2}" type="datetimeFigureOut">
               <a:rPr kumimoji="1" lang="ja-JP" altLang="en-US" smtClean="0"/>
-              <a:t>2023/1/13</a:t>
+              <a:t>2023/1/25</a:t>
             </a:fld>
             <a:endParaRPr kumimoji="1" lang="ja-JP" altLang="en-US"/>
           </a:p>
@@ -2928,7 +2930,7 @@
           <a:p>
             <a:fld id="{A1CCF42C-534B-4F17-84EB-3026585EF5A2}" type="datetimeFigureOut">
               <a:rPr kumimoji="1" lang="ja-JP" altLang="en-US" smtClean="0"/>
-              <a:t>2023/1/13</a:t>
+              <a:t>2023/1/25</a:t>
             </a:fld>
             <a:endParaRPr kumimoji="1" lang="ja-JP" altLang="en-US"/>
           </a:p>
@@ -3201,7 +3203,7 @@
           <a:p>
             <a:fld id="{A1CCF42C-534B-4F17-84EB-3026585EF5A2}" type="datetimeFigureOut">
               <a:rPr kumimoji="1" lang="ja-JP" altLang="en-US" smtClean="0"/>
-              <a:t>2023/1/13</a:t>
+              <a:t>2023/1/25</a:t>
             </a:fld>
             <a:endParaRPr kumimoji="1" lang="ja-JP" altLang="en-US"/>
           </a:p>
@@ -7966,6 +7968,164 @@
           </a:p>
         </p:txBody>
       </p:sp>
+      <p:sp>
+        <p:nvSpPr>
+          <p:cNvPr id="4" name="テキスト ボックス 3">
+            <a:extLst>
+              <a:ext uri="{FF2B5EF4-FFF2-40B4-BE49-F238E27FC236}">
+                <a16:creationId xmlns:a16="http://schemas.microsoft.com/office/drawing/2014/main" id="{4D13E60B-0095-7489-FA6E-6ADCF3C99B7E}"/>
+              </a:ext>
+            </a:extLst>
+          </p:cNvPr>
+          <p:cNvSpPr txBox="1"/>
+          <p:nvPr/>
+        </p:nvSpPr>
+        <p:spPr>
+          <a:xfrm>
+            <a:off x="7014154" y="1576449"/>
+            <a:ext cx="1102310" cy="369332"/>
+          </a:xfrm>
+          <a:prstGeom prst="rect">
+            <a:avLst/>
+          </a:prstGeom>
+          <a:noFill/>
+        </p:spPr>
+        <p:txBody>
+          <a:bodyPr wrap="square" rtlCol="0">
+            <a:spAutoFit/>
+          </a:bodyPr>
+          <a:lstStyle/>
+          <a:p>
+            <a:r>
+              <a:rPr lang="ja-JP" altLang="en-US" dirty="0"/>
+              <a:t>親子関係</a:t>
+            </a:r>
+            <a:endParaRPr kumimoji="1" lang="ja-JP" altLang="en-US" dirty="0"/>
+          </a:p>
+        </p:txBody>
+      </p:sp>
+      <p:cxnSp>
+        <p:nvCxnSpPr>
+          <p:cNvPr id="8" name="直線矢印コネクタ 7">
+            <a:extLst>
+              <a:ext uri="{FF2B5EF4-FFF2-40B4-BE49-F238E27FC236}">
+                <a16:creationId xmlns:a16="http://schemas.microsoft.com/office/drawing/2014/main" id="{B4B6509A-569B-4F7E-4CC0-B113FF9E43EF}"/>
+              </a:ext>
+            </a:extLst>
+          </p:cNvPr>
+          <p:cNvCxnSpPr>
+            <a:cxnSpLocks/>
+          </p:cNvCxnSpPr>
+          <p:nvPr/>
+        </p:nvCxnSpPr>
+        <p:spPr>
+          <a:xfrm flipV="1">
+            <a:off x="6267182" y="1763503"/>
+            <a:ext cx="746972" cy="6350"/>
+          </a:xfrm>
+          <a:prstGeom prst="straightConnector1">
+            <a:avLst/>
+          </a:prstGeom>
+          <a:ln w="12700">
+            <a:tailEnd type="triangle"/>
+          </a:ln>
+        </p:spPr>
+        <p:style>
+          <a:lnRef idx="1">
+            <a:schemeClr val="accent1"/>
+          </a:lnRef>
+          <a:fillRef idx="0">
+            <a:schemeClr val="accent1"/>
+          </a:fillRef>
+          <a:effectRef idx="0">
+            <a:schemeClr val="accent1"/>
+          </a:effectRef>
+          <a:fontRef idx="minor">
+            <a:schemeClr val="tx1"/>
+          </a:fontRef>
+        </p:style>
+      </p:cxnSp>
+      <p:sp>
+        <p:nvSpPr>
+          <p:cNvPr id="10" name="テキスト ボックス 9">
+            <a:extLst>
+              <a:ext uri="{FF2B5EF4-FFF2-40B4-BE49-F238E27FC236}">
+                <a16:creationId xmlns:a16="http://schemas.microsoft.com/office/drawing/2014/main" id="{41D2025A-E768-6596-355D-F143E2C1A065}"/>
+              </a:ext>
+            </a:extLst>
+          </p:cNvPr>
+          <p:cNvSpPr txBox="1"/>
+          <p:nvPr/>
+        </p:nvSpPr>
+        <p:spPr>
+          <a:xfrm>
+            <a:off x="7014154" y="1956907"/>
+            <a:ext cx="1102310" cy="369332"/>
+          </a:xfrm>
+          <a:prstGeom prst="rect">
+            <a:avLst/>
+          </a:prstGeom>
+          <a:noFill/>
+        </p:spPr>
+        <p:txBody>
+          <a:bodyPr wrap="square" rtlCol="0">
+            <a:spAutoFit/>
+          </a:bodyPr>
+          <a:lstStyle/>
+          <a:p>
+            <a:r>
+              <a:rPr lang="ja-JP" altLang="en-US" dirty="0"/>
+              <a:t>兄弟関係</a:t>
+            </a:r>
+            <a:endParaRPr kumimoji="1" lang="ja-JP" altLang="en-US" dirty="0"/>
+          </a:p>
+        </p:txBody>
+      </p:sp>
+      <p:cxnSp>
+        <p:nvCxnSpPr>
+          <p:cNvPr id="12" name="直線矢印コネクタ 11">
+            <a:extLst>
+              <a:ext uri="{FF2B5EF4-FFF2-40B4-BE49-F238E27FC236}">
+                <a16:creationId xmlns:a16="http://schemas.microsoft.com/office/drawing/2014/main" id="{EC818D99-B2D3-692F-BBD7-616A65EB12B1}"/>
+              </a:ext>
+            </a:extLst>
+          </p:cNvPr>
+          <p:cNvCxnSpPr>
+            <a:cxnSpLocks/>
+          </p:cNvCxnSpPr>
+          <p:nvPr/>
+        </p:nvCxnSpPr>
+        <p:spPr>
+          <a:xfrm flipV="1">
+            <a:off x="6267182" y="2143961"/>
+            <a:ext cx="746972" cy="6350"/>
+          </a:xfrm>
+          <a:prstGeom prst="straightConnector1">
+            <a:avLst/>
+          </a:prstGeom>
+          <a:ln w="12700">
+            <a:solidFill>
+              <a:schemeClr val="accent2"/>
+            </a:solidFill>
+            <a:prstDash val="sysDash"/>
+            <a:tailEnd type="triangle"/>
+          </a:ln>
+        </p:spPr>
+        <p:style>
+          <a:lnRef idx="1">
+            <a:schemeClr val="accent1"/>
+          </a:lnRef>
+          <a:fillRef idx="0">
+            <a:schemeClr val="accent1"/>
+          </a:fillRef>
+          <a:effectRef idx="0">
+            <a:schemeClr val="accent1"/>
+          </a:effectRef>
+          <a:fontRef idx="minor">
+            <a:schemeClr val="tx1"/>
+          </a:fontRef>
+        </p:style>
+      </p:cxnSp>
     </p:spTree>
     <p:extLst>
       <p:ext uri="{BB962C8B-B14F-4D97-AF65-F5344CB8AC3E}">
@@ -9757,6 +9917,3584 @@
           <a:chExt cx="0" cy="0"/>
         </a:xfrm>
       </p:grpSpPr>
+      <p:cxnSp>
+        <p:nvCxnSpPr>
+          <p:cNvPr id="4" name="直線コネクタ 3">
+            <a:extLst>
+              <a:ext uri="{FF2B5EF4-FFF2-40B4-BE49-F238E27FC236}">
+                <a16:creationId xmlns:a16="http://schemas.microsoft.com/office/drawing/2014/main" id="{6F147F4B-8FAC-056D-BC9B-BF5397D939A4}"/>
+              </a:ext>
+            </a:extLst>
+          </p:cNvPr>
+          <p:cNvCxnSpPr>
+            <a:cxnSpLocks/>
+            <a:stCxn id="11" idx="3"/>
+            <a:endCxn id="10" idx="1"/>
+          </p:cNvCxnSpPr>
+          <p:nvPr/>
+        </p:nvCxnSpPr>
+        <p:spPr>
+          <a:xfrm>
+            <a:off x="8398398" y="3428998"/>
+            <a:ext cx="542179" cy="2741"/>
+          </a:xfrm>
+          <a:prstGeom prst="line">
+            <a:avLst/>
+          </a:prstGeom>
+          <a:ln>
+            <a:solidFill>
+              <a:schemeClr val="tx1"/>
+            </a:solidFill>
+          </a:ln>
+        </p:spPr>
+        <p:style>
+          <a:lnRef idx="1">
+            <a:schemeClr val="accent1"/>
+          </a:lnRef>
+          <a:fillRef idx="0">
+            <a:schemeClr val="accent1"/>
+          </a:fillRef>
+          <a:effectRef idx="0">
+            <a:schemeClr val="accent1"/>
+          </a:effectRef>
+          <a:fontRef idx="minor">
+            <a:schemeClr val="tx1"/>
+          </a:fontRef>
+        </p:style>
+      </p:cxnSp>
+      <p:sp>
+        <p:nvSpPr>
+          <p:cNvPr id="15" name="楕円 14">
+            <a:extLst>
+              <a:ext uri="{FF2B5EF4-FFF2-40B4-BE49-F238E27FC236}">
+                <a16:creationId xmlns:a16="http://schemas.microsoft.com/office/drawing/2014/main" id="{A36C3C59-ABD2-F701-50FD-3A47E6659924}"/>
+              </a:ext>
+            </a:extLst>
+          </p:cNvPr>
+          <p:cNvSpPr/>
+          <p:nvPr/>
+        </p:nvSpPr>
+        <p:spPr>
+          <a:xfrm>
+            <a:off x="6976277" y="3211617"/>
+            <a:ext cx="439971" cy="434763"/>
+          </a:xfrm>
+          <a:prstGeom prst="ellipse">
+            <a:avLst/>
+          </a:prstGeom>
+          <a:solidFill>
+            <a:srgbClr val="00B050"/>
+          </a:solidFill>
+          <a:ln>
+            <a:solidFill>
+              <a:schemeClr val="tx1"/>
+            </a:solidFill>
+          </a:ln>
+        </p:spPr>
+        <p:style>
+          <a:lnRef idx="2">
+            <a:schemeClr val="accent1">
+              <a:shade val="50000"/>
+            </a:schemeClr>
+          </a:lnRef>
+          <a:fillRef idx="1">
+            <a:schemeClr val="accent1"/>
+          </a:fillRef>
+          <a:effectRef idx="0">
+            <a:schemeClr val="accent1"/>
+          </a:effectRef>
+          <a:fontRef idx="minor">
+            <a:schemeClr val="lt1"/>
+          </a:fontRef>
+        </p:style>
+        <p:txBody>
+          <a:bodyPr rtlCol="0" anchor="ctr"/>
+          <a:lstStyle/>
+          <a:p>
+            <a:pPr algn="ctr"/>
+            <a:r>
+              <a:rPr lang="en-US" altLang="ja-JP" dirty="0">
+                <a:solidFill>
+                  <a:schemeClr val="tx1"/>
+                </a:solidFill>
+              </a:rPr>
+              <a:t>3</a:t>
+            </a:r>
+            <a:endParaRPr kumimoji="1" lang="ja-JP" altLang="en-US" dirty="0">
+              <a:solidFill>
+                <a:schemeClr val="tx1"/>
+              </a:solidFill>
+            </a:endParaRPr>
+          </a:p>
+        </p:txBody>
+      </p:sp>
+      <p:cxnSp>
+        <p:nvCxnSpPr>
+          <p:cNvPr id="16" name="直線コネクタ 15">
+            <a:extLst>
+              <a:ext uri="{FF2B5EF4-FFF2-40B4-BE49-F238E27FC236}">
+                <a16:creationId xmlns:a16="http://schemas.microsoft.com/office/drawing/2014/main" id="{3A4231B4-3565-5623-E3D4-DFF863B012DB}"/>
+              </a:ext>
+            </a:extLst>
+          </p:cNvPr>
+          <p:cNvCxnSpPr>
+            <a:cxnSpLocks/>
+            <a:stCxn id="15" idx="6"/>
+            <a:endCxn id="11" idx="1"/>
+          </p:cNvCxnSpPr>
+          <p:nvPr/>
+        </p:nvCxnSpPr>
+        <p:spPr>
+          <a:xfrm flipV="1">
+            <a:off x="7416248" y="3428998"/>
+            <a:ext cx="542178" cy="1"/>
+          </a:xfrm>
+          <a:prstGeom prst="line">
+            <a:avLst/>
+          </a:prstGeom>
+          <a:ln>
+            <a:solidFill>
+              <a:schemeClr val="tx1"/>
+            </a:solidFill>
+          </a:ln>
+        </p:spPr>
+        <p:style>
+          <a:lnRef idx="1">
+            <a:schemeClr val="accent1"/>
+          </a:lnRef>
+          <a:fillRef idx="0">
+            <a:schemeClr val="accent1"/>
+          </a:fillRef>
+          <a:effectRef idx="0">
+            <a:schemeClr val="accent1"/>
+          </a:effectRef>
+          <a:fontRef idx="minor">
+            <a:schemeClr val="tx1"/>
+          </a:fontRef>
+        </p:style>
+      </p:cxnSp>
+      <p:sp>
+        <p:nvSpPr>
+          <p:cNvPr id="19" name="楕円 18">
+            <a:extLst>
+              <a:ext uri="{FF2B5EF4-FFF2-40B4-BE49-F238E27FC236}">
+                <a16:creationId xmlns:a16="http://schemas.microsoft.com/office/drawing/2014/main" id="{F298F2AF-6D9A-4BE2-B86D-1BCB2DFA6915}"/>
+              </a:ext>
+            </a:extLst>
+          </p:cNvPr>
+          <p:cNvSpPr/>
+          <p:nvPr/>
+        </p:nvSpPr>
+        <p:spPr>
+          <a:xfrm>
+            <a:off x="6003265" y="2421505"/>
+            <a:ext cx="439971" cy="434763"/>
+          </a:xfrm>
+          <a:prstGeom prst="ellipse">
+            <a:avLst/>
+          </a:prstGeom>
+          <a:solidFill>
+            <a:srgbClr val="00B050"/>
+          </a:solidFill>
+          <a:ln>
+            <a:solidFill>
+              <a:schemeClr val="tx1"/>
+            </a:solidFill>
+          </a:ln>
+        </p:spPr>
+        <p:style>
+          <a:lnRef idx="2">
+            <a:schemeClr val="accent1">
+              <a:shade val="50000"/>
+            </a:schemeClr>
+          </a:lnRef>
+          <a:fillRef idx="1">
+            <a:schemeClr val="accent1"/>
+          </a:fillRef>
+          <a:effectRef idx="0">
+            <a:schemeClr val="accent1"/>
+          </a:effectRef>
+          <a:fontRef idx="minor">
+            <a:schemeClr val="lt1"/>
+          </a:fontRef>
+        </p:style>
+        <p:txBody>
+          <a:bodyPr rtlCol="0" anchor="ctr"/>
+          <a:lstStyle/>
+          <a:p>
+            <a:pPr algn="ctr"/>
+            <a:r>
+              <a:rPr lang="en-US" altLang="ja-JP" dirty="0">
+                <a:solidFill>
+                  <a:schemeClr val="tx1"/>
+                </a:solidFill>
+              </a:rPr>
+              <a:t>3</a:t>
+            </a:r>
+            <a:endParaRPr kumimoji="1" lang="ja-JP" altLang="en-US" dirty="0">
+              <a:solidFill>
+                <a:schemeClr val="tx1"/>
+              </a:solidFill>
+            </a:endParaRPr>
+          </a:p>
+        </p:txBody>
+      </p:sp>
+      <p:sp>
+        <p:nvSpPr>
+          <p:cNvPr id="20" name="楕円 19">
+            <a:extLst>
+              <a:ext uri="{FF2B5EF4-FFF2-40B4-BE49-F238E27FC236}">
+                <a16:creationId xmlns:a16="http://schemas.microsoft.com/office/drawing/2014/main" id="{98118023-75A8-13FF-B3AC-006BB2EB8EDC}"/>
+              </a:ext>
+            </a:extLst>
+          </p:cNvPr>
+          <p:cNvSpPr/>
+          <p:nvPr/>
+        </p:nvSpPr>
+        <p:spPr>
+          <a:xfrm>
+            <a:off x="6003264" y="3910996"/>
+            <a:ext cx="439971" cy="434763"/>
+          </a:xfrm>
+          <a:prstGeom prst="ellipse">
+            <a:avLst/>
+          </a:prstGeom>
+          <a:solidFill>
+            <a:srgbClr val="00B050"/>
+          </a:solidFill>
+          <a:ln>
+            <a:solidFill>
+              <a:schemeClr val="tx1"/>
+            </a:solidFill>
+          </a:ln>
+        </p:spPr>
+        <p:style>
+          <a:lnRef idx="2">
+            <a:schemeClr val="accent1">
+              <a:shade val="50000"/>
+            </a:schemeClr>
+          </a:lnRef>
+          <a:fillRef idx="1">
+            <a:schemeClr val="accent1"/>
+          </a:fillRef>
+          <a:effectRef idx="0">
+            <a:schemeClr val="accent1"/>
+          </a:effectRef>
+          <a:fontRef idx="minor">
+            <a:schemeClr val="lt1"/>
+          </a:fontRef>
+        </p:style>
+        <p:txBody>
+          <a:bodyPr rtlCol="0" anchor="ctr"/>
+          <a:lstStyle/>
+          <a:p>
+            <a:pPr algn="ctr"/>
+            <a:r>
+              <a:rPr kumimoji="1" lang="en-US" altLang="ja-JP" dirty="0">
+                <a:solidFill>
+                  <a:schemeClr val="tx1"/>
+                </a:solidFill>
+              </a:rPr>
+              <a:t>3</a:t>
+            </a:r>
+            <a:endParaRPr kumimoji="1" lang="ja-JP" altLang="en-US" dirty="0">
+              <a:solidFill>
+                <a:schemeClr val="tx1"/>
+              </a:solidFill>
+            </a:endParaRPr>
+          </a:p>
+        </p:txBody>
+      </p:sp>
+      <p:cxnSp>
+        <p:nvCxnSpPr>
+          <p:cNvPr id="21" name="直線コネクタ 20">
+            <a:extLst>
+              <a:ext uri="{FF2B5EF4-FFF2-40B4-BE49-F238E27FC236}">
+                <a16:creationId xmlns:a16="http://schemas.microsoft.com/office/drawing/2014/main" id="{5070F677-61C6-9C9B-5F79-303AFF26D89A}"/>
+              </a:ext>
+            </a:extLst>
+          </p:cNvPr>
+          <p:cNvCxnSpPr>
+            <a:cxnSpLocks/>
+            <a:stCxn id="19" idx="5"/>
+            <a:endCxn id="15" idx="1"/>
+          </p:cNvCxnSpPr>
+          <p:nvPr/>
+        </p:nvCxnSpPr>
+        <p:spPr>
+          <a:xfrm>
+            <a:off x="6378804" y="2792598"/>
+            <a:ext cx="661905" cy="482689"/>
+          </a:xfrm>
+          <a:prstGeom prst="line">
+            <a:avLst/>
+          </a:prstGeom>
+          <a:ln>
+            <a:solidFill>
+              <a:schemeClr val="tx1"/>
+            </a:solidFill>
+          </a:ln>
+        </p:spPr>
+        <p:style>
+          <a:lnRef idx="1">
+            <a:schemeClr val="accent1"/>
+          </a:lnRef>
+          <a:fillRef idx="0">
+            <a:schemeClr val="accent1"/>
+          </a:fillRef>
+          <a:effectRef idx="0">
+            <a:schemeClr val="accent1"/>
+          </a:effectRef>
+          <a:fontRef idx="minor">
+            <a:schemeClr val="tx1"/>
+          </a:fontRef>
+        </p:style>
+      </p:cxnSp>
+      <p:cxnSp>
+        <p:nvCxnSpPr>
+          <p:cNvPr id="24" name="直線コネクタ 23">
+            <a:extLst>
+              <a:ext uri="{FF2B5EF4-FFF2-40B4-BE49-F238E27FC236}">
+                <a16:creationId xmlns:a16="http://schemas.microsoft.com/office/drawing/2014/main" id="{F82A930C-F5AB-FBE4-A327-C027ABD864A4}"/>
+              </a:ext>
+            </a:extLst>
+          </p:cNvPr>
+          <p:cNvCxnSpPr>
+            <a:cxnSpLocks/>
+            <a:stCxn id="20" idx="7"/>
+            <a:endCxn id="15" idx="3"/>
+          </p:cNvCxnSpPr>
+          <p:nvPr/>
+        </p:nvCxnSpPr>
+        <p:spPr>
+          <a:xfrm flipV="1">
+            <a:off x="6378803" y="3582710"/>
+            <a:ext cx="661906" cy="391956"/>
+          </a:xfrm>
+          <a:prstGeom prst="line">
+            <a:avLst/>
+          </a:prstGeom>
+          <a:ln>
+            <a:solidFill>
+              <a:schemeClr val="tx1"/>
+            </a:solidFill>
+          </a:ln>
+        </p:spPr>
+        <p:style>
+          <a:lnRef idx="1">
+            <a:schemeClr val="accent1"/>
+          </a:lnRef>
+          <a:fillRef idx="0">
+            <a:schemeClr val="accent1"/>
+          </a:fillRef>
+          <a:effectRef idx="0">
+            <a:schemeClr val="accent1"/>
+          </a:effectRef>
+          <a:fontRef idx="minor">
+            <a:schemeClr val="tx1"/>
+          </a:fontRef>
+        </p:style>
+      </p:cxnSp>
+      <p:sp>
+        <p:nvSpPr>
+          <p:cNvPr id="29" name="楕円 28">
+            <a:extLst>
+              <a:ext uri="{FF2B5EF4-FFF2-40B4-BE49-F238E27FC236}">
+                <a16:creationId xmlns:a16="http://schemas.microsoft.com/office/drawing/2014/main" id="{1CD800FD-B353-1171-2988-83C6857DE156}"/>
+              </a:ext>
+            </a:extLst>
+          </p:cNvPr>
+          <p:cNvSpPr/>
+          <p:nvPr/>
+        </p:nvSpPr>
+        <p:spPr>
+          <a:xfrm>
+            <a:off x="5003576" y="2856268"/>
+            <a:ext cx="439971" cy="434763"/>
+          </a:xfrm>
+          <a:prstGeom prst="ellipse">
+            <a:avLst/>
+          </a:prstGeom>
+          <a:solidFill>
+            <a:srgbClr val="00B050"/>
+          </a:solidFill>
+          <a:ln>
+            <a:solidFill>
+              <a:schemeClr val="tx1"/>
+            </a:solidFill>
+          </a:ln>
+        </p:spPr>
+        <p:style>
+          <a:lnRef idx="2">
+            <a:schemeClr val="accent1">
+              <a:shade val="50000"/>
+            </a:schemeClr>
+          </a:lnRef>
+          <a:fillRef idx="1">
+            <a:schemeClr val="accent1"/>
+          </a:fillRef>
+          <a:effectRef idx="0">
+            <a:schemeClr val="accent1"/>
+          </a:effectRef>
+          <a:fontRef idx="minor">
+            <a:schemeClr val="lt1"/>
+          </a:fontRef>
+        </p:style>
+        <p:txBody>
+          <a:bodyPr rtlCol="0" anchor="ctr"/>
+          <a:lstStyle/>
+          <a:p>
+            <a:pPr algn="ctr"/>
+            <a:r>
+              <a:rPr kumimoji="1" lang="en-US" altLang="ja-JP" dirty="0">
+                <a:solidFill>
+                  <a:schemeClr val="tx1"/>
+                </a:solidFill>
+              </a:rPr>
+              <a:t>3</a:t>
+            </a:r>
+            <a:endParaRPr kumimoji="1" lang="ja-JP" altLang="en-US" dirty="0">
+              <a:solidFill>
+                <a:schemeClr val="tx1"/>
+              </a:solidFill>
+            </a:endParaRPr>
+          </a:p>
+        </p:txBody>
+      </p:sp>
+      <p:sp>
+        <p:nvSpPr>
+          <p:cNvPr id="33" name="楕円 32">
+            <a:extLst>
+              <a:ext uri="{FF2B5EF4-FFF2-40B4-BE49-F238E27FC236}">
+                <a16:creationId xmlns:a16="http://schemas.microsoft.com/office/drawing/2014/main" id="{81EAF303-AF4F-6280-C2E6-44197D523A05}"/>
+              </a:ext>
+            </a:extLst>
+          </p:cNvPr>
+          <p:cNvSpPr/>
+          <p:nvPr/>
+        </p:nvSpPr>
+        <p:spPr>
+          <a:xfrm>
+            <a:off x="5019342" y="1990050"/>
+            <a:ext cx="439971" cy="434763"/>
+          </a:xfrm>
+          <a:prstGeom prst="ellipse">
+            <a:avLst/>
+          </a:prstGeom>
+          <a:solidFill>
+            <a:srgbClr val="00B050"/>
+          </a:solidFill>
+          <a:ln>
+            <a:solidFill>
+              <a:schemeClr val="tx1"/>
+            </a:solidFill>
+          </a:ln>
+        </p:spPr>
+        <p:style>
+          <a:lnRef idx="2">
+            <a:schemeClr val="accent1">
+              <a:shade val="50000"/>
+            </a:schemeClr>
+          </a:lnRef>
+          <a:fillRef idx="1">
+            <a:schemeClr val="accent1"/>
+          </a:fillRef>
+          <a:effectRef idx="0">
+            <a:schemeClr val="accent1"/>
+          </a:effectRef>
+          <a:fontRef idx="minor">
+            <a:schemeClr val="lt1"/>
+          </a:fontRef>
+        </p:style>
+        <p:txBody>
+          <a:bodyPr rtlCol="0" anchor="ctr"/>
+          <a:lstStyle/>
+          <a:p>
+            <a:pPr algn="ctr"/>
+            <a:r>
+              <a:rPr kumimoji="1" lang="en-US" altLang="ja-JP" dirty="0">
+                <a:solidFill>
+                  <a:schemeClr val="tx1"/>
+                </a:solidFill>
+              </a:rPr>
+              <a:t>3</a:t>
+            </a:r>
+            <a:endParaRPr kumimoji="1" lang="ja-JP" altLang="en-US" dirty="0">
+              <a:solidFill>
+                <a:schemeClr val="tx1"/>
+              </a:solidFill>
+            </a:endParaRPr>
+          </a:p>
+        </p:txBody>
+      </p:sp>
+      <p:cxnSp>
+        <p:nvCxnSpPr>
+          <p:cNvPr id="35" name="直線コネクタ 34">
+            <a:extLst>
+              <a:ext uri="{FF2B5EF4-FFF2-40B4-BE49-F238E27FC236}">
+                <a16:creationId xmlns:a16="http://schemas.microsoft.com/office/drawing/2014/main" id="{3394F000-E77A-B6D4-022D-10AACDA928FB}"/>
+              </a:ext>
+            </a:extLst>
+          </p:cNvPr>
+          <p:cNvCxnSpPr>
+            <a:cxnSpLocks/>
+            <a:stCxn id="33" idx="6"/>
+            <a:endCxn id="19" idx="1"/>
+          </p:cNvCxnSpPr>
+          <p:nvPr/>
+        </p:nvCxnSpPr>
+        <p:spPr>
+          <a:xfrm>
+            <a:off x="5459313" y="2207432"/>
+            <a:ext cx="608384" cy="277743"/>
+          </a:xfrm>
+          <a:prstGeom prst="line">
+            <a:avLst/>
+          </a:prstGeom>
+          <a:ln>
+            <a:solidFill>
+              <a:schemeClr val="tx1"/>
+            </a:solidFill>
+          </a:ln>
+        </p:spPr>
+        <p:style>
+          <a:lnRef idx="1">
+            <a:schemeClr val="accent1"/>
+          </a:lnRef>
+          <a:fillRef idx="0">
+            <a:schemeClr val="accent1"/>
+          </a:fillRef>
+          <a:effectRef idx="0">
+            <a:schemeClr val="accent1"/>
+          </a:effectRef>
+          <a:fontRef idx="minor">
+            <a:schemeClr val="tx1"/>
+          </a:fontRef>
+        </p:style>
+      </p:cxnSp>
+      <p:cxnSp>
+        <p:nvCxnSpPr>
+          <p:cNvPr id="48" name="直線コネクタ 47">
+            <a:extLst>
+              <a:ext uri="{FF2B5EF4-FFF2-40B4-BE49-F238E27FC236}">
+                <a16:creationId xmlns:a16="http://schemas.microsoft.com/office/drawing/2014/main" id="{38153412-84F5-4E64-1F56-01EEB3020D40}"/>
+              </a:ext>
+            </a:extLst>
+          </p:cNvPr>
+          <p:cNvCxnSpPr>
+            <a:cxnSpLocks/>
+            <a:stCxn id="29" idx="6"/>
+            <a:endCxn id="19" idx="3"/>
+          </p:cNvCxnSpPr>
+          <p:nvPr/>
+        </p:nvCxnSpPr>
+        <p:spPr>
+          <a:xfrm flipV="1">
+            <a:off x="5443547" y="2792598"/>
+            <a:ext cx="624150" cy="281052"/>
+          </a:xfrm>
+          <a:prstGeom prst="line">
+            <a:avLst/>
+          </a:prstGeom>
+          <a:ln>
+            <a:solidFill>
+              <a:schemeClr val="tx1"/>
+            </a:solidFill>
+          </a:ln>
+        </p:spPr>
+        <p:style>
+          <a:lnRef idx="1">
+            <a:schemeClr val="accent1"/>
+          </a:lnRef>
+          <a:fillRef idx="0">
+            <a:schemeClr val="accent1"/>
+          </a:fillRef>
+          <a:effectRef idx="0">
+            <a:schemeClr val="accent1"/>
+          </a:effectRef>
+          <a:fontRef idx="minor">
+            <a:schemeClr val="tx1"/>
+          </a:fontRef>
+        </p:style>
+      </p:cxnSp>
+      <p:sp>
+        <p:nvSpPr>
+          <p:cNvPr id="51" name="楕円 50">
+            <a:extLst>
+              <a:ext uri="{FF2B5EF4-FFF2-40B4-BE49-F238E27FC236}">
+                <a16:creationId xmlns:a16="http://schemas.microsoft.com/office/drawing/2014/main" id="{936398A2-1B1A-ADAB-C692-B1CDC54323CD}"/>
+              </a:ext>
+            </a:extLst>
+          </p:cNvPr>
+          <p:cNvSpPr/>
+          <p:nvPr/>
+        </p:nvSpPr>
+        <p:spPr>
+          <a:xfrm>
+            <a:off x="5035416" y="3910994"/>
+            <a:ext cx="439971" cy="434763"/>
+          </a:xfrm>
+          <a:prstGeom prst="ellipse">
+            <a:avLst/>
+          </a:prstGeom>
+          <a:solidFill>
+            <a:srgbClr val="00B050"/>
+          </a:solidFill>
+          <a:ln>
+            <a:solidFill>
+              <a:schemeClr val="tx1"/>
+            </a:solidFill>
+          </a:ln>
+        </p:spPr>
+        <p:style>
+          <a:lnRef idx="2">
+            <a:schemeClr val="accent1">
+              <a:shade val="50000"/>
+            </a:schemeClr>
+          </a:lnRef>
+          <a:fillRef idx="1">
+            <a:schemeClr val="accent1"/>
+          </a:fillRef>
+          <a:effectRef idx="0">
+            <a:schemeClr val="accent1"/>
+          </a:effectRef>
+          <a:fontRef idx="minor">
+            <a:schemeClr val="lt1"/>
+          </a:fontRef>
+        </p:style>
+        <p:txBody>
+          <a:bodyPr rtlCol="0" anchor="ctr"/>
+          <a:lstStyle/>
+          <a:p>
+            <a:pPr algn="ctr"/>
+            <a:r>
+              <a:rPr kumimoji="1" lang="en-US" altLang="ja-JP" dirty="0">
+                <a:solidFill>
+                  <a:schemeClr val="tx1"/>
+                </a:solidFill>
+              </a:rPr>
+              <a:t>3</a:t>
+            </a:r>
+            <a:endParaRPr kumimoji="1" lang="ja-JP" altLang="en-US" dirty="0">
+              <a:solidFill>
+                <a:schemeClr val="tx1"/>
+              </a:solidFill>
+            </a:endParaRPr>
+          </a:p>
+        </p:txBody>
+      </p:sp>
+      <p:cxnSp>
+        <p:nvCxnSpPr>
+          <p:cNvPr id="66" name="直線コネクタ 65">
+            <a:extLst>
+              <a:ext uri="{FF2B5EF4-FFF2-40B4-BE49-F238E27FC236}">
+                <a16:creationId xmlns:a16="http://schemas.microsoft.com/office/drawing/2014/main" id="{0D73DC1B-4788-4BEA-BCD5-5A95101381AA}"/>
+              </a:ext>
+            </a:extLst>
+          </p:cNvPr>
+          <p:cNvCxnSpPr>
+            <a:cxnSpLocks/>
+            <a:stCxn id="68" idx="6"/>
+            <a:endCxn id="33" idx="2"/>
+          </p:cNvCxnSpPr>
+          <p:nvPr/>
+        </p:nvCxnSpPr>
+        <p:spPr>
+          <a:xfrm>
+            <a:off x="4462860" y="2207432"/>
+            <a:ext cx="556482" cy="0"/>
+          </a:xfrm>
+          <a:prstGeom prst="line">
+            <a:avLst/>
+          </a:prstGeom>
+          <a:ln>
+            <a:solidFill>
+              <a:schemeClr val="tx1"/>
+            </a:solidFill>
+          </a:ln>
+        </p:spPr>
+        <p:style>
+          <a:lnRef idx="1">
+            <a:schemeClr val="accent1"/>
+          </a:lnRef>
+          <a:fillRef idx="0">
+            <a:schemeClr val="accent1"/>
+          </a:fillRef>
+          <a:effectRef idx="0">
+            <a:schemeClr val="accent1"/>
+          </a:effectRef>
+          <a:fontRef idx="minor">
+            <a:schemeClr val="tx1"/>
+          </a:fontRef>
+        </p:style>
+      </p:cxnSp>
+      <p:sp>
+        <p:nvSpPr>
+          <p:cNvPr id="68" name="楕円 67">
+            <a:extLst>
+              <a:ext uri="{FF2B5EF4-FFF2-40B4-BE49-F238E27FC236}">
+                <a16:creationId xmlns:a16="http://schemas.microsoft.com/office/drawing/2014/main" id="{78219453-3070-8E5F-6244-96693EC9F5A2}"/>
+              </a:ext>
+            </a:extLst>
+          </p:cNvPr>
+          <p:cNvSpPr/>
+          <p:nvPr/>
+        </p:nvSpPr>
+        <p:spPr>
+          <a:xfrm>
+            <a:off x="4022889" y="1990050"/>
+            <a:ext cx="439971" cy="434763"/>
+          </a:xfrm>
+          <a:prstGeom prst="ellipse">
+            <a:avLst/>
+          </a:prstGeom>
+          <a:solidFill>
+            <a:srgbClr val="00B050"/>
+          </a:solidFill>
+          <a:ln>
+            <a:solidFill>
+              <a:schemeClr val="tx1"/>
+            </a:solidFill>
+          </a:ln>
+        </p:spPr>
+        <p:style>
+          <a:lnRef idx="2">
+            <a:schemeClr val="accent1">
+              <a:shade val="50000"/>
+            </a:schemeClr>
+          </a:lnRef>
+          <a:fillRef idx="1">
+            <a:schemeClr val="accent1"/>
+          </a:fillRef>
+          <a:effectRef idx="0">
+            <a:schemeClr val="accent1"/>
+          </a:effectRef>
+          <a:fontRef idx="minor">
+            <a:schemeClr val="lt1"/>
+          </a:fontRef>
+        </p:style>
+        <p:txBody>
+          <a:bodyPr rtlCol="0" anchor="ctr"/>
+          <a:lstStyle/>
+          <a:p>
+            <a:pPr algn="ctr"/>
+            <a:r>
+              <a:rPr kumimoji="1" lang="en-US" altLang="ja-JP" dirty="0">
+                <a:solidFill>
+                  <a:schemeClr val="tx1"/>
+                </a:solidFill>
+              </a:rPr>
+              <a:t>3</a:t>
+            </a:r>
+            <a:endParaRPr kumimoji="1" lang="ja-JP" altLang="en-US" dirty="0">
+              <a:solidFill>
+                <a:schemeClr val="tx1"/>
+              </a:solidFill>
+            </a:endParaRPr>
+          </a:p>
+        </p:txBody>
+      </p:sp>
+      <p:cxnSp>
+        <p:nvCxnSpPr>
+          <p:cNvPr id="89" name="直線コネクタ 88">
+            <a:extLst>
+              <a:ext uri="{FF2B5EF4-FFF2-40B4-BE49-F238E27FC236}">
+                <a16:creationId xmlns:a16="http://schemas.microsoft.com/office/drawing/2014/main" id="{219E3501-C614-A6C3-7C21-28CF0F8C4DF5}"/>
+              </a:ext>
+            </a:extLst>
+          </p:cNvPr>
+          <p:cNvCxnSpPr>
+            <a:cxnSpLocks/>
+            <a:stCxn id="90" idx="6"/>
+            <a:endCxn id="68" idx="2"/>
+          </p:cNvCxnSpPr>
+          <p:nvPr/>
+        </p:nvCxnSpPr>
+        <p:spPr>
+          <a:xfrm>
+            <a:off x="3466407" y="2207432"/>
+            <a:ext cx="556482" cy="0"/>
+          </a:xfrm>
+          <a:prstGeom prst="line">
+            <a:avLst/>
+          </a:prstGeom>
+          <a:ln>
+            <a:solidFill>
+              <a:schemeClr val="tx1"/>
+            </a:solidFill>
+          </a:ln>
+        </p:spPr>
+        <p:style>
+          <a:lnRef idx="1">
+            <a:schemeClr val="accent1"/>
+          </a:lnRef>
+          <a:fillRef idx="0">
+            <a:schemeClr val="accent1"/>
+          </a:fillRef>
+          <a:effectRef idx="0">
+            <a:schemeClr val="accent1"/>
+          </a:effectRef>
+          <a:fontRef idx="minor">
+            <a:schemeClr val="tx1"/>
+          </a:fontRef>
+        </p:style>
+      </p:cxnSp>
+      <p:sp>
+        <p:nvSpPr>
+          <p:cNvPr id="90" name="楕円 89">
+            <a:extLst>
+              <a:ext uri="{FF2B5EF4-FFF2-40B4-BE49-F238E27FC236}">
+                <a16:creationId xmlns:a16="http://schemas.microsoft.com/office/drawing/2014/main" id="{2185B69C-2469-826A-A26E-3F85300008CD}"/>
+              </a:ext>
+            </a:extLst>
+          </p:cNvPr>
+          <p:cNvSpPr/>
+          <p:nvPr/>
+        </p:nvSpPr>
+        <p:spPr>
+          <a:xfrm>
+            <a:off x="3026436" y="1990050"/>
+            <a:ext cx="439971" cy="434763"/>
+          </a:xfrm>
+          <a:prstGeom prst="ellipse">
+            <a:avLst/>
+          </a:prstGeom>
+          <a:solidFill>
+            <a:srgbClr val="00B050"/>
+          </a:solidFill>
+          <a:ln>
+            <a:solidFill>
+              <a:schemeClr val="tx1"/>
+            </a:solidFill>
+          </a:ln>
+        </p:spPr>
+        <p:style>
+          <a:lnRef idx="2">
+            <a:schemeClr val="accent1">
+              <a:shade val="50000"/>
+            </a:schemeClr>
+          </a:lnRef>
+          <a:fillRef idx="1">
+            <a:schemeClr val="accent1"/>
+          </a:fillRef>
+          <a:effectRef idx="0">
+            <a:schemeClr val="accent1"/>
+          </a:effectRef>
+          <a:fontRef idx="minor">
+            <a:schemeClr val="lt1"/>
+          </a:fontRef>
+        </p:style>
+        <p:txBody>
+          <a:bodyPr rtlCol="0" anchor="ctr"/>
+          <a:lstStyle/>
+          <a:p>
+            <a:pPr algn="ctr"/>
+            <a:r>
+              <a:rPr kumimoji="1" lang="en-US" altLang="ja-JP" dirty="0">
+                <a:solidFill>
+                  <a:schemeClr val="tx1"/>
+                </a:solidFill>
+              </a:rPr>
+              <a:t>3</a:t>
+            </a:r>
+            <a:endParaRPr kumimoji="1" lang="ja-JP" altLang="en-US" dirty="0">
+              <a:solidFill>
+                <a:schemeClr val="tx1"/>
+              </a:solidFill>
+            </a:endParaRPr>
+          </a:p>
+        </p:txBody>
+      </p:sp>
+      <p:cxnSp>
+        <p:nvCxnSpPr>
+          <p:cNvPr id="92" name="直線コネクタ 91">
+            <a:extLst>
+              <a:ext uri="{FF2B5EF4-FFF2-40B4-BE49-F238E27FC236}">
+                <a16:creationId xmlns:a16="http://schemas.microsoft.com/office/drawing/2014/main" id="{F0188C79-281A-7EB4-B7A7-0B74E0A01B6C}"/>
+              </a:ext>
+            </a:extLst>
+          </p:cNvPr>
+          <p:cNvCxnSpPr>
+            <a:cxnSpLocks/>
+            <a:stCxn id="93" idx="6"/>
+            <a:endCxn id="29" idx="2"/>
+          </p:cNvCxnSpPr>
+          <p:nvPr/>
+        </p:nvCxnSpPr>
+        <p:spPr>
+          <a:xfrm>
+            <a:off x="4462860" y="3073650"/>
+            <a:ext cx="540716" cy="0"/>
+          </a:xfrm>
+          <a:prstGeom prst="line">
+            <a:avLst/>
+          </a:prstGeom>
+          <a:ln>
+            <a:solidFill>
+              <a:schemeClr val="tx1"/>
+            </a:solidFill>
+          </a:ln>
+        </p:spPr>
+        <p:style>
+          <a:lnRef idx="1">
+            <a:schemeClr val="accent1"/>
+          </a:lnRef>
+          <a:fillRef idx="0">
+            <a:schemeClr val="accent1"/>
+          </a:fillRef>
+          <a:effectRef idx="0">
+            <a:schemeClr val="accent1"/>
+          </a:effectRef>
+          <a:fontRef idx="minor">
+            <a:schemeClr val="tx1"/>
+          </a:fontRef>
+        </p:style>
+      </p:cxnSp>
+      <p:sp>
+        <p:nvSpPr>
+          <p:cNvPr id="93" name="楕円 92">
+            <a:extLst>
+              <a:ext uri="{FF2B5EF4-FFF2-40B4-BE49-F238E27FC236}">
+                <a16:creationId xmlns:a16="http://schemas.microsoft.com/office/drawing/2014/main" id="{72B03E98-54FC-6EE9-49BB-063EFC599DCE}"/>
+              </a:ext>
+            </a:extLst>
+          </p:cNvPr>
+          <p:cNvSpPr/>
+          <p:nvPr/>
+        </p:nvSpPr>
+        <p:spPr>
+          <a:xfrm>
+            <a:off x="4022889" y="2856268"/>
+            <a:ext cx="439971" cy="434763"/>
+          </a:xfrm>
+          <a:prstGeom prst="ellipse">
+            <a:avLst/>
+          </a:prstGeom>
+          <a:solidFill>
+            <a:srgbClr val="00B050"/>
+          </a:solidFill>
+          <a:ln>
+            <a:solidFill>
+              <a:schemeClr val="tx1"/>
+            </a:solidFill>
+          </a:ln>
+        </p:spPr>
+        <p:style>
+          <a:lnRef idx="2">
+            <a:schemeClr val="accent1">
+              <a:shade val="50000"/>
+            </a:schemeClr>
+          </a:lnRef>
+          <a:fillRef idx="1">
+            <a:schemeClr val="accent1"/>
+          </a:fillRef>
+          <a:effectRef idx="0">
+            <a:schemeClr val="accent1"/>
+          </a:effectRef>
+          <a:fontRef idx="minor">
+            <a:schemeClr val="lt1"/>
+          </a:fontRef>
+        </p:style>
+        <p:txBody>
+          <a:bodyPr rtlCol="0" anchor="ctr"/>
+          <a:lstStyle/>
+          <a:p>
+            <a:pPr algn="ctr"/>
+            <a:r>
+              <a:rPr kumimoji="1" lang="en-US" altLang="ja-JP" dirty="0">
+                <a:solidFill>
+                  <a:schemeClr val="tx1"/>
+                </a:solidFill>
+              </a:rPr>
+              <a:t>3</a:t>
+            </a:r>
+            <a:endParaRPr kumimoji="1" lang="ja-JP" altLang="en-US" dirty="0">
+              <a:solidFill>
+                <a:schemeClr val="tx1"/>
+              </a:solidFill>
+            </a:endParaRPr>
+          </a:p>
+        </p:txBody>
+      </p:sp>
+      <p:cxnSp>
+        <p:nvCxnSpPr>
+          <p:cNvPr id="94" name="直線コネクタ 93">
+            <a:extLst>
+              <a:ext uri="{FF2B5EF4-FFF2-40B4-BE49-F238E27FC236}">
+                <a16:creationId xmlns:a16="http://schemas.microsoft.com/office/drawing/2014/main" id="{2A3434F9-101A-C370-87D9-B8A615A1B98C}"/>
+              </a:ext>
+            </a:extLst>
+          </p:cNvPr>
+          <p:cNvCxnSpPr>
+            <a:cxnSpLocks/>
+            <a:stCxn id="95" idx="6"/>
+            <a:endCxn id="93" idx="2"/>
+          </p:cNvCxnSpPr>
+          <p:nvPr/>
+        </p:nvCxnSpPr>
+        <p:spPr>
+          <a:xfrm>
+            <a:off x="3467843" y="3073650"/>
+            <a:ext cx="555046" cy="0"/>
+          </a:xfrm>
+          <a:prstGeom prst="line">
+            <a:avLst/>
+          </a:prstGeom>
+          <a:ln>
+            <a:solidFill>
+              <a:schemeClr val="tx1"/>
+            </a:solidFill>
+          </a:ln>
+        </p:spPr>
+        <p:style>
+          <a:lnRef idx="1">
+            <a:schemeClr val="accent1"/>
+          </a:lnRef>
+          <a:fillRef idx="0">
+            <a:schemeClr val="accent1"/>
+          </a:fillRef>
+          <a:effectRef idx="0">
+            <a:schemeClr val="accent1"/>
+          </a:effectRef>
+          <a:fontRef idx="minor">
+            <a:schemeClr val="tx1"/>
+          </a:fontRef>
+        </p:style>
+      </p:cxnSp>
+      <p:sp>
+        <p:nvSpPr>
+          <p:cNvPr id="95" name="楕円 94">
+            <a:extLst>
+              <a:ext uri="{FF2B5EF4-FFF2-40B4-BE49-F238E27FC236}">
+                <a16:creationId xmlns:a16="http://schemas.microsoft.com/office/drawing/2014/main" id="{9BADADBC-278B-8A91-3D80-907EC7D90CD2}"/>
+              </a:ext>
+            </a:extLst>
+          </p:cNvPr>
+          <p:cNvSpPr/>
+          <p:nvPr/>
+        </p:nvSpPr>
+        <p:spPr>
+          <a:xfrm>
+            <a:off x="3027872" y="2856268"/>
+            <a:ext cx="439971" cy="434763"/>
+          </a:xfrm>
+          <a:prstGeom prst="ellipse">
+            <a:avLst/>
+          </a:prstGeom>
+          <a:solidFill>
+            <a:srgbClr val="00B050"/>
+          </a:solidFill>
+          <a:ln>
+            <a:solidFill>
+              <a:schemeClr val="tx1"/>
+            </a:solidFill>
+          </a:ln>
+        </p:spPr>
+        <p:style>
+          <a:lnRef idx="2">
+            <a:schemeClr val="accent1">
+              <a:shade val="50000"/>
+            </a:schemeClr>
+          </a:lnRef>
+          <a:fillRef idx="1">
+            <a:schemeClr val="accent1"/>
+          </a:fillRef>
+          <a:effectRef idx="0">
+            <a:schemeClr val="accent1"/>
+          </a:effectRef>
+          <a:fontRef idx="minor">
+            <a:schemeClr val="lt1"/>
+          </a:fontRef>
+        </p:style>
+        <p:txBody>
+          <a:bodyPr rtlCol="0" anchor="ctr"/>
+          <a:lstStyle/>
+          <a:p>
+            <a:pPr algn="ctr"/>
+            <a:r>
+              <a:rPr kumimoji="1" lang="en-US" altLang="ja-JP" dirty="0">
+                <a:solidFill>
+                  <a:schemeClr val="tx1"/>
+                </a:solidFill>
+              </a:rPr>
+              <a:t>3</a:t>
+            </a:r>
+            <a:endParaRPr kumimoji="1" lang="ja-JP" altLang="en-US" dirty="0">
+              <a:solidFill>
+                <a:schemeClr val="tx1"/>
+              </a:solidFill>
+            </a:endParaRPr>
+          </a:p>
+        </p:txBody>
+      </p:sp>
+      <p:cxnSp>
+        <p:nvCxnSpPr>
+          <p:cNvPr id="101" name="直線コネクタ 100">
+            <a:extLst>
+              <a:ext uri="{FF2B5EF4-FFF2-40B4-BE49-F238E27FC236}">
+                <a16:creationId xmlns:a16="http://schemas.microsoft.com/office/drawing/2014/main" id="{662F5556-2EA0-97A9-8869-4603EFD5B92B}"/>
+              </a:ext>
+            </a:extLst>
+          </p:cNvPr>
+          <p:cNvCxnSpPr>
+            <a:cxnSpLocks/>
+            <a:stCxn id="102" idx="6"/>
+            <a:endCxn id="51" idx="2"/>
+          </p:cNvCxnSpPr>
+          <p:nvPr/>
+        </p:nvCxnSpPr>
+        <p:spPr>
+          <a:xfrm>
+            <a:off x="4478935" y="4128376"/>
+            <a:ext cx="556481" cy="0"/>
+          </a:xfrm>
+          <a:prstGeom prst="line">
+            <a:avLst/>
+          </a:prstGeom>
+          <a:ln>
+            <a:solidFill>
+              <a:schemeClr val="tx1"/>
+            </a:solidFill>
+          </a:ln>
+        </p:spPr>
+        <p:style>
+          <a:lnRef idx="1">
+            <a:schemeClr val="accent1"/>
+          </a:lnRef>
+          <a:fillRef idx="0">
+            <a:schemeClr val="accent1"/>
+          </a:fillRef>
+          <a:effectRef idx="0">
+            <a:schemeClr val="accent1"/>
+          </a:effectRef>
+          <a:fontRef idx="minor">
+            <a:schemeClr val="tx1"/>
+          </a:fontRef>
+        </p:style>
+      </p:cxnSp>
+      <p:sp>
+        <p:nvSpPr>
+          <p:cNvPr id="102" name="楕円 101">
+            <a:extLst>
+              <a:ext uri="{FF2B5EF4-FFF2-40B4-BE49-F238E27FC236}">
+                <a16:creationId xmlns:a16="http://schemas.microsoft.com/office/drawing/2014/main" id="{5109BDEE-2DC4-30E4-B752-3C1E79E02695}"/>
+              </a:ext>
+            </a:extLst>
+          </p:cNvPr>
+          <p:cNvSpPr/>
+          <p:nvPr/>
+        </p:nvSpPr>
+        <p:spPr>
+          <a:xfrm>
+            <a:off x="4038964" y="3910994"/>
+            <a:ext cx="439971" cy="434763"/>
+          </a:xfrm>
+          <a:prstGeom prst="ellipse">
+            <a:avLst/>
+          </a:prstGeom>
+          <a:solidFill>
+            <a:srgbClr val="00B050"/>
+          </a:solidFill>
+          <a:ln>
+            <a:solidFill>
+              <a:schemeClr val="tx1"/>
+            </a:solidFill>
+          </a:ln>
+        </p:spPr>
+        <p:style>
+          <a:lnRef idx="2">
+            <a:schemeClr val="accent1">
+              <a:shade val="50000"/>
+            </a:schemeClr>
+          </a:lnRef>
+          <a:fillRef idx="1">
+            <a:schemeClr val="accent1"/>
+          </a:fillRef>
+          <a:effectRef idx="0">
+            <a:schemeClr val="accent1"/>
+          </a:effectRef>
+          <a:fontRef idx="minor">
+            <a:schemeClr val="lt1"/>
+          </a:fontRef>
+        </p:style>
+        <p:txBody>
+          <a:bodyPr rtlCol="0" anchor="ctr"/>
+          <a:lstStyle/>
+          <a:p>
+            <a:pPr algn="ctr"/>
+            <a:r>
+              <a:rPr kumimoji="1" lang="en-US" altLang="ja-JP" dirty="0">
+                <a:solidFill>
+                  <a:schemeClr val="tx1"/>
+                </a:solidFill>
+              </a:rPr>
+              <a:t>3</a:t>
+            </a:r>
+            <a:endParaRPr kumimoji="1" lang="ja-JP" altLang="en-US" dirty="0">
+              <a:solidFill>
+                <a:schemeClr val="tx1"/>
+              </a:solidFill>
+            </a:endParaRPr>
+          </a:p>
+        </p:txBody>
+      </p:sp>
+      <p:cxnSp>
+        <p:nvCxnSpPr>
+          <p:cNvPr id="103" name="直線コネクタ 102">
+            <a:extLst>
+              <a:ext uri="{FF2B5EF4-FFF2-40B4-BE49-F238E27FC236}">
+                <a16:creationId xmlns:a16="http://schemas.microsoft.com/office/drawing/2014/main" id="{69C44B0D-BF3C-6EB1-41C9-F231BD414390}"/>
+              </a:ext>
+            </a:extLst>
+          </p:cNvPr>
+          <p:cNvCxnSpPr>
+            <a:cxnSpLocks/>
+            <a:stCxn id="104" idx="6"/>
+            <a:endCxn id="102" idx="2"/>
+          </p:cNvCxnSpPr>
+          <p:nvPr/>
+        </p:nvCxnSpPr>
+        <p:spPr>
+          <a:xfrm>
+            <a:off x="3482482" y="4128376"/>
+            <a:ext cx="556482" cy="0"/>
+          </a:xfrm>
+          <a:prstGeom prst="line">
+            <a:avLst/>
+          </a:prstGeom>
+          <a:ln>
+            <a:solidFill>
+              <a:schemeClr val="tx1"/>
+            </a:solidFill>
+          </a:ln>
+        </p:spPr>
+        <p:style>
+          <a:lnRef idx="1">
+            <a:schemeClr val="accent1"/>
+          </a:lnRef>
+          <a:fillRef idx="0">
+            <a:schemeClr val="accent1"/>
+          </a:fillRef>
+          <a:effectRef idx="0">
+            <a:schemeClr val="accent1"/>
+          </a:effectRef>
+          <a:fontRef idx="minor">
+            <a:schemeClr val="tx1"/>
+          </a:fontRef>
+        </p:style>
+      </p:cxnSp>
+      <p:sp>
+        <p:nvSpPr>
+          <p:cNvPr id="104" name="楕円 103">
+            <a:extLst>
+              <a:ext uri="{FF2B5EF4-FFF2-40B4-BE49-F238E27FC236}">
+                <a16:creationId xmlns:a16="http://schemas.microsoft.com/office/drawing/2014/main" id="{7CC5E67B-17EA-0E0D-DC4D-17F23BA87DB7}"/>
+              </a:ext>
+            </a:extLst>
+          </p:cNvPr>
+          <p:cNvSpPr/>
+          <p:nvPr/>
+        </p:nvSpPr>
+        <p:spPr>
+          <a:xfrm>
+            <a:off x="3042511" y="3910994"/>
+            <a:ext cx="439971" cy="434763"/>
+          </a:xfrm>
+          <a:prstGeom prst="ellipse">
+            <a:avLst/>
+          </a:prstGeom>
+          <a:solidFill>
+            <a:srgbClr val="00B050"/>
+          </a:solidFill>
+          <a:ln>
+            <a:solidFill>
+              <a:schemeClr val="tx1"/>
+            </a:solidFill>
+          </a:ln>
+        </p:spPr>
+        <p:style>
+          <a:lnRef idx="2">
+            <a:schemeClr val="accent1">
+              <a:shade val="50000"/>
+            </a:schemeClr>
+          </a:lnRef>
+          <a:fillRef idx="1">
+            <a:schemeClr val="accent1"/>
+          </a:fillRef>
+          <a:effectRef idx="0">
+            <a:schemeClr val="accent1"/>
+          </a:effectRef>
+          <a:fontRef idx="minor">
+            <a:schemeClr val="lt1"/>
+          </a:fontRef>
+        </p:style>
+        <p:txBody>
+          <a:bodyPr rtlCol="0" anchor="ctr"/>
+          <a:lstStyle/>
+          <a:p>
+            <a:pPr algn="ctr"/>
+            <a:r>
+              <a:rPr kumimoji="1" lang="en-US" altLang="ja-JP" dirty="0">
+                <a:solidFill>
+                  <a:schemeClr val="tx1"/>
+                </a:solidFill>
+              </a:rPr>
+              <a:t>3</a:t>
+            </a:r>
+            <a:endParaRPr kumimoji="1" lang="ja-JP" altLang="en-US" dirty="0">
+              <a:solidFill>
+                <a:schemeClr val="tx1"/>
+              </a:solidFill>
+            </a:endParaRPr>
+          </a:p>
+        </p:txBody>
+      </p:sp>
+      <p:cxnSp>
+        <p:nvCxnSpPr>
+          <p:cNvPr id="3" name="直線コネクタ 2">
+            <a:extLst>
+              <a:ext uri="{FF2B5EF4-FFF2-40B4-BE49-F238E27FC236}">
+                <a16:creationId xmlns:a16="http://schemas.microsoft.com/office/drawing/2014/main" id="{77AFF6F8-9CA7-9910-00AE-6EAC8F2AB456}"/>
+              </a:ext>
+            </a:extLst>
+          </p:cNvPr>
+          <p:cNvCxnSpPr>
+            <a:cxnSpLocks/>
+            <a:stCxn id="6" idx="6"/>
+            <a:endCxn id="90" idx="2"/>
+          </p:cNvCxnSpPr>
+          <p:nvPr/>
+        </p:nvCxnSpPr>
+        <p:spPr>
+          <a:xfrm>
+            <a:off x="2469954" y="2207432"/>
+            <a:ext cx="556482" cy="0"/>
+          </a:xfrm>
+          <a:prstGeom prst="line">
+            <a:avLst/>
+          </a:prstGeom>
+          <a:ln>
+            <a:solidFill>
+              <a:schemeClr val="tx1"/>
+            </a:solidFill>
+          </a:ln>
+        </p:spPr>
+        <p:style>
+          <a:lnRef idx="1">
+            <a:schemeClr val="accent1"/>
+          </a:lnRef>
+          <a:fillRef idx="0">
+            <a:schemeClr val="accent1"/>
+          </a:fillRef>
+          <a:effectRef idx="0">
+            <a:schemeClr val="accent1"/>
+          </a:effectRef>
+          <a:fontRef idx="minor">
+            <a:schemeClr val="tx1"/>
+          </a:fontRef>
+        </p:style>
+      </p:cxnSp>
+      <p:sp>
+        <p:nvSpPr>
+          <p:cNvPr id="6" name="楕円 5">
+            <a:extLst>
+              <a:ext uri="{FF2B5EF4-FFF2-40B4-BE49-F238E27FC236}">
+                <a16:creationId xmlns:a16="http://schemas.microsoft.com/office/drawing/2014/main" id="{77D87AF6-6053-0E5E-41FC-835957BA1897}"/>
+              </a:ext>
+            </a:extLst>
+          </p:cNvPr>
+          <p:cNvSpPr/>
+          <p:nvPr/>
+        </p:nvSpPr>
+        <p:spPr>
+          <a:xfrm>
+            <a:off x="2029983" y="1990050"/>
+            <a:ext cx="439971" cy="434763"/>
+          </a:xfrm>
+          <a:prstGeom prst="ellipse">
+            <a:avLst/>
+          </a:prstGeom>
+          <a:solidFill>
+            <a:srgbClr val="00B050"/>
+          </a:solidFill>
+          <a:ln>
+            <a:solidFill>
+              <a:schemeClr val="tx1"/>
+            </a:solidFill>
+          </a:ln>
+        </p:spPr>
+        <p:style>
+          <a:lnRef idx="2">
+            <a:schemeClr val="accent1">
+              <a:shade val="50000"/>
+            </a:schemeClr>
+          </a:lnRef>
+          <a:fillRef idx="1">
+            <a:schemeClr val="accent1"/>
+          </a:fillRef>
+          <a:effectRef idx="0">
+            <a:schemeClr val="accent1"/>
+          </a:effectRef>
+          <a:fontRef idx="minor">
+            <a:schemeClr val="lt1"/>
+          </a:fontRef>
+        </p:style>
+        <p:txBody>
+          <a:bodyPr rtlCol="0" anchor="ctr"/>
+          <a:lstStyle/>
+          <a:p>
+            <a:pPr algn="ctr"/>
+            <a:r>
+              <a:rPr kumimoji="1" lang="en-US" altLang="ja-JP" dirty="0">
+                <a:solidFill>
+                  <a:schemeClr val="tx1"/>
+                </a:solidFill>
+              </a:rPr>
+              <a:t>3</a:t>
+            </a:r>
+            <a:endParaRPr kumimoji="1" lang="ja-JP" altLang="en-US" dirty="0">
+              <a:solidFill>
+                <a:schemeClr val="tx1"/>
+              </a:solidFill>
+            </a:endParaRPr>
+          </a:p>
+        </p:txBody>
+      </p:sp>
+      <p:cxnSp>
+        <p:nvCxnSpPr>
+          <p:cNvPr id="8" name="直線コネクタ 7">
+            <a:extLst>
+              <a:ext uri="{FF2B5EF4-FFF2-40B4-BE49-F238E27FC236}">
+                <a16:creationId xmlns:a16="http://schemas.microsoft.com/office/drawing/2014/main" id="{580E5ABF-203F-5B48-A798-845CE32C6FD7}"/>
+              </a:ext>
+            </a:extLst>
+          </p:cNvPr>
+          <p:cNvCxnSpPr>
+            <a:cxnSpLocks/>
+            <a:stCxn id="51" idx="6"/>
+            <a:endCxn id="20" idx="2"/>
+          </p:cNvCxnSpPr>
+          <p:nvPr/>
+        </p:nvCxnSpPr>
+        <p:spPr>
+          <a:xfrm>
+            <a:off x="5475387" y="4128376"/>
+            <a:ext cx="527877" cy="2"/>
+          </a:xfrm>
+          <a:prstGeom prst="line">
+            <a:avLst/>
+          </a:prstGeom>
+          <a:ln>
+            <a:solidFill>
+              <a:schemeClr val="tx1"/>
+            </a:solidFill>
+          </a:ln>
+        </p:spPr>
+        <p:style>
+          <a:lnRef idx="1">
+            <a:schemeClr val="accent1"/>
+          </a:lnRef>
+          <a:fillRef idx="0">
+            <a:schemeClr val="accent1"/>
+          </a:fillRef>
+          <a:effectRef idx="0">
+            <a:schemeClr val="accent1"/>
+          </a:effectRef>
+          <a:fontRef idx="minor">
+            <a:schemeClr val="tx1"/>
+          </a:fontRef>
+        </p:style>
+      </p:cxnSp>
+      <p:sp>
+        <p:nvSpPr>
+          <p:cNvPr id="17" name="テキスト ボックス 16">
+            <a:extLst>
+              <a:ext uri="{FF2B5EF4-FFF2-40B4-BE49-F238E27FC236}">
+                <a16:creationId xmlns:a16="http://schemas.microsoft.com/office/drawing/2014/main" id="{77F8248F-EC1B-F5BD-3376-79D13122BF0D}"/>
+              </a:ext>
+            </a:extLst>
+          </p:cNvPr>
+          <p:cNvSpPr txBox="1"/>
+          <p:nvPr/>
+        </p:nvSpPr>
+        <p:spPr>
+          <a:xfrm>
+            <a:off x="1837664" y="188774"/>
+            <a:ext cx="8331200" cy="646331"/>
+          </a:xfrm>
+          <a:prstGeom prst="rect">
+            <a:avLst/>
+          </a:prstGeom>
+          <a:noFill/>
+        </p:spPr>
+        <p:txBody>
+          <a:bodyPr wrap="square" rtlCol="0">
+            <a:spAutoFit/>
+          </a:bodyPr>
+          <a:lstStyle/>
+          <a:p>
+            <a:r>
+              <a:rPr lang="en-US" altLang="ja-JP" b="0" i="0" dirty="0">
+                <a:solidFill>
+                  <a:srgbClr val="212121"/>
+                </a:solidFill>
+                <a:effectLst/>
+                <a:latin typeface="Courier New" panose="02070309020205020404" pitchFamily="49" charset="0"/>
+              </a:rPr>
+              <a:t>The probability that all labels are outputted along the most likely state transition: -8.825895056538032</a:t>
+            </a:r>
+            <a:r>
+              <a:rPr lang="ja-JP" altLang="en-US" b="0" i="0" dirty="0">
+                <a:solidFill>
+                  <a:srgbClr val="212121"/>
+                </a:solidFill>
+                <a:effectLst/>
+                <a:latin typeface="Courier New" panose="02070309020205020404" pitchFamily="49" charset="0"/>
+              </a:rPr>
+              <a:t>（対数表示）</a:t>
+            </a:r>
+            <a:endParaRPr kumimoji="1" lang="ja-JP" altLang="en-US" dirty="0"/>
+          </a:p>
+        </p:txBody>
+      </p:sp>
+      <p:pic>
+        <p:nvPicPr>
+          <p:cNvPr id="7" name="Picture 2">
+            <a:extLst>
+              <a:ext uri="{FF2B5EF4-FFF2-40B4-BE49-F238E27FC236}">
+                <a16:creationId xmlns:a16="http://schemas.microsoft.com/office/drawing/2014/main" id="{0DF53373-098A-D488-E5C6-04311F359865}"/>
+              </a:ext>
+            </a:extLst>
+          </p:cNvPr>
+          <p:cNvPicPr>
+            <a:picLocks noChangeAspect="1" noChangeArrowheads="1"/>
+          </p:cNvPicPr>
+          <p:nvPr/>
+        </p:nvPicPr>
+        <p:blipFill>
+          <a:blip r:embed="rId2">
+            <a:extLst>
+              <a:ext uri="{28A0092B-C50C-407E-A947-70E740481C1C}">
+                <a14:useLocalDpi xmlns:a14="http://schemas.microsoft.com/office/drawing/2010/main" val="0"/>
+              </a:ext>
+            </a:extLst>
+          </a:blip>
+          <a:srcRect/>
+          <a:stretch>
+            <a:fillRect/>
+          </a:stretch>
+        </p:blipFill>
+        <p:spPr bwMode="auto">
+          <a:xfrm>
+            <a:off x="8471845" y="5017508"/>
+            <a:ext cx="4147083" cy="1840492"/>
+          </a:xfrm>
+          <a:prstGeom prst="rect">
+            <a:avLst/>
+          </a:prstGeom>
+          <a:noFill/>
+          <a:extLst>
+            <a:ext uri="{909E8E84-426E-40DD-AFC4-6F175D3DCCD1}">
+              <a14:hiddenFill xmlns:a14="http://schemas.microsoft.com/office/drawing/2010/main">
+                <a:solidFill>
+                  <a:srgbClr val="FFFFFF"/>
+                </a:solidFill>
+              </a14:hiddenFill>
+            </a:ext>
+          </a:extLst>
+        </p:spPr>
+      </p:pic>
+      <p:sp>
+        <p:nvSpPr>
+          <p:cNvPr id="9" name="テキスト ボックス 8">
+            <a:extLst>
+              <a:ext uri="{FF2B5EF4-FFF2-40B4-BE49-F238E27FC236}">
+                <a16:creationId xmlns:a16="http://schemas.microsoft.com/office/drawing/2014/main" id="{02DA94A4-1686-97FF-E90E-3BE20AB5C660}"/>
+              </a:ext>
+            </a:extLst>
+          </p:cNvPr>
+          <p:cNvSpPr txBox="1"/>
+          <p:nvPr/>
+        </p:nvSpPr>
+        <p:spPr>
+          <a:xfrm>
+            <a:off x="8874825" y="5906705"/>
+            <a:ext cx="974889" cy="369332"/>
+          </a:xfrm>
+          <a:prstGeom prst="rect">
+            <a:avLst/>
+          </a:prstGeom>
+          <a:noFill/>
+        </p:spPr>
+        <p:txBody>
+          <a:bodyPr wrap="square">
+            <a:spAutoFit/>
+          </a:bodyPr>
+          <a:lstStyle/>
+          <a:p>
+            <a:pPr algn="l"/>
+            <a:r>
+              <a:rPr lang="en-US" altLang="ja-JP" b="1" i="0" dirty="0">
+                <a:solidFill>
+                  <a:srgbClr val="000000"/>
+                </a:solidFill>
+                <a:effectLst/>
+                <a:latin typeface="arial" panose="020B0604020202020204" pitchFamily="34" charset="0"/>
+              </a:rPr>
+              <a:t>SNFG</a:t>
+            </a:r>
+          </a:p>
+        </p:txBody>
+      </p:sp>
+      <p:sp>
+        <p:nvSpPr>
+          <p:cNvPr id="10" name="正方形/長方形 9">
+            <a:extLst>
+              <a:ext uri="{FF2B5EF4-FFF2-40B4-BE49-F238E27FC236}">
+                <a16:creationId xmlns:a16="http://schemas.microsoft.com/office/drawing/2014/main" id="{38276EFC-6B5B-511B-E932-AB30A54AA3F9}"/>
+              </a:ext>
+            </a:extLst>
+          </p:cNvPr>
+          <p:cNvSpPr/>
+          <p:nvPr/>
+        </p:nvSpPr>
+        <p:spPr>
+          <a:xfrm>
+            <a:off x="8940577" y="3214357"/>
+            <a:ext cx="439972" cy="434763"/>
+          </a:xfrm>
+          <a:prstGeom prst="rect">
+            <a:avLst/>
+          </a:prstGeom>
+          <a:noFill/>
+          <a:ln>
+            <a:solidFill>
+              <a:schemeClr val="tx1"/>
+            </a:solidFill>
+          </a:ln>
+        </p:spPr>
+        <p:style>
+          <a:lnRef idx="2">
+            <a:schemeClr val="accent1">
+              <a:shade val="50000"/>
+            </a:schemeClr>
+          </a:lnRef>
+          <a:fillRef idx="1">
+            <a:schemeClr val="accent1"/>
+          </a:fillRef>
+          <a:effectRef idx="0">
+            <a:schemeClr val="accent1"/>
+          </a:effectRef>
+          <a:fontRef idx="minor">
+            <a:schemeClr val="lt1"/>
+          </a:fontRef>
+        </p:style>
+        <p:txBody>
+          <a:bodyPr rtlCol="0" anchor="ctr"/>
+          <a:lstStyle/>
+          <a:p>
+            <a:pPr algn="ctr"/>
+            <a:r>
+              <a:rPr kumimoji="1" lang="en-US" altLang="ja-JP" dirty="0">
+                <a:solidFill>
+                  <a:schemeClr val="tx1"/>
+                </a:solidFill>
+              </a:rPr>
+              <a:t>2</a:t>
+            </a:r>
+            <a:endParaRPr kumimoji="1" lang="ja-JP" altLang="en-US" dirty="0">
+              <a:solidFill>
+                <a:schemeClr val="tx1"/>
+              </a:solidFill>
+            </a:endParaRPr>
+          </a:p>
+        </p:txBody>
+      </p:sp>
+      <p:sp>
+        <p:nvSpPr>
+          <p:cNvPr id="11" name="正方形/長方形 10">
+            <a:extLst>
+              <a:ext uri="{FF2B5EF4-FFF2-40B4-BE49-F238E27FC236}">
+                <a16:creationId xmlns:a16="http://schemas.microsoft.com/office/drawing/2014/main" id="{8E230614-C670-A076-0206-C84FA3F4A3BA}"/>
+              </a:ext>
+            </a:extLst>
+          </p:cNvPr>
+          <p:cNvSpPr/>
+          <p:nvPr/>
+        </p:nvSpPr>
+        <p:spPr>
+          <a:xfrm>
+            <a:off x="7958426" y="3211616"/>
+            <a:ext cx="439972" cy="434763"/>
+          </a:xfrm>
+          <a:prstGeom prst="rect">
+            <a:avLst/>
+          </a:prstGeom>
+          <a:noFill/>
+          <a:ln>
+            <a:solidFill>
+              <a:schemeClr val="tx1"/>
+            </a:solidFill>
+          </a:ln>
+        </p:spPr>
+        <p:style>
+          <a:lnRef idx="2">
+            <a:schemeClr val="accent1">
+              <a:shade val="50000"/>
+            </a:schemeClr>
+          </a:lnRef>
+          <a:fillRef idx="1">
+            <a:schemeClr val="accent1"/>
+          </a:fillRef>
+          <a:effectRef idx="0">
+            <a:schemeClr val="accent1"/>
+          </a:effectRef>
+          <a:fontRef idx="minor">
+            <a:schemeClr val="lt1"/>
+          </a:fontRef>
+        </p:style>
+        <p:txBody>
+          <a:bodyPr rtlCol="0" anchor="ctr"/>
+          <a:lstStyle/>
+          <a:p>
+            <a:pPr algn="ctr"/>
+            <a:r>
+              <a:rPr lang="en-US" altLang="ja-JP" dirty="0">
+                <a:solidFill>
+                  <a:schemeClr val="tx1"/>
+                </a:solidFill>
+              </a:rPr>
+              <a:t>1</a:t>
+            </a:r>
+            <a:endParaRPr kumimoji="1" lang="ja-JP" altLang="en-US" dirty="0">
+              <a:solidFill>
+                <a:schemeClr val="tx1"/>
+              </a:solidFill>
+            </a:endParaRPr>
+          </a:p>
+        </p:txBody>
+      </p:sp>
+    </p:spTree>
+    <p:extLst>
+      <p:ext uri="{BB962C8B-B14F-4D97-AF65-F5344CB8AC3E}">
+        <p14:creationId xmlns:p14="http://schemas.microsoft.com/office/powerpoint/2010/main" val="1114074624"/>
+      </p:ext>
+    </p:extLst>
+  </p:cSld>
+  <p:clrMapOvr>
+    <a:masterClrMapping/>
+  </p:clrMapOvr>
+</p:sld>
+</file>
+
+<file path=ppt/slides/slide5.xml><?xml version="1.0" encoding="utf-8"?>
+<p:sld xmlns:a="http://schemas.openxmlformats.org/drawingml/2006/main" xmlns:r="http://schemas.openxmlformats.org/officeDocument/2006/relationships" xmlns:p="http://schemas.openxmlformats.org/presentationml/2006/main">
+  <p:cSld>
+    <p:spTree>
+      <p:nvGrpSpPr>
+        <p:cNvPr id="1" name=""/>
+        <p:cNvGrpSpPr/>
+        <p:nvPr/>
+      </p:nvGrpSpPr>
+      <p:grpSpPr>
+        <a:xfrm>
+          <a:off x="0" y="0"/>
+          <a:ext cx="0" cy="0"/>
+          <a:chOff x="0" y="0"/>
+          <a:chExt cx="0" cy="0"/>
+        </a:xfrm>
+      </p:grpSpPr>
+      <p:cxnSp>
+        <p:nvCxnSpPr>
+          <p:cNvPr id="4" name="直線コネクタ 3">
+            <a:extLst>
+              <a:ext uri="{FF2B5EF4-FFF2-40B4-BE49-F238E27FC236}">
+                <a16:creationId xmlns:a16="http://schemas.microsoft.com/office/drawing/2014/main" id="{6F147F4B-8FAC-056D-BC9B-BF5397D939A4}"/>
+              </a:ext>
+            </a:extLst>
+          </p:cNvPr>
+          <p:cNvCxnSpPr>
+            <a:cxnSpLocks/>
+            <a:stCxn id="7" idx="3"/>
+            <a:endCxn id="5" idx="1"/>
+          </p:cNvCxnSpPr>
+          <p:nvPr/>
+        </p:nvCxnSpPr>
+        <p:spPr>
+          <a:xfrm>
+            <a:off x="9010075" y="3707378"/>
+            <a:ext cx="519494" cy="0"/>
+          </a:xfrm>
+          <a:prstGeom prst="line">
+            <a:avLst/>
+          </a:prstGeom>
+          <a:ln>
+            <a:solidFill>
+              <a:schemeClr val="tx1"/>
+            </a:solidFill>
+          </a:ln>
+        </p:spPr>
+        <p:style>
+          <a:lnRef idx="1">
+            <a:schemeClr val="accent1"/>
+          </a:lnRef>
+          <a:fillRef idx="0">
+            <a:schemeClr val="accent1"/>
+          </a:fillRef>
+          <a:effectRef idx="0">
+            <a:schemeClr val="accent1"/>
+          </a:effectRef>
+          <a:fontRef idx="minor">
+            <a:schemeClr val="tx1"/>
+          </a:fontRef>
+        </p:style>
+      </p:cxnSp>
+      <p:cxnSp>
+        <p:nvCxnSpPr>
+          <p:cNvPr id="16" name="直線コネクタ 15">
+            <a:extLst>
+              <a:ext uri="{FF2B5EF4-FFF2-40B4-BE49-F238E27FC236}">
+                <a16:creationId xmlns:a16="http://schemas.microsoft.com/office/drawing/2014/main" id="{3A4231B4-3565-5623-E3D4-DFF863B012DB}"/>
+              </a:ext>
+            </a:extLst>
+          </p:cNvPr>
+          <p:cNvCxnSpPr>
+            <a:cxnSpLocks/>
+            <a:stCxn id="28" idx="6"/>
+            <a:endCxn id="7" idx="1"/>
+          </p:cNvCxnSpPr>
+          <p:nvPr/>
+        </p:nvCxnSpPr>
+        <p:spPr>
+          <a:xfrm>
+            <a:off x="7789150" y="3707378"/>
+            <a:ext cx="559019" cy="0"/>
+          </a:xfrm>
+          <a:prstGeom prst="line">
+            <a:avLst/>
+          </a:prstGeom>
+          <a:ln>
+            <a:solidFill>
+              <a:schemeClr val="tx1"/>
+            </a:solidFill>
+          </a:ln>
+        </p:spPr>
+        <p:style>
+          <a:lnRef idx="1">
+            <a:schemeClr val="accent1"/>
+          </a:lnRef>
+          <a:fillRef idx="0">
+            <a:schemeClr val="accent1"/>
+          </a:fillRef>
+          <a:effectRef idx="0">
+            <a:schemeClr val="accent1"/>
+          </a:effectRef>
+          <a:fontRef idx="minor">
+            <a:schemeClr val="tx1"/>
+          </a:fontRef>
+        </p:style>
+      </p:cxnSp>
+      <p:cxnSp>
+        <p:nvCxnSpPr>
+          <p:cNvPr id="21" name="直線コネクタ 20">
+            <a:extLst>
+              <a:ext uri="{FF2B5EF4-FFF2-40B4-BE49-F238E27FC236}">
+                <a16:creationId xmlns:a16="http://schemas.microsoft.com/office/drawing/2014/main" id="{5070F677-61C6-9C9B-5F79-303AFF26D89A}"/>
+              </a:ext>
+            </a:extLst>
+          </p:cNvPr>
+          <p:cNvCxnSpPr>
+            <a:cxnSpLocks/>
+            <a:stCxn id="50" idx="5"/>
+            <a:endCxn id="28" idx="1"/>
+          </p:cNvCxnSpPr>
+          <p:nvPr/>
+        </p:nvCxnSpPr>
+        <p:spPr>
+          <a:xfrm>
+            <a:off x="6496848" y="2778987"/>
+            <a:ext cx="727330" cy="699879"/>
+          </a:xfrm>
+          <a:prstGeom prst="line">
+            <a:avLst/>
+          </a:prstGeom>
+          <a:ln>
+            <a:solidFill>
+              <a:schemeClr val="tx1"/>
+            </a:solidFill>
+          </a:ln>
+        </p:spPr>
+        <p:style>
+          <a:lnRef idx="1">
+            <a:schemeClr val="accent1"/>
+          </a:lnRef>
+          <a:fillRef idx="0">
+            <a:schemeClr val="accent1"/>
+          </a:fillRef>
+          <a:effectRef idx="0">
+            <a:schemeClr val="accent1"/>
+          </a:effectRef>
+          <a:fontRef idx="minor">
+            <a:schemeClr val="tx1"/>
+          </a:fontRef>
+        </p:style>
+      </p:cxnSp>
+      <p:cxnSp>
+        <p:nvCxnSpPr>
+          <p:cNvPr id="24" name="直線コネクタ 23">
+            <a:extLst>
+              <a:ext uri="{FF2B5EF4-FFF2-40B4-BE49-F238E27FC236}">
+                <a16:creationId xmlns:a16="http://schemas.microsoft.com/office/drawing/2014/main" id="{F82A930C-F5AB-FBE4-A327-C027ABD864A4}"/>
+              </a:ext>
+            </a:extLst>
+          </p:cNvPr>
+          <p:cNvCxnSpPr>
+            <a:cxnSpLocks/>
+            <a:stCxn id="36" idx="7"/>
+            <a:endCxn id="28" idx="3"/>
+          </p:cNvCxnSpPr>
+          <p:nvPr/>
+        </p:nvCxnSpPr>
+        <p:spPr>
+          <a:xfrm flipV="1">
+            <a:off x="6497837" y="3935890"/>
+            <a:ext cx="726341" cy="592179"/>
+          </a:xfrm>
+          <a:prstGeom prst="line">
+            <a:avLst/>
+          </a:prstGeom>
+          <a:ln>
+            <a:solidFill>
+              <a:schemeClr val="tx1"/>
+            </a:solidFill>
+          </a:ln>
+        </p:spPr>
+        <p:style>
+          <a:lnRef idx="1">
+            <a:schemeClr val="accent1"/>
+          </a:lnRef>
+          <a:fillRef idx="0">
+            <a:schemeClr val="accent1"/>
+          </a:fillRef>
+          <a:effectRef idx="0">
+            <a:schemeClr val="accent1"/>
+          </a:effectRef>
+          <a:fontRef idx="minor">
+            <a:schemeClr val="tx1"/>
+          </a:fontRef>
+        </p:style>
+      </p:cxnSp>
+      <p:cxnSp>
+        <p:nvCxnSpPr>
+          <p:cNvPr id="35" name="直線コネクタ 34">
+            <a:extLst>
+              <a:ext uri="{FF2B5EF4-FFF2-40B4-BE49-F238E27FC236}">
+                <a16:creationId xmlns:a16="http://schemas.microsoft.com/office/drawing/2014/main" id="{3394F000-E77A-B6D4-022D-10AACDA928FB}"/>
+              </a:ext>
+            </a:extLst>
+          </p:cNvPr>
+          <p:cNvCxnSpPr>
+            <a:cxnSpLocks/>
+            <a:stCxn id="58" idx="6"/>
+            <a:endCxn id="50" idx="1"/>
+          </p:cNvCxnSpPr>
+          <p:nvPr/>
+        </p:nvCxnSpPr>
+        <p:spPr>
+          <a:xfrm>
+            <a:off x="5368679" y="2024951"/>
+            <a:ext cx="654568" cy="297012"/>
+          </a:xfrm>
+          <a:prstGeom prst="line">
+            <a:avLst/>
+          </a:prstGeom>
+          <a:ln>
+            <a:solidFill>
+              <a:schemeClr val="tx1"/>
+            </a:solidFill>
+          </a:ln>
+        </p:spPr>
+        <p:style>
+          <a:lnRef idx="1">
+            <a:schemeClr val="accent1"/>
+          </a:lnRef>
+          <a:fillRef idx="0">
+            <a:schemeClr val="accent1"/>
+          </a:fillRef>
+          <a:effectRef idx="0">
+            <a:schemeClr val="accent1"/>
+          </a:effectRef>
+          <a:fontRef idx="minor">
+            <a:schemeClr val="tx1"/>
+          </a:fontRef>
+        </p:style>
+      </p:cxnSp>
+      <p:cxnSp>
+        <p:nvCxnSpPr>
+          <p:cNvPr id="48" name="直線コネクタ 47">
+            <a:extLst>
+              <a:ext uri="{FF2B5EF4-FFF2-40B4-BE49-F238E27FC236}">
+                <a16:creationId xmlns:a16="http://schemas.microsoft.com/office/drawing/2014/main" id="{38153412-84F5-4E64-1F56-01EEB3020D40}"/>
+              </a:ext>
+            </a:extLst>
+          </p:cNvPr>
+          <p:cNvCxnSpPr>
+            <a:cxnSpLocks/>
+            <a:stCxn id="71" idx="7"/>
+          </p:cNvCxnSpPr>
+          <p:nvPr/>
+        </p:nvCxnSpPr>
+        <p:spPr>
+          <a:xfrm flipV="1">
+            <a:off x="5270592" y="2827499"/>
+            <a:ext cx="797105" cy="352320"/>
+          </a:xfrm>
+          <a:prstGeom prst="line">
+            <a:avLst/>
+          </a:prstGeom>
+          <a:ln>
+            <a:solidFill>
+              <a:schemeClr val="tx1"/>
+            </a:solidFill>
+          </a:ln>
+        </p:spPr>
+        <p:style>
+          <a:lnRef idx="1">
+            <a:schemeClr val="accent1"/>
+          </a:lnRef>
+          <a:fillRef idx="0">
+            <a:schemeClr val="accent1"/>
+          </a:fillRef>
+          <a:effectRef idx="0">
+            <a:schemeClr val="accent1"/>
+          </a:effectRef>
+          <a:fontRef idx="minor">
+            <a:schemeClr val="tx1"/>
+          </a:fontRef>
+        </p:style>
+      </p:cxnSp>
+      <p:cxnSp>
+        <p:nvCxnSpPr>
+          <p:cNvPr id="66" name="直線コネクタ 65">
+            <a:extLst>
+              <a:ext uri="{FF2B5EF4-FFF2-40B4-BE49-F238E27FC236}">
+                <a16:creationId xmlns:a16="http://schemas.microsoft.com/office/drawing/2014/main" id="{0D73DC1B-4788-4BEA-BCD5-5A95101381AA}"/>
+              </a:ext>
+            </a:extLst>
+          </p:cNvPr>
+          <p:cNvCxnSpPr>
+            <a:cxnSpLocks/>
+            <a:stCxn id="62" idx="6"/>
+            <a:endCxn id="58" idx="2"/>
+          </p:cNvCxnSpPr>
+          <p:nvPr/>
+        </p:nvCxnSpPr>
+        <p:spPr>
+          <a:xfrm>
+            <a:off x="4145318" y="2024951"/>
+            <a:ext cx="553588" cy="0"/>
+          </a:xfrm>
+          <a:prstGeom prst="line">
+            <a:avLst/>
+          </a:prstGeom>
+          <a:ln>
+            <a:solidFill>
+              <a:schemeClr val="tx1"/>
+            </a:solidFill>
+          </a:ln>
+        </p:spPr>
+        <p:style>
+          <a:lnRef idx="1">
+            <a:schemeClr val="accent1"/>
+          </a:lnRef>
+          <a:fillRef idx="0">
+            <a:schemeClr val="accent1"/>
+          </a:fillRef>
+          <a:effectRef idx="0">
+            <a:schemeClr val="accent1"/>
+          </a:effectRef>
+          <a:fontRef idx="minor">
+            <a:schemeClr val="tx1"/>
+          </a:fontRef>
+        </p:style>
+      </p:cxnSp>
+      <p:cxnSp>
+        <p:nvCxnSpPr>
+          <p:cNvPr id="89" name="直線コネクタ 88">
+            <a:extLst>
+              <a:ext uri="{FF2B5EF4-FFF2-40B4-BE49-F238E27FC236}">
+                <a16:creationId xmlns:a16="http://schemas.microsoft.com/office/drawing/2014/main" id="{219E3501-C614-A6C3-7C21-28CF0F8C4DF5}"/>
+              </a:ext>
+            </a:extLst>
+          </p:cNvPr>
+          <p:cNvCxnSpPr>
+            <a:cxnSpLocks/>
+            <a:stCxn id="64" idx="6"/>
+          </p:cNvCxnSpPr>
+          <p:nvPr/>
+        </p:nvCxnSpPr>
+        <p:spPr>
+          <a:xfrm>
+            <a:off x="2925183" y="2024951"/>
+            <a:ext cx="555341" cy="1705"/>
+          </a:xfrm>
+          <a:prstGeom prst="line">
+            <a:avLst/>
+          </a:prstGeom>
+          <a:ln>
+            <a:solidFill>
+              <a:schemeClr val="tx1"/>
+            </a:solidFill>
+          </a:ln>
+        </p:spPr>
+        <p:style>
+          <a:lnRef idx="1">
+            <a:schemeClr val="accent1"/>
+          </a:lnRef>
+          <a:fillRef idx="0">
+            <a:schemeClr val="accent1"/>
+          </a:fillRef>
+          <a:effectRef idx="0">
+            <a:schemeClr val="accent1"/>
+          </a:effectRef>
+          <a:fontRef idx="minor">
+            <a:schemeClr val="tx1"/>
+          </a:fontRef>
+        </p:style>
+      </p:cxnSp>
+      <p:cxnSp>
+        <p:nvCxnSpPr>
+          <p:cNvPr id="92" name="直線コネクタ 91">
+            <a:extLst>
+              <a:ext uri="{FF2B5EF4-FFF2-40B4-BE49-F238E27FC236}">
+                <a16:creationId xmlns:a16="http://schemas.microsoft.com/office/drawing/2014/main" id="{F0188C79-281A-7EB4-B7A7-0B74E0A01B6C}"/>
+              </a:ext>
+            </a:extLst>
+          </p:cNvPr>
+          <p:cNvCxnSpPr>
+            <a:cxnSpLocks/>
+            <a:stCxn id="75" idx="6"/>
+          </p:cNvCxnSpPr>
+          <p:nvPr/>
+        </p:nvCxnSpPr>
+        <p:spPr>
+          <a:xfrm>
+            <a:off x="4143859" y="3419290"/>
+            <a:ext cx="542175" cy="5386"/>
+          </a:xfrm>
+          <a:prstGeom prst="line">
+            <a:avLst/>
+          </a:prstGeom>
+          <a:ln>
+            <a:solidFill>
+              <a:schemeClr val="tx1"/>
+            </a:solidFill>
+          </a:ln>
+        </p:spPr>
+        <p:style>
+          <a:lnRef idx="1">
+            <a:schemeClr val="accent1"/>
+          </a:lnRef>
+          <a:fillRef idx="0">
+            <a:schemeClr val="accent1"/>
+          </a:fillRef>
+          <a:effectRef idx="0">
+            <a:schemeClr val="accent1"/>
+          </a:effectRef>
+          <a:fontRef idx="minor">
+            <a:schemeClr val="tx1"/>
+          </a:fontRef>
+        </p:style>
+      </p:cxnSp>
+      <p:cxnSp>
+        <p:nvCxnSpPr>
+          <p:cNvPr id="94" name="直線コネクタ 93">
+            <a:extLst>
+              <a:ext uri="{FF2B5EF4-FFF2-40B4-BE49-F238E27FC236}">
+                <a16:creationId xmlns:a16="http://schemas.microsoft.com/office/drawing/2014/main" id="{2A3434F9-101A-C370-87D9-B8A615A1B98C}"/>
+              </a:ext>
+            </a:extLst>
+          </p:cNvPr>
+          <p:cNvCxnSpPr>
+            <a:cxnSpLocks/>
+            <a:stCxn id="78" idx="6"/>
+            <a:endCxn id="75" idx="2"/>
+          </p:cNvCxnSpPr>
+          <p:nvPr/>
+        </p:nvCxnSpPr>
+        <p:spPr>
+          <a:xfrm>
+            <a:off x="2922934" y="3419290"/>
+            <a:ext cx="551152" cy="0"/>
+          </a:xfrm>
+          <a:prstGeom prst="line">
+            <a:avLst/>
+          </a:prstGeom>
+          <a:ln>
+            <a:solidFill>
+              <a:schemeClr val="tx1"/>
+            </a:solidFill>
+          </a:ln>
+        </p:spPr>
+        <p:style>
+          <a:lnRef idx="1">
+            <a:schemeClr val="accent1"/>
+          </a:lnRef>
+          <a:fillRef idx="0">
+            <a:schemeClr val="accent1"/>
+          </a:fillRef>
+          <a:effectRef idx="0">
+            <a:schemeClr val="accent1"/>
+          </a:effectRef>
+          <a:fontRef idx="minor">
+            <a:schemeClr val="tx1"/>
+          </a:fontRef>
+        </p:style>
+      </p:cxnSp>
+      <p:cxnSp>
+        <p:nvCxnSpPr>
+          <p:cNvPr id="101" name="直線コネクタ 100">
+            <a:extLst>
+              <a:ext uri="{FF2B5EF4-FFF2-40B4-BE49-F238E27FC236}">
+                <a16:creationId xmlns:a16="http://schemas.microsoft.com/office/drawing/2014/main" id="{662F5556-2EA0-97A9-8869-4603EFD5B92B}"/>
+              </a:ext>
+            </a:extLst>
+          </p:cNvPr>
+          <p:cNvCxnSpPr>
+            <a:cxnSpLocks/>
+            <a:stCxn id="44" idx="6"/>
+            <a:endCxn id="41" idx="2"/>
+          </p:cNvCxnSpPr>
+          <p:nvPr/>
+        </p:nvCxnSpPr>
+        <p:spPr>
+          <a:xfrm>
+            <a:off x="4178787" y="4756581"/>
+            <a:ext cx="566910" cy="0"/>
+          </a:xfrm>
+          <a:prstGeom prst="line">
+            <a:avLst/>
+          </a:prstGeom>
+          <a:ln>
+            <a:solidFill>
+              <a:schemeClr val="tx1"/>
+            </a:solidFill>
+          </a:ln>
+        </p:spPr>
+        <p:style>
+          <a:lnRef idx="1">
+            <a:schemeClr val="accent1"/>
+          </a:lnRef>
+          <a:fillRef idx="0">
+            <a:schemeClr val="accent1"/>
+          </a:fillRef>
+          <a:effectRef idx="0">
+            <a:schemeClr val="accent1"/>
+          </a:effectRef>
+          <a:fontRef idx="minor">
+            <a:schemeClr val="tx1"/>
+          </a:fontRef>
+        </p:style>
+      </p:cxnSp>
+      <p:cxnSp>
+        <p:nvCxnSpPr>
+          <p:cNvPr id="103" name="直線コネクタ 102">
+            <a:extLst>
+              <a:ext uri="{FF2B5EF4-FFF2-40B4-BE49-F238E27FC236}">
+                <a16:creationId xmlns:a16="http://schemas.microsoft.com/office/drawing/2014/main" id="{69C44B0D-BF3C-6EB1-41C9-F231BD414390}"/>
+              </a:ext>
+            </a:extLst>
+          </p:cNvPr>
+          <p:cNvCxnSpPr>
+            <a:cxnSpLocks/>
+            <a:stCxn id="47" idx="6"/>
+            <a:endCxn id="44" idx="2"/>
+          </p:cNvCxnSpPr>
+          <p:nvPr/>
+        </p:nvCxnSpPr>
+        <p:spPr>
+          <a:xfrm>
+            <a:off x="2958974" y="4756581"/>
+            <a:ext cx="557907" cy="0"/>
+          </a:xfrm>
+          <a:prstGeom prst="line">
+            <a:avLst/>
+          </a:prstGeom>
+          <a:ln>
+            <a:solidFill>
+              <a:schemeClr val="tx1"/>
+            </a:solidFill>
+          </a:ln>
+        </p:spPr>
+        <p:style>
+          <a:lnRef idx="1">
+            <a:schemeClr val="accent1"/>
+          </a:lnRef>
+          <a:fillRef idx="0">
+            <a:schemeClr val="accent1"/>
+          </a:fillRef>
+          <a:effectRef idx="0">
+            <a:schemeClr val="accent1"/>
+          </a:effectRef>
+          <a:fontRef idx="minor">
+            <a:schemeClr val="tx1"/>
+          </a:fontRef>
+        </p:style>
+      </p:cxnSp>
+      <p:cxnSp>
+        <p:nvCxnSpPr>
+          <p:cNvPr id="3" name="直線コネクタ 2">
+            <a:extLst>
+              <a:ext uri="{FF2B5EF4-FFF2-40B4-BE49-F238E27FC236}">
+                <a16:creationId xmlns:a16="http://schemas.microsoft.com/office/drawing/2014/main" id="{77AFF6F8-9CA7-9910-00AE-6EAC8F2AB456}"/>
+              </a:ext>
+            </a:extLst>
+          </p:cNvPr>
+          <p:cNvCxnSpPr>
+            <a:cxnSpLocks/>
+            <a:stCxn id="69" idx="6"/>
+            <a:endCxn id="64" idx="2"/>
+          </p:cNvCxnSpPr>
+          <p:nvPr/>
+        </p:nvCxnSpPr>
+        <p:spPr>
+          <a:xfrm>
+            <a:off x="1698928" y="2024951"/>
+            <a:ext cx="556482" cy="0"/>
+          </a:xfrm>
+          <a:prstGeom prst="line">
+            <a:avLst/>
+          </a:prstGeom>
+          <a:ln>
+            <a:solidFill>
+              <a:schemeClr val="tx1"/>
+            </a:solidFill>
+          </a:ln>
+        </p:spPr>
+        <p:style>
+          <a:lnRef idx="1">
+            <a:schemeClr val="accent1"/>
+          </a:lnRef>
+          <a:fillRef idx="0">
+            <a:schemeClr val="accent1"/>
+          </a:fillRef>
+          <a:effectRef idx="0">
+            <a:schemeClr val="accent1"/>
+          </a:effectRef>
+          <a:fontRef idx="minor">
+            <a:schemeClr val="tx1"/>
+          </a:fontRef>
+        </p:style>
+      </p:cxnSp>
+      <p:cxnSp>
+        <p:nvCxnSpPr>
+          <p:cNvPr id="8" name="直線コネクタ 7">
+            <a:extLst>
+              <a:ext uri="{FF2B5EF4-FFF2-40B4-BE49-F238E27FC236}">
+                <a16:creationId xmlns:a16="http://schemas.microsoft.com/office/drawing/2014/main" id="{580E5ABF-203F-5B48-A798-845CE32C6FD7}"/>
+              </a:ext>
+            </a:extLst>
+          </p:cNvPr>
+          <p:cNvCxnSpPr>
+            <a:cxnSpLocks/>
+            <a:stCxn id="41" idx="6"/>
+            <a:endCxn id="36" idx="2"/>
+          </p:cNvCxnSpPr>
+          <p:nvPr/>
+        </p:nvCxnSpPr>
+        <p:spPr>
+          <a:xfrm>
+            <a:off x="5407603" y="4756581"/>
+            <a:ext cx="518547" cy="0"/>
+          </a:xfrm>
+          <a:prstGeom prst="line">
+            <a:avLst/>
+          </a:prstGeom>
+          <a:ln>
+            <a:solidFill>
+              <a:schemeClr val="tx1"/>
+            </a:solidFill>
+          </a:ln>
+        </p:spPr>
+        <p:style>
+          <a:lnRef idx="1">
+            <a:schemeClr val="accent1"/>
+          </a:lnRef>
+          <a:fillRef idx="0">
+            <a:schemeClr val="accent1"/>
+          </a:fillRef>
+          <a:effectRef idx="0">
+            <a:schemeClr val="accent1"/>
+          </a:effectRef>
+          <a:fontRef idx="minor">
+            <a:schemeClr val="tx1"/>
+          </a:fontRef>
+        </p:style>
+      </p:cxnSp>
+      <p:sp>
+        <p:nvSpPr>
+          <p:cNvPr id="17" name="テキスト ボックス 16">
+            <a:extLst>
+              <a:ext uri="{FF2B5EF4-FFF2-40B4-BE49-F238E27FC236}">
+                <a16:creationId xmlns:a16="http://schemas.microsoft.com/office/drawing/2014/main" id="{77F8248F-EC1B-F5BD-3376-79D13122BF0D}"/>
+              </a:ext>
+            </a:extLst>
+          </p:cNvPr>
+          <p:cNvSpPr txBox="1"/>
+          <p:nvPr/>
+        </p:nvSpPr>
+        <p:spPr>
+          <a:xfrm>
+            <a:off x="1930400" y="296753"/>
+            <a:ext cx="8331200" cy="923330"/>
+          </a:xfrm>
+          <a:prstGeom prst="rect">
+            <a:avLst/>
+          </a:prstGeom>
+          <a:noFill/>
+        </p:spPr>
+        <p:txBody>
+          <a:bodyPr wrap="square" rtlCol="0">
+            <a:spAutoFit/>
+          </a:bodyPr>
+          <a:lstStyle/>
+          <a:p>
+            <a:r>
+              <a:rPr lang="en-US" altLang="ja-JP" b="0" i="0" dirty="0">
+                <a:solidFill>
+                  <a:srgbClr val="212121"/>
+                </a:solidFill>
+                <a:effectLst/>
+                <a:latin typeface="Courier New" panose="02070309020205020404" pitchFamily="49" charset="0"/>
+              </a:rPr>
+              <a:t>High mannose</a:t>
+            </a:r>
+          </a:p>
+          <a:p>
+            <a:r>
+              <a:rPr lang="en-US" altLang="ja-JP" b="0" i="0" dirty="0">
+                <a:solidFill>
+                  <a:srgbClr val="212121"/>
+                </a:solidFill>
+                <a:effectLst/>
+                <a:latin typeface="Courier New" panose="02070309020205020404" pitchFamily="49" charset="0"/>
+              </a:rPr>
+              <a:t>The probability that all labels are outputted along the most likely state transition: -11.704494208726313</a:t>
+            </a:r>
+            <a:r>
+              <a:rPr lang="ja-JP" altLang="en-US" b="0" i="0" dirty="0">
+                <a:solidFill>
+                  <a:srgbClr val="212121"/>
+                </a:solidFill>
+                <a:effectLst/>
+                <a:latin typeface="Courier New" panose="02070309020205020404" pitchFamily="49" charset="0"/>
+              </a:rPr>
+              <a:t>（対数表示）</a:t>
+            </a:r>
+            <a:endParaRPr kumimoji="1" lang="ja-JP" altLang="en-US" dirty="0"/>
+          </a:p>
+        </p:txBody>
+      </p:sp>
+      <p:pic>
+        <p:nvPicPr>
+          <p:cNvPr id="1026" name="Picture 2">
+            <a:extLst>
+              <a:ext uri="{FF2B5EF4-FFF2-40B4-BE49-F238E27FC236}">
+                <a16:creationId xmlns:a16="http://schemas.microsoft.com/office/drawing/2014/main" id="{DA98605D-938E-2862-AD24-EF2570C1E252}"/>
+              </a:ext>
+            </a:extLst>
+          </p:cNvPr>
+          <p:cNvPicPr>
+            <a:picLocks noChangeAspect="1" noChangeArrowheads="1"/>
+          </p:cNvPicPr>
+          <p:nvPr/>
+        </p:nvPicPr>
+        <p:blipFill>
+          <a:blip r:embed="rId2">
+            <a:extLst>
+              <a:ext uri="{28A0092B-C50C-407E-A947-70E740481C1C}">
+                <a14:useLocalDpi xmlns:a14="http://schemas.microsoft.com/office/drawing/2010/main" val="0"/>
+              </a:ext>
+            </a:extLst>
+          </a:blip>
+          <a:srcRect/>
+          <a:stretch>
+            <a:fillRect/>
+          </a:stretch>
+        </p:blipFill>
+        <p:spPr bwMode="auto">
+          <a:xfrm>
+            <a:off x="6971112" y="4539198"/>
+            <a:ext cx="4147083" cy="1840492"/>
+          </a:xfrm>
+          <a:prstGeom prst="rect">
+            <a:avLst/>
+          </a:prstGeom>
+          <a:noFill/>
+          <a:extLst>
+            <a:ext uri="{909E8E84-426E-40DD-AFC4-6F175D3DCCD1}">
+              <a14:hiddenFill xmlns:a14="http://schemas.microsoft.com/office/drawing/2010/main">
+                <a:solidFill>
+                  <a:srgbClr val="FFFFFF"/>
+                </a:solidFill>
+              </a14:hiddenFill>
+            </a:ext>
+          </a:extLst>
+        </p:spPr>
+      </p:pic>
+      <p:sp>
+        <p:nvSpPr>
+          <p:cNvPr id="9" name="テキスト ボックス 8">
+            <a:extLst>
+              <a:ext uri="{FF2B5EF4-FFF2-40B4-BE49-F238E27FC236}">
+                <a16:creationId xmlns:a16="http://schemas.microsoft.com/office/drawing/2014/main" id="{6C1493F6-39E2-FE09-6421-EF8A271869AC}"/>
+              </a:ext>
+            </a:extLst>
+          </p:cNvPr>
+          <p:cNvSpPr txBox="1"/>
+          <p:nvPr/>
+        </p:nvSpPr>
+        <p:spPr>
+          <a:xfrm>
+            <a:off x="8874825" y="6192890"/>
+            <a:ext cx="974889" cy="369332"/>
+          </a:xfrm>
+          <a:prstGeom prst="rect">
+            <a:avLst/>
+          </a:prstGeom>
+          <a:noFill/>
+        </p:spPr>
+        <p:txBody>
+          <a:bodyPr wrap="square">
+            <a:spAutoFit/>
+          </a:bodyPr>
+          <a:lstStyle/>
+          <a:p>
+            <a:pPr algn="l"/>
+            <a:r>
+              <a:rPr lang="en-US" altLang="ja-JP" b="1" i="0" dirty="0">
+                <a:solidFill>
+                  <a:srgbClr val="000000"/>
+                </a:solidFill>
+                <a:effectLst/>
+                <a:latin typeface="arial" panose="020B0604020202020204" pitchFamily="34" charset="0"/>
+              </a:rPr>
+              <a:t>SNFG</a:t>
+            </a:r>
+          </a:p>
+        </p:txBody>
+      </p:sp>
+      <p:sp>
+        <p:nvSpPr>
+          <p:cNvPr id="28" name="楕円 27">
+            <a:extLst>
+              <a:ext uri="{FF2B5EF4-FFF2-40B4-BE49-F238E27FC236}">
+                <a16:creationId xmlns:a16="http://schemas.microsoft.com/office/drawing/2014/main" id="{8F6AE66A-1137-F4D8-41F0-CCD3DB1A5A0B}"/>
+              </a:ext>
+            </a:extLst>
+          </p:cNvPr>
+          <p:cNvSpPr/>
+          <p:nvPr/>
+        </p:nvSpPr>
+        <p:spPr>
+          <a:xfrm>
+            <a:off x="7127244" y="3384213"/>
+            <a:ext cx="661906" cy="646330"/>
+          </a:xfrm>
+          <a:prstGeom prst="ellipse">
+            <a:avLst/>
+          </a:prstGeom>
+          <a:solidFill>
+            <a:srgbClr val="00B050"/>
+          </a:solidFill>
+          <a:ln>
+            <a:solidFill>
+              <a:schemeClr val="tx1"/>
+            </a:solidFill>
+          </a:ln>
+        </p:spPr>
+        <p:style>
+          <a:lnRef idx="2">
+            <a:schemeClr val="accent1">
+              <a:shade val="50000"/>
+            </a:schemeClr>
+          </a:lnRef>
+          <a:fillRef idx="1">
+            <a:schemeClr val="accent1"/>
+          </a:fillRef>
+          <a:effectRef idx="0">
+            <a:schemeClr val="accent1"/>
+          </a:effectRef>
+          <a:fontRef idx="minor">
+            <a:schemeClr val="lt1"/>
+          </a:fontRef>
+        </p:style>
+        <p:txBody>
+          <a:bodyPr rtlCol="0" anchor="ctr"/>
+          <a:lstStyle/>
+          <a:p>
+            <a:pPr algn="ctr"/>
+            <a:r>
+              <a:rPr lang="en-US" altLang="ja-JP" b="1" dirty="0">
+                <a:solidFill>
+                  <a:schemeClr val="tx1"/>
+                </a:solidFill>
+              </a:rPr>
+              <a:t>m</a:t>
+            </a:r>
+            <a:endParaRPr kumimoji="1" lang="ja-JP" altLang="en-US" b="1" dirty="0">
+              <a:solidFill>
+                <a:schemeClr val="tx1"/>
+              </a:solidFill>
+            </a:endParaRPr>
+          </a:p>
+        </p:txBody>
+      </p:sp>
+      <p:sp>
+        <p:nvSpPr>
+          <p:cNvPr id="36" name="楕円 35">
+            <a:extLst>
+              <a:ext uri="{FF2B5EF4-FFF2-40B4-BE49-F238E27FC236}">
+                <a16:creationId xmlns:a16="http://schemas.microsoft.com/office/drawing/2014/main" id="{F7921F41-386F-A194-B777-0D3AB36A6177}"/>
+              </a:ext>
+            </a:extLst>
+          </p:cNvPr>
+          <p:cNvSpPr/>
+          <p:nvPr/>
+        </p:nvSpPr>
+        <p:spPr>
+          <a:xfrm>
+            <a:off x="5926150" y="4433416"/>
+            <a:ext cx="669773" cy="646330"/>
+          </a:xfrm>
+          <a:prstGeom prst="ellipse">
+            <a:avLst/>
+          </a:prstGeom>
+          <a:solidFill>
+            <a:srgbClr val="00B050"/>
+          </a:solidFill>
+          <a:ln>
+            <a:solidFill>
+              <a:schemeClr val="tx1"/>
+            </a:solidFill>
+          </a:ln>
+        </p:spPr>
+        <p:style>
+          <a:lnRef idx="2">
+            <a:schemeClr val="accent1">
+              <a:shade val="50000"/>
+            </a:schemeClr>
+          </a:lnRef>
+          <a:fillRef idx="1">
+            <a:schemeClr val="accent1"/>
+          </a:fillRef>
+          <a:effectRef idx="0">
+            <a:schemeClr val="accent1"/>
+          </a:effectRef>
+          <a:fontRef idx="minor">
+            <a:schemeClr val="lt1"/>
+          </a:fontRef>
+        </p:style>
+        <p:txBody>
+          <a:bodyPr rtlCol="0" anchor="ctr"/>
+          <a:lstStyle/>
+          <a:p>
+            <a:pPr algn="ctr"/>
+            <a:r>
+              <a:rPr lang="en-US" altLang="ja-JP" b="1" dirty="0">
+                <a:solidFill>
+                  <a:schemeClr val="tx1"/>
+                </a:solidFill>
+              </a:rPr>
+              <a:t>m</a:t>
+            </a:r>
+          </a:p>
+        </p:txBody>
+      </p:sp>
+      <p:sp>
+        <p:nvSpPr>
+          <p:cNvPr id="41" name="楕円 40">
+            <a:extLst>
+              <a:ext uri="{FF2B5EF4-FFF2-40B4-BE49-F238E27FC236}">
+                <a16:creationId xmlns:a16="http://schemas.microsoft.com/office/drawing/2014/main" id="{15904443-21F0-6D9F-423A-96759786D309}"/>
+              </a:ext>
+            </a:extLst>
+          </p:cNvPr>
+          <p:cNvSpPr/>
+          <p:nvPr/>
+        </p:nvSpPr>
+        <p:spPr>
+          <a:xfrm>
+            <a:off x="4745697" y="4433416"/>
+            <a:ext cx="661906" cy="646330"/>
+          </a:xfrm>
+          <a:prstGeom prst="ellipse">
+            <a:avLst/>
+          </a:prstGeom>
+          <a:solidFill>
+            <a:srgbClr val="00B050"/>
+          </a:solidFill>
+          <a:ln>
+            <a:solidFill>
+              <a:schemeClr val="tx1"/>
+            </a:solidFill>
+          </a:ln>
+        </p:spPr>
+        <p:style>
+          <a:lnRef idx="2">
+            <a:schemeClr val="accent1">
+              <a:shade val="50000"/>
+            </a:schemeClr>
+          </a:lnRef>
+          <a:fillRef idx="1">
+            <a:schemeClr val="accent1"/>
+          </a:fillRef>
+          <a:effectRef idx="0">
+            <a:schemeClr val="accent1"/>
+          </a:effectRef>
+          <a:fontRef idx="minor">
+            <a:schemeClr val="lt1"/>
+          </a:fontRef>
+        </p:style>
+        <p:txBody>
+          <a:bodyPr rtlCol="0" anchor="ctr"/>
+          <a:lstStyle/>
+          <a:p>
+            <a:pPr algn="ctr"/>
+            <a:r>
+              <a:rPr lang="en-US" altLang="ja-JP" b="1" dirty="0">
+                <a:solidFill>
+                  <a:schemeClr val="tx1"/>
+                </a:solidFill>
+              </a:rPr>
+              <a:t>m</a:t>
+            </a:r>
+            <a:endParaRPr kumimoji="1" lang="ja-JP" altLang="en-US" b="1" dirty="0">
+              <a:solidFill>
+                <a:schemeClr val="tx1"/>
+              </a:solidFill>
+            </a:endParaRPr>
+          </a:p>
+        </p:txBody>
+      </p:sp>
+      <p:sp>
+        <p:nvSpPr>
+          <p:cNvPr id="44" name="楕円 43">
+            <a:extLst>
+              <a:ext uri="{FF2B5EF4-FFF2-40B4-BE49-F238E27FC236}">
+                <a16:creationId xmlns:a16="http://schemas.microsoft.com/office/drawing/2014/main" id="{EF9EB1DB-E33B-378F-A089-B957857D60FE}"/>
+              </a:ext>
+            </a:extLst>
+          </p:cNvPr>
+          <p:cNvSpPr/>
+          <p:nvPr/>
+        </p:nvSpPr>
+        <p:spPr>
+          <a:xfrm>
+            <a:off x="3516881" y="4433416"/>
+            <a:ext cx="661906" cy="646330"/>
+          </a:xfrm>
+          <a:prstGeom prst="ellipse">
+            <a:avLst/>
+          </a:prstGeom>
+          <a:solidFill>
+            <a:srgbClr val="00B050"/>
+          </a:solidFill>
+          <a:ln>
+            <a:solidFill>
+              <a:schemeClr val="tx1"/>
+            </a:solidFill>
+          </a:ln>
+        </p:spPr>
+        <p:style>
+          <a:lnRef idx="2">
+            <a:schemeClr val="accent1">
+              <a:shade val="50000"/>
+            </a:schemeClr>
+          </a:lnRef>
+          <a:fillRef idx="1">
+            <a:schemeClr val="accent1"/>
+          </a:fillRef>
+          <a:effectRef idx="0">
+            <a:schemeClr val="accent1"/>
+          </a:effectRef>
+          <a:fontRef idx="minor">
+            <a:schemeClr val="lt1"/>
+          </a:fontRef>
+        </p:style>
+        <p:txBody>
+          <a:bodyPr rtlCol="0" anchor="ctr"/>
+          <a:lstStyle/>
+          <a:p>
+            <a:pPr algn="ctr"/>
+            <a:r>
+              <a:rPr lang="en-US" altLang="ja-JP" b="1" dirty="0">
+                <a:solidFill>
+                  <a:schemeClr val="tx1"/>
+                </a:solidFill>
+              </a:rPr>
+              <a:t>m</a:t>
+            </a:r>
+            <a:endParaRPr kumimoji="1" lang="ja-JP" altLang="en-US" b="1" dirty="0">
+              <a:solidFill>
+                <a:schemeClr val="tx1"/>
+              </a:solidFill>
+            </a:endParaRPr>
+          </a:p>
+        </p:txBody>
+      </p:sp>
+      <p:sp>
+        <p:nvSpPr>
+          <p:cNvPr id="47" name="楕円 46">
+            <a:extLst>
+              <a:ext uri="{FF2B5EF4-FFF2-40B4-BE49-F238E27FC236}">
+                <a16:creationId xmlns:a16="http://schemas.microsoft.com/office/drawing/2014/main" id="{A68D361E-A77B-783E-4F73-CE2DD0C8B9A4}"/>
+              </a:ext>
+            </a:extLst>
+          </p:cNvPr>
+          <p:cNvSpPr/>
+          <p:nvPr/>
+        </p:nvSpPr>
+        <p:spPr>
+          <a:xfrm>
+            <a:off x="2297068" y="4433416"/>
+            <a:ext cx="661906" cy="646330"/>
+          </a:xfrm>
+          <a:prstGeom prst="ellipse">
+            <a:avLst/>
+          </a:prstGeom>
+          <a:solidFill>
+            <a:srgbClr val="00B050"/>
+          </a:solidFill>
+          <a:ln>
+            <a:solidFill>
+              <a:schemeClr val="tx1"/>
+            </a:solidFill>
+          </a:ln>
+        </p:spPr>
+        <p:style>
+          <a:lnRef idx="2">
+            <a:schemeClr val="accent1">
+              <a:shade val="50000"/>
+            </a:schemeClr>
+          </a:lnRef>
+          <a:fillRef idx="1">
+            <a:schemeClr val="accent1"/>
+          </a:fillRef>
+          <a:effectRef idx="0">
+            <a:schemeClr val="accent1"/>
+          </a:effectRef>
+          <a:fontRef idx="minor">
+            <a:schemeClr val="lt1"/>
+          </a:fontRef>
+        </p:style>
+        <p:txBody>
+          <a:bodyPr rtlCol="0" anchor="ctr"/>
+          <a:lstStyle/>
+          <a:p>
+            <a:pPr algn="ctr"/>
+            <a:r>
+              <a:rPr lang="en-US" altLang="ja-JP" b="1" dirty="0">
+                <a:solidFill>
+                  <a:schemeClr val="tx1"/>
+                </a:solidFill>
+              </a:rPr>
+              <a:t>m</a:t>
+            </a:r>
+            <a:endParaRPr kumimoji="1" lang="ja-JP" altLang="en-US" b="1" dirty="0">
+              <a:solidFill>
+                <a:schemeClr val="tx1"/>
+              </a:solidFill>
+            </a:endParaRPr>
+          </a:p>
+        </p:txBody>
+      </p:sp>
+      <p:sp>
+        <p:nvSpPr>
+          <p:cNvPr id="50" name="楕円 49">
+            <a:extLst>
+              <a:ext uri="{FF2B5EF4-FFF2-40B4-BE49-F238E27FC236}">
+                <a16:creationId xmlns:a16="http://schemas.microsoft.com/office/drawing/2014/main" id="{B086405C-D7CE-C5AA-FF90-701DE10D363B}"/>
+              </a:ext>
+            </a:extLst>
+          </p:cNvPr>
+          <p:cNvSpPr/>
+          <p:nvPr/>
+        </p:nvSpPr>
+        <p:spPr>
+          <a:xfrm>
+            <a:off x="5925161" y="2227310"/>
+            <a:ext cx="669773" cy="646330"/>
+          </a:xfrm>
+          <a:prstGeom prst="ellipse">
+            <a:avLst/>
+          </a:prstGeom>
+          <a:solidFill>
+            <a:srgbClr val="00B050"/>
+          </a:solidFill>
+          <a:ln>
+            <a:solidFill>
+              <a:schemeClr val="tx1"/>
+            </a:solidFill>
+          </a:ln>
+        </p:spPr>
+        <p:style>
+          <a:lnRef idx="2">
+            <a:schemeClr val="accent1">
+              <a:shade val="50000"/>
+            </a:schemeClr>
+          </a:lnRef>
+          <a:fillRef idx="1">
+            <a:schemeClr val="accent1"/>
+          </a:fillRef>
+          <a:effectRef idx="0">
+            <a:schemeClr val="accent1"/>
+          </a:effectRef>
+          <a:fontRef idx="minor">
+            <a:schemeClr val="lt1"/>
+          </a:fontRef>
+        </p:style>
+        <p:txBody>
+          <a:bodyPr rtlCol="0" anchor="ctr"/>
+          <a:lstStyle/>
+          <a:p>
+            <a:pPr algn="ctr"/>
+            <a:r>
+              <a:rPr lang="en-US" altLang="ja-JP" b="1" dirty="0">
+                <a:solidFill>
+                  <a:schemeClr val="tx1"/>
+                </a:solidFill>
+              </a:rPr>
+              <a:t>m</a:t>
+            </a:r>
+            <a:endParaRPr kumimoji="1" lang="ja-JP" altLang="en-US" b="1" dirty="0">
+              <a:solidFill>
+                <a:schemeClr val="tx1"/>
+              </a:solidFill>
+            </a:endParaRPr>
+          </a:p>
+        </p:txBody>
+      </p:sp>
+      <p:sp>
+        <p:nvSpPr>
+          <p:cNvPr id="58" name="楕円 57">
+            <a:extLst>
+              <a:ext uri="{FF2B5EF4-FFF2-40B4-BE49-F238E27FC236}">
+                <a16:creationId xmlns:a16="http://schemas.microsoft.com/office/drawing/2014/main" id="{887D2F27-4B94-49C4-15EF-11D62797B4B9}"/>
+              </a:ext>
+            </a:extLst>
+          </p:cNvPr>
+          <p:cNvSpPr/>
+          <p:nvPr/>
+        </p:nvSpPr>
+        <p:spPr>
+          <a:xfrm>
+            <a:off x="4698906" y="1701786"/>
+            <a:ext cx="669773" cy="646330"/>
+          </a:xfrm>
+          <a:prstGeom prst="ellipse">
+            <a:avLst/>
+          </a:prstGeom>
+          <a:solidFill>
+            <a:srgbClr val="00B050"/>
+          </a:solidFill>
+          <a:ln>
+            <a:solidFill>
+              <a:schemeClr val="tx1"/>
+            </a:solidFill>
+          </a:ln>
+        </p:spPr>
+        <p:style>
+          <a:lnRef idx="2">
+            <a:schemeClr val="accent1">
+              <a:shade val="50000"/>
+            </a:schemeClr>
+          </a:lnRef>
+          <a:fillRef idx="1">
+            <a:schemeClr val="accent1"/>
+          </a:fillRef>
+          <a:effectRef idx="0">
+            <a:schemeClr val="accent1"/>
+          </a:effectRef>
+          <a:fontRef idx="minor">
+            <a:schemeClr val="lt1"/>
+          </a:fontRef>
+        </p:style>
+        <p:txBody>
+          <a:bodyPr rtlCol="0" anchor="ctr"/>
+          <a:lstStyle/>
+          <a:p>
+            <a:pPr algn="ctr"/>
+            <a:r>
+              <a:rPr kumimoji="1" lang="en-US" altLang="ja-JP" b="1" dirty="0">
+                <a:solidFill>
+                  <a:schemeClr val="tx1"/>
+                </a:solidFill>
+              </a:rPr>
+              <a:t>m</a:t>
+            </a:r>
+            <a:endParaRPr kumimoji="1" lang="ja-JP" altLang="en-US" b="1" dirty="0">
+              <a:solidFill>
+                <a:schemeClr val="tx1"/>
+              </a:solidFill>
+            </a:endParaRPr>
+          </a:p>
+        </p:txBody>
+      </p:sp>
+      <p:sp>
+        <p:nvSpPr>
+          <p:cNvPr id="62" name="楕円 61">
+            <a:extLst>
+              <a:ext uri="{FF2B5EF4-FFF2-40B4-BE49-F238E27FC236}">
+                <a16:creationId xmlns:a16="http://schemas.microsoft.com/office/drawing/2014/main" id="{DBB22A8C-4A15-E0C2-5655-2DA08609F36B}"/>
+              </a:ext>
+            </a:extLst>
+          </p:cNvPr>
+          <p:cNvSpPr/>
+          <p:nvPr/>
+        </p:nvSpPr>
+        <p:spPr>
+          <a:xfrm>
+            <a:off x="3475545" y="1701786"/>
+            <a:ext cx="669773" cy="646330"/>
+          </a:xfrm>
+          <a:prstGeom prst="ellipse">
+            <a:avLst/>
+          </a:prstGeom>
+          <a:solidFill>
+            <a:srgbClr val="00B050"/>
+          </a:solidFill>
+          <a:ln>
+            <a:solidFill>
+              <a:schemeClr val="tx1"/>
+            </a:solidFill>
+          </a:ln>
+        </p:spPr>
+        <p:style>
+          <a:lnRef idx="2">
+            <a:schemeClr val="accent1">
+              <a:shade val="50000"/>
+            </a:schemeClr>
+          </a:lnRef>
+          <a:fillRef idx="1">
+            <a:schemeClr val="accent1"/>
+          </a:fillRef>
+          <a:effectRef idx="0">
+            <a:schemeClr val="accent1"/>
+          </a:effectRef>
+          <a:fontRef idx="minor">
+            <a:schemeClr val="lt1"/>
+          </a:fontRef>
+        </p:style>
+        <p:txBody>
+          <a:bodyPr rtlCol="0" anchor="ctr"/>
+          <a:lstStyle/>
+          <a:p>
+            <a:pPr algn="ctr"/>
+            <a:r>
+              <a:rPr lang="en-US" altLang="ja-JP" b="1" dirty="0">
+                <a:solidFill>
+                  <a:schemeClr val="tx1"/>
+                </a:solidFill>
+              </a:rPr>
+              <a:t>m</a:t>
+            </a:r>
+            <a:endParaRPr kumimoji="1" lang="ja-JP" altLang="en-US" b="1" dirty="0">
+              <a:solidFill>
+                <a:schemeClr val="tx1"/>
+              </a:solidFill>
+            </a:endParaRPr>
+          </a:p>
+        </p:txBody>
+      </p:sp>
+      <p:sp>
+        <p:nvSpPr>
+          <p:cNvPr id="64" name="楕円 63">
+            <a:extLst>
+              <a:ext uri="{FF2B5EF4-FFF2-40B4-BE49-F238E27FC236}">
+                <a16:creationId xmlns:a16="http://schemas.microsoft.com/office/drawing/2014/main" id="{0EF9880D-DB1B-D84C-FE92-02417BFFAE0C}"/>
+              </a:ext>
+            </a:extLst>
+          </p:cNvPr>
+          <p:cNvSpPr/>
+          <p:nvPr/>
+        </p:nvSpPr>
+        <p:spPr>
+          <a:xfrm>
+            <a:off x="2255410" y="1701786"/>
+            <a:ext cx="669773" cy="646330"/>
+          </a:xfrm>
+          <a:prstGeom prst="ellipse">
+            <a:avLst/>
+          </a:prstGeom>
+          <a:solidFill>
+            <a:srgbClr val="00B050"/>
+          </a:solidFill>
+          <a:ln>
+            <a:solidFill>
+              <a:schemeClr val="tx1"/>
+            </a:solidFill>
+          </a:ln>
+        </p:spPr>
+        <p:style>
+          <a:lnRef idx="2">
+            <a:schemeClr val="accent1">
+              <a:shade val="50000"/>
+            </a:schemeClr>
+          </a:lnRef>
+          <a:fillRef idx="1">
+            <a:schemeClr val="accent1"/>
+          </a:fillRef>
+          <a:effectRef idx="0">
+            <a:schemeClr val="accent1"/>
+          </a:effectRef>
+          <a:fontRef idx="minor">
+            <a:schemeClr val="lt1"/>
+          </a:fontRef>
+        </p:style>
+        <p:txBody>
+          <a:bodyPr rtlCol="0" anchor="ctr"/>
+          <a:lstStyle/>
+          <a:p>
+            <a:pPr algn="ctr"/>
+            <a:r>
+              <a:rPr lang="en-US" altLang="ja-JP" b="1" dirty="0">
+                <a:solidFill>
+                  <a:schemeClr val="tx1"/>
+                </a:solidFill>
+              </a:rPr>
+              <a:t>m</a:t>
+            </a:r>
+            <a:endParaRPr kumimoji="1" lang="ja-JP" altLang="en-US" b="1" dirty="0">
+              <a:solidFill>
+                <a:schemeClr val="tx1"/>
+              </a:solidFill>
+            </a:endParaRPr>
+          </a:p>
+        </p:txBody>
+      </p:sp>
+      <p:sp>
+        <p:nvSpPr>
+          <p:cNvPr id="69" name="楕円 68">
+            <a:extLst>
+              <a:ext uri="{FF2B5EF4-FFF2-40B4-BE49-F238E27FC236}">
+                <a16:creationId xmlns:a16="http://schemas.microsoft.com/office/drawing/2014/main" id="{7691BD2E-6D40-177A-1175-D5BCC2C4AAA9}"/>
+              </a:ext>
+            </a:extLst>
+          </p:cNvPr>
+          <p:cNvSpPr/>
+          <p:nvPr/>
+        </p:nvSpPr>
+        <p:spPr>
+          <a:xfrm>
+            <a:off x="1029155" y="1701786"/>
+            <a:ext cx="669773" cy="646330"/>
+          </a:xfrm>
+          <a:prstGeom prst="ellipse">
+            <a:avLst/>
+          </a:prstGeom>
+          <a:solidFill>
+            <a:srgbClr val="00B050"/>
+          </a:solidFill>
+          <a:ln>
+            <a:solidFill>
+              <a:schemeClr val="tx1"/>
+            </a:solidFill>
+          </a:ln>
+        </p:spPr>
+        <p:style>
+          <a:lnRef idx="2">
+            <a:schemeClr val="accent1">
+              <a:shade val="50000"/>
+            </a:schemeClr>
+          </a:lnRef>
+          <a:fillRef idx="1">
+            <a:schemeClr val="accent1"/>
+          </a:fillRef>
+          <a:effectRef idx="0">
+            <a:schemeClr val="accent1"/>
+          </a:effectRef>
+          <a:fontRef idx="minor">
+            <a:schemeClr val="lt1"/>
+          </a:fontRef>
+        </p:style>
+        <p:txBody>
+          <a:bodyPr rtlCol="0" anchor="ctr"/>
+          <a:lstStyle/>
+          <a:p>
+            <a:pPr algn="ctr"/>
+            <a:r>
+              <a:rPr lang="en-US" altLang="ja-JP" b="1" dirty="0">
+                <a:solidFill>
+                  <a:schemeClr val="tx1"/>
+                </a:solidFill>
+              </a:rPr>
+              <a:t>m</a:t>
+            </a:r>
+            <a:endParaRPr kumimoji="1" lang="ja-JP" altLang="en-US" b="1" dirty="0">
+              <a:solidFill>
+                <a:schemeClr val="tx1"/>
+              </a:solidFill>
+            </a:endParaRPr>
+          </a:p>
+        </p:txBody>
+      </p:sp>
+      <p:sp>
+        <p:nvSpPr>
+          <p:cNvPr id="71" name="楕円 70">
+            <a:extLst>
+              <a:ext uri="{FF2B5EF4-FFF2-40B4-BE49-F238E27FC236}">
+                <a16:creationId xmlns:a16="http://schemas.microsoft.com/office/drawing/2014/main" id="{932F4425-5335-ACE0-940D-30562ACCD9C0}"/>
+              </a:ext>
+            </a:extLst>
+          </p:cNvPr>
+          <p:cNvSpPr/>
+          <p:nvPr/>
+        </p:nvSpPr>
+        <p:spPr>
+          <a:xfrm>
+            <a:off x="4698905" y="3085166"/>
+            <a:ext cx="669773" cy="646330"/>
+          </a:xfrm>
+          <a:prstGeom prst="ellipse">
+            <a:avLst/>
+          </a:prstGeom>
+          <a:solidFill>
+            <a:srgbClr val="00B050"/>
+          </a:solidFill>
+          <a:ln>
+            <a:solidFill>
+              <a:schemeClr val="tx1"/>
+            </a:solidFill>
+          </a:ln>
+        </p:spPr>
+        <p:style>
+          <a:lnRef idx="2">
+            <a:schemeClr val="accent1">
+              <a:shade val="50000"/>
+            </a:schemeClr>
+          </a:lnRef>
+          <a:fillRef idx="1">
+            <a:schemeClr val="accent1"/>
+          </a:fillRef>
+          <a:effectRef idx="0">
+            <a:schemeClr val="accent1"/>
+          </a:effectRef>
+          <a:fontRef idx="minor">
+            <a:schemeClr val="lt1"/>
+          </a:fontRef>
+        </p:style>
+        <p:txBody>
+          <a:bodyPr rtlCol="0" anchor="ctr"/>
+          <a:lstStyle/>
+          <a:p>
+            <a:pPr algn="ctr"/>
+            <a:r>
+              <a:rPr kumimoji="1" lang="en-US" altLang="ja-JP" b="1" dirty="0">
+                <a:solidFill>
+                  <a:schemeClr val="tx1"/>
+                </a:solidFill>
+              </a:rPr>
+              <a:t>m</a:t>
+            </a:r>
+            <a:endParaRPr kumimoji="1" lang="ja-JP" altLang="en-US" b="1" dirty="0">
+              <a:solidFill>
+                <a:schemeClr val="tx1"/>
+              </a:solidFill>
+            </a:endParaRPr>
+          </a:p>
+        </p:txBody>
+      </p:sp>
+      <p:sp>
+        <p:nvSpPr>
+          <p:cNvPr id="75" name="楕円 74">
+            <a:extLst>
+              <a:ext uri="{FF2B5EF4-FFF2-40B4-BE49-F238E27FC236}">
+                <a16:creationId xmlns:a16="http://schemas.microsoft.com/office/drawing/2014/main" id="{0F9DF357-3BFC-9E23-6E7E-82113AB591DD}"/>
+              </a:ext>
+            </a:extLst>
+          </p:cNvPr>
+          <p:cNvSpPr/>
+          <p:nvPr/>
+        </p:nvSpPr>
+        <p:spPr>
+          <a:xfrm>
+            <a:off x="3474086" y="3096125"/>
+            <a:ext cx="669773" cy="646330"/>
+          </a:xfrm>
+          <a:prstGeom prst="ellipse">
+            <a:avLst/>
+          </a:prstGeom>
+          <a:solidFill>
+            <a:srgbClr val="00B050"/>
+          </a:solidFill>
+          <a:ln>
+            <a:solidFill>
+              <a:schemeClr val="tx1"/>
+            </a:solidFill>
+          </a:ln>
+        </p:spPr>
+        <p:style>
+          <a:lnRef idx="2">
+            <a:schemeClr val="accent1">
+              <a:shade val="50000"/>
+            </a:schemeClr>
+          </a:lnRef>
+          <a:fillRef idx="1">
+            <a:schemeClr val="accent1"/>
+          </a:fillRef>
+          <a:effectRef idx="0">
+            <a:schemeClr val="accent1"/>
+          </a:effectRef>
+          <a:fontRef idx="minor">
+            <a:schemeClr val="lt1"/>
+          </a:fontRef>
+        </p:style>
+        <p:txBody>
+          <a:bodyPr rtlCol="0" anchor="ctr"/>
+          <a:lstStyle/>
+          <a:p>
+            <a:pPr algn="ctr"/>
+            <a:r>
+              <a:rPr kumimoji="1" lang="en-US" altLang="ja-JP" b="1" dirty="0">
+                <a:solidFill>
+                  <a:schemeClr val="tx1"/>
+                </a:solidFill>
+              </a:rPr>
+              <a:t>m</a:t>
+            </a:r>
+            <a:endParaRPr kumimoji="1" lang="ja-JP" altLang="en-US" b="1" dirty="0">
+              <a:solidFill>
+                <a:schemeClr val="tx1"/>
+              </a:solidFill>
+            </a:endParaRPr>
+          </a:p>
+        </p:txBody>
+      </p:sp>
+      <p:sp>
+        <p:nvSpPr>
+          <p:cNvPr id="78" name="楕円 77">
+            <a:extLst>
+              <a:ext uri="{FF2B5EF4-FFF2-40B4-BE49-F238E27FC236}">
+                <a16:creationId xmlns:a16="http://schemas.microsoft.com/office/drawing/2014/main" id="{3EF3B43C-EBCF-1158-4EA7-BF0ACCCA5B60}"/>
+              </a:ext>
+            </a:extLst>
+          </p:cNvPr>
+          <p:cNvSpPr/>
+          <p:nvPr/>
+        </p:nvSpPr>
+        <p:spPr>
+          <a:xfrm>
+            <a:off x="2253161" y="3096125"/>
+            <a:ext cx="669773" cy="646330"/>
+          </a:xfrm>
+          <a:prstGeom prst="ellipse">
+            <a:avLst/>
+          </a:prstGeom>
+          <a:solidFill>
+            <a:srgbClr val="00B050"/>
+          </a:solidFill>
+          <a:ln>
+            <a:solidFill>
+              <a:schemeClr val="tx1"/>
+            </a:solidFill>
+          </a:ln>
+        </p:spPr>
+        <p:style>
+          <a:lnRef idx="2">
+            <a:schemeClr val="accent1">
+              <a:shade val="50000"/>
+            </a:schemeClr>
+          </a:lnRef>
+          <a:fillRef idx="1">
+            <a:schemeClr val="accent1"/>
+          </a:fillRef>
+          <a:effectRef idx="0">
+            <a:schemeClr val="accent1"/>
+          </a:effectRef>
+          <a:fontRef idx="minor">
+            <a:schemeClr val="lt1"/>
+          </a:fontRef>
+        </p:style>
+        <p:txBody>
+          <a:bodyPr rtlCol="0" anchor="ctr"/>
+          <a:lstStyle/>
+          <a:p>
+            <a:pPr algn="ctr"/>
+            <a:r>
+              <a:rPr lang="en-US" altLang="ja-JP" b="1" dirty="0">
+                <a:solidFill>
+                  <a:schemeClr val="tx1"/>
+                </a:solidFill>
+              </a:rPr>
+              <a:t>m</a:t>
+            </a:r>
+            <a:endParaRPr kumimoji="1" lang="ja-JP" altLang="en-US" b="1" dirty="0">
+              <a:solidFill>
+                <a:schemeClr val="tx1"/>
+              </a:solidFill>
+            </a:endParaRPr>
+          </a:p>
+        </p:txBody>
+      </p:sp>
+      <p:sp>
+        <p:nvSpPr>
+          <p:cNvPr id="5" name="正方形/長方形 4">
+            <a:extLst>
+              <a:ext uri="{FF2B5EF4-FFF2-40B4-BE49-F238E27FC236}">
+                <a16:creationId xmlns:a16="http://schemas.microsoft.com/office/drawing/2014/main" id="{B9F66DDC-70A2-132C-29AE-024AE4249F14}"/>
+              </a:ext>
+            </a:extLst>
+          </p:cNvPr>
+          <p:cNvSpPr/>
+          <p:nvPr/>
+        </p:nvSpPr>
+        <p:spPr>
+          <a:xfrm>
+            <a:off x="9529569" y="3384213"/>
+            <a:ext cx="661906" cy="646330"/>
+          </a:xfrm>
+          <a:prstGeom prst="rect">
+            <a:avLst/>
+          </a:prstGeom>
+          <a:noFill/>
+          <a:ln>
+            <a:solidFill>
+              <a:schemeClr val="tx1"/>
+            </a:solidFill>
+          </a:ln>
+        </p:spPr>
+        <p:style>
+          <a:lnRef idx="2">
+            <a:schemeClr val="accent1">
+              <a:shade val="50000"/>
+            </a:schemeClr>
+          </a:lnRef>
+          <a:fillRef idx="1">
+            <a:schemeClr val="accent1"/>
+          </a:fillRef>
+          <a:effectRef idx="0">
+            <a:schemeClr val="accent1"/>
+          </a:effectRef>
+          <a:fontRef idx="minor">
+            <a:schemeClr val="lt1"/>
+          </a:fontRef>
+        </p:style>
+        <p:txBody>
+          <a:bodyPr rtlCol="0" anchor="ctr"/>
+          <a:lstStyle/>
+          <a:p>
+            <a:pPr algn="ctr"/>
+            <a:r>
+              <a:rPr kumimoji="1" lang="en-US" altLang="ja-JP" b="1" dirty="0">
+                <a:solidFill>
+                  <a:schemeClr val="tx1"/>
+                </a:solidFill>
+              </a:rPr>
+              <a:t>g</a:t>
+            </a:r>
+            <a:endParaRPr kumimoji="1" lang="ja-JP" altLang="en-US" b="1" dirty="0">
+              <a:solidFill>
+                <a:schemeClr val="tx1"/>
+              </a:solidFill>
+            </a:endParaRPr>
+          </a:p>
+        </p:txBody>
+      </p:sp>
+      <p:sp>
+        <p:nvSpPr>
+          <p:cNvPr id="7" name="正方形/長方形 6">
+            <a:extLst>
+              <a:ext uri="{FF2B5EF4-FFF2-40B4-BE49-F238E27FC236}">
+                <a16:creationId xmlns:a16="http://schemas.microsoft.com/office/drawing/2014/main" id="{1501A544-5675-3EC9-7830-7397234D0D0F}"/>
+              </a:ext>
+            </a:extLst>
+          </p:cNvPr>
+          <p:cNvSpPr/>
+          <p:nvPr/>
+        </p:nvSpPr>
+        <p:spPr>
+          <a:xfrm>
+            <a:off x="8348169" y="3384213"/>
+            <a:ext cx="661906" cy="646330"/>
+          </a:xfrm>
+          <a:prstGeom prst="rect">
+            <a:avLst/>
+          </a:prstGeom>
+          <a:noFill/>
+          <a:ln>
+            <a:solidFill>
+              <a:schemeClr val="tx1"/>
+            </a:solidFill>
+          </a:ln>
+        </p:spPr>
+        <p:style>
+          <a:lnRef idx="2">
+            <a:schemeClr val="accent1">
+              <a:shade val="50000"/>
+            </a:schemeClr>
+          </a:lnRef>
+          <a:fillRef idx="1">
+            <a:schemeClr val="accent1"/>
+          </a:fillRef>
+          <a:effectRef idx="0">
+            <a:schemeClr val="accent1"/>
+          </a:effectRef>
+          <a:fontRef idx="minor">
+            <a:schemeClr val="lt1"/>
+          </a:fontRef>
+        </p:style>
+        <p:txBody>
+          <a:bodyPr rtlCol="0" anchor="ctr"/>
+          <a:lstStyle/>
+          <a:p>
+            <a:pPr algn="ctr"/>
+            <a:r>
+              <a:rPr lang="en-US" altLang="ja-JP" b="1" dirty="0">
+                <a:solidFill>
+                  <a:schemeClr val="tx1"/>
+                </a:solidFill>
+              </a:rPr>
+              <a:t>g’</a:t>
+            </a:r>
+            <a:endParaRPr kumimoji="1" lang="ja-JP" altLang="en-US" b="1" dirty="0">
+              <a:solidFill>
+                <a:schemeClr val="tx1"/>
+              </a:solidFill>
+            </a:endParaRPr>
+          </a:p>
+        </p:txBody>
+      </p:sp>
+    </p:spTree>
+    <p:extLst>
+      <p:ext uri="{BB962C8B-B14F-4D97-AF65-F5344CB8AC3E}">
+        <p14:creationId xmlns:p14="http://schemas.microsoft.com/office/powerpoint/2010/main" val="1767928204"/>
+      </p:ext>
+    </p:extLst>
+  </p:cSld>
+  <p:clrMapOvr>
+    <a:masterClrMapping/>
+  </p:clrMapOvr>
+</p:sld>
+</file>
+
+<file path=ppt/slides/slide6.xml><?xml version="1.0" encoding="utf-8"?>
+<p:sld xmlns:a="http://schemas.openxmlformats.org/drawingml/2006/main" xmlns:r="http://schemas.openxmlformats.org/officeDocument/2006/relationships" xmlns:p="http://schemas.openxmlformats.org/presentationml/2006/main">
+  <p:cSld>
+    <p:spTree>
+      <p:nvGrpSpPr>
+        <p:cNvPr id="1" name=""/>
+        <p:cNvGrpSpPr/>
+        <p:nvPr/>
+      </p:nvGrpSpPr>
+      <p:grpSpPr>
+        <a:xfrm>
+          <a:off x="0" y="0"/>
+          <a:ext cx="0" cy="0"/>
+          <a:chOff x="0" y="0"/>
+          <a:chExt cx="0" cy="0"/>
+        </a:xfrm>
+      </p:grpSpPr>
       <p:sp>
         <p:nvSpPr>
           <p:cNvPr id="2" name="楕円 1">
@@ -11558,7 +15296,7 @@
 </p:sld>
 </file>
 
-<file path=ppt/slides/slide5.xml><?xml version="1.0" encoding="utf-8"?>
+<file path=ppt/slides/slide7.xml><?xml version="1.0" encoding="utf-8"?>
 <p:sld xmlns:a="http://schemas.openxmlformats.org/drawingml/2006/main" xmlns:r="http://schemas.openxmlformats.org/officeDocument/2006/relationships" xmlns:p="http://schemas.openxmlformats.org/presentationml/2006/main">
   <p:cSld>
     <p:spTree>
